--- a/AzureFunctions.pptx
+++ b/AzureFunctions.pptx
@@ -5,10 +5,10 @@
     <p:sldMasterId id="2147484082" r:id="rId4"/>
   </p:sldMasterIdLst>
   <p:notesMasterIdLst>
-    <p:notesMasterId r:id="rId39"/>
+    <p:notesMasterId r:id="rId43"/>
   </p:notesMasterIdLst>
   <p:handoutMasterIdLst>
-    <p:handoutMasterId r:id="rId40"/>
+    <p:handoutMasterId r:id="rId44"/>
   </p:handoutMasterIdLst>
   <p:sldIdLst>
     <p:sldId id="257" r:id="rId5"/>
@@ -16,35 +16,39 @@
     <p:sldId id="307" r:id="rId7"/>
     <p:sldId id="310" r:id="rId8"/>
     <p:sldId id="312" r:id="rId9"/>
-    <p:sldId id="314" r:id="rId10"/>
-    <p:sldId id="313" r:id="rId11"/>
-    <p:sldId id="315" r:id="rId12"/>
-    <p:sldId id="316" r:id="rId13"/>
-    <p:sldId id="317" r:id="rId14"/>
-    <p:sldId id="318" r:id="rId15"/>
-    <p:sldId id="319" r:id="rId16"/>
-    <p:sldId id="320" r:id="rId17"/>
-    <p:sldId id="325" r:id="rId18"/>
-    <p:sldId id="324" r:id="rId19"/>
-    <p:sldId id="321" r:id="rId20"/>
-    <p:sldId id="322" r:id="rId21"/>
-    <p:sldId id="323" r:id="rId22"/>
-    <p:sldId id="326" r:id="rId23"/>
-    <p:sldId id="327" r:id="rId24"/>
-    <p:sldId id="334" r:id="rId25"/>
-    <p:sldId id="335" r:id="rId26"/>
-    <p:sldId id="328" r:id="rId27"/>
-    <p:sldId id="329" r:id="rId28"/>
-    <p:sldId id="330" r:id="rId29"/>
-    <p:sldId id="331" r:id="rId30"/>
-    <p:sldId id="305" r:id="rId31"/>
-    <p:sldId id="311" r:id="rId32"/>
-    <p:sldId id="332" r:id="rId33"/>
-    <p:sldId id="333" r:id="rId34"/>
-    <p:sldId id="336" r:id="rId35"/>
-    <p:sldId id="299" r:id="rId36"/>
-    <p:sldId id="309" r:id="rId37"/>
-    <p:sldId id="300" r:id="rId38"/>
+    <p:sldId id="338" r:id="rId10"/>
+    <p:sldId id="340" r:id="rId11"/>
+    <p:sldId id="339" r:id="rId12"/>
+    <p:sldId id="314" r:id="rId13"/>
+    <p:sldId id="313" r:id="rId14"/>
+    <p:sldId id="315" r:id="rId15"/>
+    <p:sldId id="316" r:id="rId16"/>
+    <p:sldId id="317" r:id="rId17"/>
+    <p:sldId id="318" r:id="rId18"/>
+    <p:sldId id="319" r:id="rId19"/>
+    <p:sldId id="320" r:id="rId20"/>
+    <p:sldId id="325" r:id="rId21"/>
+    <p:sldId id="341" r:id="rId22"/>
+    <p:sldId id="324" r:id="rId23"/>
+    <p:sldId id="321" r:id="rId24"/>
+    <p:sldId id="322" r:id="rId25"/>
+    <p:sldId id="323" r:id="rId26"/>
+    <p:sldId id="326" r:id="rId27"/>
+    <p:sldId id="327" r:id="rId28"/>
+    <p:sldId id="334" r:id="rId29"/>
+    <p:sldId id="335" r:id="rId30"/>
+    <p:sldId id="328" r:id="rId31"/>
+    <p:sldId id="329" r:id="rId32"/>
+    <p:sldId id="330" r:id="rId33"/>
+    <p:sldId id="331" r:id="rId34"/>
+    <p:sldId id="305" r:id="rId35"/>
+    <p:sldId id="311" r:id="rId36"/>
+    <p:sldId id="332" r:id="rId37"/>
+    <p:sldId id="333" r:id="rId38"/>
+    <p:sldId id="336" r:id="rId39"/>
+    <p:sldId id="299" r:id="rId40"/>
+    <p:sldId id="309" r:id="rId41"/>
+    <p:sldId id="300" r:id="rId42"/>
   </p:sldIdLst>
   <p:sldSz cx="12436475" cy="6994525"/>
   <p:notesSz cx="6858000" cy="9144000"/>
@@ -153,6 +157,9 @@
             <p14:sldId id="307"/>
             <p14:sldId id="310"/>
             <p14:sldId id="312"/>
+            <p14:sldId id="338"/>
+            <p14:sldId id="340"/>
+            <p14:sldId id="339"/>
             <p14:sldId id="314"/>
             <p14:sldId id="313"/>
             <p14:sldId id="315"/>
@@ -162,6 +169,7 @@
             <p14:sldId id="319"/>
             <p14:sldId id="320"/>
             <p14:sldId id="325"/>
+            <p14:sldId id="341"/>
             <p14:sldId id="324"/>
             <p14:sldId id="321"/>
             <p14:sldId id="322"/>
@@ -267,7 +275,7 @@
               <a:rPr lang="en-US" smtClean="0">
                 <a:latin typeface="Segoe UI" pitchFamily="34" charset="0"/>
               </a:rPr>
-              <a:t>7/11/2016</a:t>
+              <a:t>7/26/2016</a:t>
             </a:fld>
             <a:endParaRPr lang="en-US" dirty="0">
               <a:latin typeface="Segoe UI" pitchFamily="34" charset="0"/>
@@ -568,7 +576,7 @@
           <a:p>
             <a:fld id="{E74353ED-ACB2-44BF-A903-985B0AF962B7}" type="datetime1">
               <a:rPr lang="en-US" smtClean="0"/>
-              <a:t>7/11/2016</a:t>
+              <a:t>7/26/2016</a:t>
             </a:fld>
             <a:endParaRPr lang="en-US" dirty="0"/>
           </a:p>
@@ -878,7 +886,7 @@
           <a:p>
             <a:fld id="{2A14FA6D-5CC1-477D-A0DC-F2245326A311}" type="datetime1">
               <a:rPr lang="en-US" smtClean="0"/>
-              <a:t>7/11/2016</a:t>
+              <a:t>7/26/2016</a:t>
             </a:fld>
             <a:endParaRPr lang="en-US" dirty="0"/>
           </a:p>
@@ -1097,7 +1105,7 @@
           <a:p>
             <a:fld id="{7D10C09F-FCA1-48C8-B40D-42E1045D109E}" type="datetime8">
               <a:rPr lang="en-US" smtClean="0"/>
-              <a:t>7/11/2016 6:03 PM</a:t>
+              <a:t>7/26/2016 12:24 PM</a:t>
             </a:fld>
             <a:endParaRPr lang="en-US" dirty="0"/>
           </a:p>
@@ -1121,7 +1129,7 @@
             <a:fld id="{B4008EB6-D09E-4580-8CD6-DDB14511944F}" type="slidenum">
               <a:rPr lang="en-US" smtClean="0"/>
               <a:pPr/>
-              <a:t>15</a:t>
+              <a:t>19</a:t>
             </a:fld>
             <a:endParaRPr lang="en-US" dirty="0"/>
           </a:p>
@@ -1401,7 +1409,7 @@
                 <a:tabLst/>
                 <a:defRPr/>
               </a:pPr>
-              <a:t>7/11/2016 6:03 PM</a:t>
+              <a:t>7/26/2016 12:24 PM</a:t>
             </a:fld>
             <a:endParaRPr kumimoji="0" lang="en-US" sz="1200" b="0" i="0" u="none" strike="noStrike" kern="1200" cap="none" spc="0" normalizeH="0" baseline="0" noProof="0" dirty="0">
               <a:ln>
@@ -1484,7 +1492,7 @@
                 <a:tabLst/>
                 <a:defRPr/>
               </a:pPr>
-              <a:t>30</a:t>
+              <a:t>34</a:t>
             </a:fld>
             <a:endParaRPr kumimoji="0" lang="en-US" sz="1200" b="0" i="0" u="none" strike="noStrike" kern="1200" cap="none" spc="0" normalizeH="0" baseline="0" noProof="0" dirty="0">
               <a:ln>
@@ -1638,7 +1646,7 @@
           <a:p>
             <a:fld id="{90EC29EE-A8AD-4CE0-9C0B-116E0D4D7533}" type="datetime8">
               <a:rPr lang="en-US" smtClean="0"/>
-              <a:t>7/11/2016 6:03 PM</a:t>
+              <a:t>7/26/2016 12:24 PM</a:t>
             </a:fld>
             <a:endParaRPr lang="en-US" dirty="0"/>
           </a:p>
@@ -1662,7 +1670,7 @@
             <a:fld id="{B4008EB6-D09E-4580-8CD6-DDB14511944F}" type="slidenum">
               <a:rPr lang="en-US" smtClean="0"/>
               <a:pPr/>
-              <a:t>31</a:t>
+              <a:t>35</a:t>
             </a:fld>
             <a:endParaRPr lang="en-US" dirty="0"/>
           </a:p>
@@ -1800,7 +1808,7 @@
           <a:p>
             <a:fld id="{E74353ED-ACB2-44BF-A903-985B0AF962B7}" type="datetime1">
               <a:rPr lang="en-US" smtClean="0"/>
-              <a:t>7/11/2016</a:t>
+              <a:t>7/26/2016</a:t>
             </a:fld>
             <a:endParaRPr lang="en-US" dirty="0"/>
           </a:p>
@@ -1824,7 +1832,7 @@
             <a:fld id="{B4008EB6-D09E-4580-8CD6-DDB14511944F}" type="slidenum">
               <a:rPr lang="en-US" smtClean="0"/>
               <a:pPr/>
-              <a:t>32</a:t>
+              <a:t>36</a:t>
             </a:fld>
             <a:endParaRPr lang="en-US" dirty="0"/>
           </a:p>
@@ -1919,7 +1927,7 @@
                   <a:prstClr val="black"/>
                 </a:solidFill>
               </a:rPr>
-              <a:t>7/11/2016</a:t>
+              <a:t>7/26/2016</a:t>
             </a:fld>
             <a:endParaRPr lang="en-US" dirty="0">
               <a:solidFill>
@@ -1951,7 +1959,7 @@
                 </a:solidFill>
               </a:rPr>
               <a:pPr/>
-              <a:t>34</a:t>
+              <a:t>38</a:t>
             </a:fld>
             <a:endParaRPr lang="en-US" dirty="0">
               <a:solidFill>
@@ -6904,6 +6912,339 @@
         </p:nvSpPr>
         <p:spPr>
           <a:xfrm>
+            <a:off x="274638" y="1200150"/>
+            <a:ext cx="11887200" cy="1969770"/>
+          </a:xfrm>
+        </p:spPr>
+        <p:txBody>
+          <a:bodyPr/>
+          <a:lstStyle/>
+          <a:p>
+            <a:r>
+              <a:rPr lang="en-US" dirty="0"/>
+              <a:t>Azure Functions supports an event based on a timer using CRON job syntax. </a:t>
+            </a:r>
+          </a:p>
+          <a:p>
+            <a:endParaRPr lang="en-US" dirty="0"/>
+          </a:p>
+        </p:txBody>
+      </p:sp>
+      <p:sp>
+        <p:nvSpPr>
+          <p:cNvPr id="3" name="Title 2"/>
+          <p:cNvSpPr>
+            <a:spLocks noGrp="1"/>
+          </p:cNvSpPr>
+          <p:nvPr>
+            <p:ph type="title"/>
+          </p:nvPr>
+        </p:nvSpPr>
+        <p:spPr/>
+        <p:txBody>
+          <a:bodyPr/>
+          <a:lstStyle/>
+          <a:p>
+            <a:r>
+              <a:rPr lang="en-US" dirty="0"/>
+              <a:t>Timer-based processing</a:t>
+            </a:r>
+          </a:p>
+        </p:txBody>
+      </p:sp>
+      <p:pic>
+        <p:nvPicPr>
+          <p:cNvPr id="5" name="Picture 4"/>
+          <p:cNvPicPr>
+            <a:picLocks noChangeAspect="1"/>
+          </p:cNvPicPr>
+          <p:nvPr/>
+        </p:nvPicPr>
+        <p:blipFill>
+          <a:blip r:embed="rId2"/>
+          <a:stretch>
+            <a:fillRect/>
+          </a:stretch>
+        </p:blipFill>
+        <p:spPr>
+          <a:xfrm>
+            <a:off x="1189037" y="3497262"/>
+            <a:ext cx="10042814" cy="2554241"/>
+          </a:xfrm>
+          <a:prstGeom prst="rect">
+            <a:avLst/>
+          </a:prstGeom>
+          <a:solidFill>
+            <a:schemeClr val="tx1"/>
+          </a:solidFill>
+          <a:effectLst>
+            <a:softEdge rad="0"/>
+          </a:effectLst>
+        </p:spPr>
+      </p:pic>
+    </p:spTree>
+    <p:extLst>
+      <p:ext uri="{BB962C8B-B14F-4D97-AF65-F5344CB8AC3E}">
+        <p14:creationId xmlns:p14="http://schemas.microsoft.com/office/powerpoint/2010/main" val="860417897"/>
+      </p:ext>
+    </p:extLst>
+  </p:cSld>
+  <p:clrMapOvr>
+    <a:masterClrMapping/>
+  </p:clrMapOvr>
+  <p:transition>
+    <p:fade/>
+  </p:transition>
+</p:sld>
+</file>
+
+<file path=ppt/slides/slide11.xml><?xml version="1.0" encoding="utf-8"?>
+<p:sld xmlns:a="http://schemas.openxmlformats.org/drawingml/2006/main" xmlns:r="http://schemas.openxmlformats.org/officeDocument/2006/relationships" xmlns:p="http://schemas.openxmlformats.org/presentationml/2006/main">
+  <p:cSld>
+    <p:spTree>
+      <p:nvGrpSpPr>
+        <p:cNvPr id="1" name=""/>
+        <p:cNvGrpSpPr/>
+        <p:nvPr/>
+      </p:nvGrpSpPr>
+      <p:grpSpPr>
+        <a:xfrm>
+          <a:off x="0" y="0"/>
+          <a:ext cx="0" cy="0"/>
+          <a:chOff x="0" y="0"/>
+          <a:chExt cx="0" cy="0"/>
+        </a:xfrm>
+      </p:grpSpPr>
+      <p:sp>
+        <p:nvSpPr>
+          <p:cNvPr id="2" name="Text Placeholder 1"/>
+          <p:cNvSpPr>
+            <a:spLocks noGrp="1"/>
+          </p:cNvSpPr>
+          <p:nvPr>
+            <p:ph type="body" sz="quarter" idx="10"/>
+          </p:nvPr>
+        </p:nvSpPr>
+        <p:spPr>
+          <a:xfrm>
+            <a:off x="274638" y="1212850"/>
+            <a:ext cx="11887200" cy="1292662"/>
+          </a:xfrm>
+        </p:spPr>
+        <p:txBody>
+          <a:bodyPr/>
+          <a:lstStyle/>
+          <a:p>
+            <a:r>
+              <a:rPr lang="en-US" dirty="0"/>
+              <a:t>Azure Functions supports triggering an event based on an activity in an Azure service. </a:t>
+            </a:r>
+          </a:p>
+        </p:txBody>
+      </p:sp>
+      <p:sp>
+        <p:nvSpPr>
+          <p:cNvPr id="3" name="Title 2"/>
+          <p:cNvSpPr>
+            <a:spLocks noGrp="1"/>
+          </p:cNvSpPr>
+          <p:nvPr>
+            <p:ph type="title"/>
+          </p:nvPr>
+        </p:nvSpPr>
+        <p:spPr/>
+        <p:txBody>
+          <a:bodyPr/>
+          <a:lstStyle/>
+          <a:p>
+            <a:r>
+              <a:rPr lang="en-US" dirty="0"/>
+              <a:t>Azure service event processing</a:t>
+            </a:r>
+          </a:p>
+        </p:txBody>
+      </p:sp>
+      <p:pic>
+        <p:nvPicPr>
+          <p:cNvPr id="5" name="Picture 4"/>
+          <p:cNvPicPr>
+            <a:picLocks noChangeAspect="1"/>
+          </p:cNvPicPr>
+          <p:nvPr/>
+        </p:nvPicPr>
+        <p:blipFill>
+          <a:blip r:embed="rId2"/>
+          <a:stretch>
+            <a:fillRect/>
+          </a:stretch>
+        </p:blipFill>
+        <p:spPr>
+          <a:xfrm>
+            <a:off x="1564868" y="2887662"/>
+            <a:ext cx="9306739" cy="3492178"/>
+          </a:xfrm>
+          <a:prstGeom prst="rect">
+            <a:avLst/>
+          </a:prstGeom>
+          <a:solidFill>
+            <a:schemeClr val="tx1"/>
+          </a:solidFill>
+        </p:spPr>
+      </p:pic>
+    </p:spTree>
+    <p:extLst>
+      <p:ext uri="{BB962C8B-B14F-4D97-AF65-F5344CB8AC3E}">
+        <p14:creationId xmlns:p14="http://schemas.microsoft.com/office/powerpoint/2010/main" val="1625760430"/>
+      </p:ext>
+    </p:extLst>
+  </p:cSld>
+  <p:clrMapOvr>
+    <a:masterClrMapping/>
+  </p:clrMapOvr>
+  <p:transition>
+    <p:fade/>
+  </p:transition>
+</p:sld>
+</file>
+
+<file path=ppt/slides/slide12.xml><?xml version="1.0" encoding="utf-8"?>
+<p:sld xmlns:a="http://schemas.openxmlformats.org/drawingml/2006/main" xmlns:r="http://schemas.openxmlformats.org/officeDocument/2006/relationships" xmlns:p="http://schemas.openxmlformats.org/presentationml/2006/main">
+  <p:cSld>
+    <p:spTree>
+      <p:nvGrpSpPr>
+        <p:cNvPr id="1" name=""/>
+        <p:cNvGrpSpPr/>
+        <p:nvPr/>
+      </p:nvGrpSpPr>
+      <p:grpSpPr>
+        <a:xfrm>
+          <a:off x="0" y="0"/>
+          <a:ext cx="0" cy="0"/>
+          <a:chOff x="0" y="0"/>
+          <a:chExt cx="0" cy="0"/>
+        </a:xfrm>
+      </p:grpSpPr>
+      <p:sp>
+        <p:nvSpPr>
+          <p:cNvPr id="2" name="Text Placeholder 1"/>
+          <p:cNvSpPr>
+            <a:spLocks noGrp="1"/>
+          </p:cNvSpPr>
+          <p:nvPr>
+            <p:ph type="body" sz="quarter" idx="10"/>
+          </p:nvPr>
+        </p:nvSpPr>
+        <p:spPr>
+          <a:xfrm>
+            <a:off x="274638" y="1212850"/>
+            <a:ext cx="11887200" cy="1292662"/>
+          </a:xfrm>
+        </p:spPr>
+        <p:txBody>
+          <a:bodyPr/>
+          <a:lstStyle/>
+          <a:p>
+            <a:r>
+              <a:rPr lang="en-US" dirty="0"/>
+              <a:t>Azure Functions supports triggers based on activity in a SaaS service. </a:t>
+            </a:r>
+          </a:p>
+        </p:txBody>
+      </p:sp>
+      <p:sp>
+        <p:nvSpPr>
+          <p:cNvPr id="3" name="Title 2"/>
+          <p:cNvSpPr>
+            <a:spLocks noGrp="1"/>
+          </p:cNvSpPr>
+          <p:nvPr>
+            <p:ph type="title"/>
+          </p:nvPr>
+        </p:nvSpPr>
+        <p:spPr/>
+        <p:txBody>
+          <a:bodyPr/>
+          <a:lstStyle/>
+          <a:p>
+            <a:r>
+              <a:rPr lang="en-US" dirty="0"/>
+              <a:t>SaaS event processing </a:t>
+            </a:r>
+          </a:p>
+        </p:txBody>
+      </p:sp>
+      <p:pic>
+        <p:nvPicPr>
+          <p:cNvPr id="5" name="Picture 4"/>
+          <p:cNvPicPr>
+            <a:picLocks noChangeAspect="1"/>
+          </p:cNvPicPr>
+          <p:nvPr/>
+        </p:nvPicPr>
+        <p:blipFill>
+          <a:blip r:embed="rId2"/>
+          <a:stretch>
+            <a:fillRect/>
+          </a:stretch>
+        </p:blipFill>
+        <p:spPr>
+          <a:xfrm>
+            <a:off x="1479382" y="2735262"/>
+            <a:ext cx="9477711" cy="3569528"/>
+          </a:xfrm>
+          <a:prstGeom prst="rect">
+            <a:avLst/>
+          </a:prstGeom>
+          <a:solidFill>
+            <a:schemeClr val="tx1"/>
+          </a:solidFill>
+        </p:spPr>
+      </p:pic>
+    </p:spTree>
+    <p:extLst>
+      <p:ext uri="{BB962C8B-B14F-4D97-AF65-F5344CB8AC3E}">
+        <p14:creationId xmlns:p14="http://schemas.microsoft.com/office/powerpoint/2010/main" val="972877335"/>
+      </p:ext>
+    </p:extLst>
+  </p:cSld>
+  <p:clrMapOvr>
+    <a:masterClrMapping/>
+  </p:clrMapOvr>
+  <p:transition>
+    <p:fade/>
+  </p:transition>
+</p:sld>
+</file>
+
+<file path=ppt/slides/slide13.xml><?xml version="1.0" encoding="utf-8"?>
+<p:sld xmlns:a="http://schemas.openxmlformats.org/drawingml/2006/main" xmlns:r="http://schemas.openxmlformats.org/officeDocument/2006/relationships" xmlns:p="http://schemas.openxmlformats.org/presentationml/2006/main">
+  <p:cSld>
+    <p:spTree>
+      <p:nvGrpSpPr>
+        <p:cNvPr id="1" name=""/>
+        <p:cNvGrpSpPr/>
+        <p:nvPr/>
+      </p:nvGrpSpPr>
+      <p:grpSpPr>
+        <a:xfrm>
+          <a:off x="0" y="0"/>
+          <a:ext cx="0" cy="0"/>
+          <a:chOff x="0" y="0"/>
+          <a:chExt cx="0" cy="0"/>
+        </a:xfrm>
+      </p:grpSpPr>
+      <p:sp>
+        <p:nvSpPr>
+          <p:cNvPr id="2" name="Text Placeholder 1"/>
+          <p:cNvSpPr>
+            <a:spLocks noGrp="1"/>
+          </p:cNvSpPr>
+          <p:nvPr>
+            <p:ph type="body" sz="quarter" idx="10"/>
+          </p:nvPr>
+        </p:nvSpPr>
+        <p:spPr>
+          <a:xfrm>
             <a:off x="274638" y="1212850"/>
             <a:ext cx="11887200" cy="738664"/>
           </a:xfrm>
@@ -6988,7 +7329,7 @@
 </p:sld>
 </file>
 
-<file path=ppt/slides/slide11.xml><?xml version="1.0" encoding="utf-8"?>
+<file path=ppt/slides/slide14.xml><?xml version="1.0" encoding="utf-8"?>
 <p:sld xmlns:a="http://schemas.openxmlformats.org/drawingml/2006/main" xmlns:r="http://schemas.openxmlformats.org/officeDocument/2006/relationships" xmlns:p="http://schemas.openxmlformats.org/presentationml/2006/main">
   <p:cSld>
     <p:spTree>
@@ -7114,7 +7455,7 @@
 </p:sld>
 </file>
 
-<file path=ppt/slides/slide12.xml><?xml version="1.0" encoding="utf-8"?>
+<file path=ppt/slides/slide15.xml><?xml version="1.0" encoding="utf-8"?>
 <p:sld xmlns:a="http://schemas.openxmlformats.org/drawingml/2006/main" xmlns:r="http://schemas.openxmlformats.org/officeDocument/2006/relationships" xmlns:p="http://schemas.openxmlformats.org/presentationml/2006/main">
   <p:cSld>
     <p:spTree>
@@ -7224,7 +7565,7 @@
 </p:sld>
 </file>
 
-<file path=ppt/slides/slide13.xml><?xml version="1.0" encoding="utf-8"?>
+<file path=ppt/slides/slide16.xml><?xml version="1.0" encoding="utf-8"?>
 <p:sld xmlns:a="http://schemas.openxmlformats.org/drawingml/2006/main" xmlns:r="http://schemas.openxmlformats.org/officeDocument/2006/relationships" xmlns:p="http://schemas.openxmlformats.org/presentationml/2006/main">
   <p:cSld>
     <p:spTree>
@@ -7341,7 +7682,7 @@
 </p:sld>
 </file>
 
-<file path=ppt/slides/slide14.xml><?xml version="1.0" encoding="utf-8"?>
+<file path=ppt/slides/slide17.xml><?xml version="1.0" encoding="utf-8"?>
 <p:sld xmlns:a="http://schemas.openxmlformats.org/drawingml/2006/main" xmlns:r="http://schemas.openxmlformats.org/officeDocument/2006/relationships" xmlns:p="http://schemas.openxmlformats.org/presentationml/2006/main">
   <p:cSld>
     <p:spTree>
@@ -7487,7 +7828,7 @@
         <p:spPr>
           <a:xfrm>
             <a:off x="274638" y="6468163"/>
-            <a:ext cx="8150949" cy="489365"/>
+            <a:ext cx="8216673" cy="489365"/>
           </a:xfrm>
           <a:prstGeom prst="rect">
             <a:avLst/>
@@ -7522,7 +7863,7 @@
                   <a:lin ang="5400000" scaled="0"/>
                 </a:gradFill>
               </a:rPr>
-              <a:t>Image Credit: </a:t>
+              <a:t>Image Source: </a:t>
             </a:r>
             <a:r>
               <a:rPr lang="en-US" sz="1400" dirty="0" err="1">
@@ -7575,7 +7916,94 @@
 </p:sld>
 </file>
 
-<file path=ppt/slides/slide15.xml><?xml version="1.0" encoding="utf-8"?>
+<file path=ppt/slides/slide18.xml><?xml version="1.0" encoding="utf-8"?>
+<p:sld xmlns:a="http://schemas.openxmlformats.org/drawingml/2006/main" xmlns:r="http://schemas.openxmlformats.org/officeDocument/2006/relationships" xmlns:p="http://schemas.openxmlformats.org/presentationml/2006/main">
+  <p:cSld>
+    <p:spTree>
+      <p:nvGrpSpPr>
+        <p:cNvPr id="1" name=""/>
+        <p:cNvGrpSpPr/>
+        <p:nvPr/>
+      </p:nvGrpSpPr>
+      <p:grpSpPr>
+        <a:xfrm>
+          <a:off x="0" y="0"/>
+          <a:ext cx="0" cy="0"/>
+          <a:chOff x="0" y="0"/>
+          <a:chExt cx="0" cy="0"/>
+        </a:xfrm>
+      </p:grpSpPr>
+      <p:sp>
+        <p:nvSpPr>
+          <p:cNvPr id="4" name="Title 3"/>
+          <p:cNvSpPr>
+            <a:spLocks noGrp="1"/>
+          </p:cNvSpPr>
+          <p:nvPr>
+            <p:ph type="title"/>
+          </p:nvPr>
+        </p:nvSpPr>
+        <p:spPr/>
+        <p:txBody>
+          <a:bodyPr/>
+          <a:lstStyle/>
+          <a:p>
+            <a:r>
+              <a:rPr lang="en-US"/>
+              <a:t>Demo</a:t>
+            </a:r>
+            <a:endParaRPr lang="en-US" dirty="0"/>
+          </a:p>
+        </p:txBody>
+      </p:sp>
+      <p:sp>
+        <p:nvSpPr>
+          <p:cNvPr id="3" name="Text Placeholder 2"/>
+          <p:cNvSpPr>
+            <a:spLocks noGrp="1"/>
+          </p:cNvSpPr>
+          <p:nvPr>
+            <p:ph type="body" sz="quarter" idx="12"/>
+          </p:nvPr>
+        </p:nvSpPr>
+        <p:spPr/>
+        <p:txBody>
+          <a:bodyPr/>
+          <a:lstStyle/>
+          <a:p>
+            <a:r>
+              <a:rPr lang="en-US" dirty="0"/>
+              <a:t>Hello World!</a:t>
+            </a:r>
+          </a:p>
+        </p:txBody>
+      </p:sp>
+    </p:spTree>
+    <p:extLst>
+      <p:ext uri="{BB962C8B-B14F-4D97-AF65-F5344CB8AC3E}">
+        <p14:creationId xmlns:p14="http://schemas.microsoft.com/office/powerpoint/2010/main" val="2465265961"/>
+      </p:ext>
+    </p:extLst>
+  </p:cSld>
+  <p:clrMapOvr>
+    <a:masterClrMapping/>
+  </p:clrMapOvr>
+  <mc:AlternateContent xmlns:mc="http://schemas.openxmlformats.org/markup-compatibility/2006" xmlns:p14="http://schemas.microsoft.com/office/powerpoint/2010/main">
+    <mc:Choice Requires="p14">
+      <p:transition spd="med" p14:dur="700">
+        <p:fade/>
+      </p:transition>
+    </mc:Choice>
+    <mc:Fallback xmlns="">
+      <p:transition spd="med">
+        <p:fade/>
+      </p:transition>
+    </mc:Fallback>
+  </mc:AlternateContent>
+</p:sld>
+</file>
+
+<file path=ppt/slides/slide19.xml><?xml version="1.0" encoding="utf-8"?>
 <p:sld xmlns:a="http://schemas.openxmlformats.org/drawingml/2006/main" xmlns:r="http://schemas.openxmlformats.org/officeDocument/2006/relationships" xmlns:p="http://schemas.openxmlformats.org/presentationml/2006/main">
   <p:cSld>
     <p:spTree>
@@ -7630,7 +8058,385 @@
 </p:sld>
 </file>
 
-<file path=ppt/slides/slide16.xml><?xml version="1.0" encoding="utf-8"?>
+<file path=ppt/slides/slide2.xml><?xml version="1.0" encoding="utf-8"?>
+<p:sld xmlns:a="http://schemas.openxmlformats.org/drawingml/2006/main" xmlns:r="http://schemas.openxmlformats.org/officeDocument/2006/relationships" xmlns:p="http://schemas.openxmlformats.org/presentationml/2006/main">
+  <p:cSld>
+    <p:bg>
+      <p:bgPr>
+        <a:solidFill>
+          <a:srgbClr val="002060"/>
+        </a:solidFill>
+        <a:effectLst/>
+      </p:bgPr>
+    </p:bg>
+    <p:spTree>
+      <p:nvGrpSpPr>
+        <p:cNvPr id="1" name=""/>
+        <p:cNvGrpSpPr/>
+        <p:nvPr/>
+      </p:nvGrpSpPr>
+      <p:grpSpPr>
+        <a:xfrm>
+          <a:off x="0" y="0"/>
+          <a:ext cx="0" cy="0"/>
+          <a:chOff x="0" y="0"/>
+          <a:chExt cx="0" cy="0"/>
+        </a:xfrm>
+      </p:grpSpPr>
+      <p:sp>
+        <p:nvSpPr>
+          <p:cNvPr id="5" name="Text Placeholder 4"/>
+          <p:cNvSpPr>
+            <a:spLocks noGrp="1"/>
+          </p:cNvSpPr>
+          <p:nvPr>
+            <p:ph type="body" sz="quarter" idx="10"/>
+          </p:nvPr>
+        </p:nvSpPr>
+        <p:spPr>
+          <a:xfrm>
+            <a:off x="274638" y="1212850"/>
+            <a:ext cx="11887200" cy="2769989"/>
+          </a:xfrm>
+        </p:spPr>
+        <p:txBody>
+          <a:bodyPr/>
+          <a:lstStyle/>
+          <a:p>
+            <a:r>
+              <a:rPr lang="en-US" dirty="0"/>
+              <a:t>Founder of UserGroup.tv</a:t>
+            </a:r>
+          </a:p>
+          <a:p>
+            <a:r>
+              <a:rPr lang="en-US" dirty="0"/>
+              <a:t>Technical Evangelist at Microsoft</a:t>
+            </a:r>
+          </a:p>
+          <a:p>
+            <a:pPr marL="0" indent="0">
+              <a:buNone/>
+            </a:pPr>
+            <a:endParaRPr lang="en-US" dirty="0"/>
+          </a:p>
+          <a:p>
+            <a:endParaRPr lang="en-US" dirty="0">
+              <a:solidFill>
+                <a:srgbClr val="FF0000"/>
+              </a:solidFill>
+            </a:endParaRPr>
+          </a:p>
+        </p:txBody>
+      </p:sp>
+      <p:sp>
+        <p:nvSpPr>
+          <p:cNvPr id="4" name="Title 3"/>
+          <p:cNvSpPr>
+            <a:spLocks noGrp="1"/>
+          </p:cNvSpPr>
+          <p:nvPr>
+            <p:ph type="title"/>
+          </p:nvPr>
+        </p:nvSpPr>
+        <p:spPr/>
+        <p:txBody>
+          <a:bodyPr/>
+          <a:lstStyle/>
+          <a:p>
+            <a:r>
+              <a:rPr lang="en-US" dirty="0"/>
+              <a:t>About Me</a:t>
+            </a:r>
+          </a:p>
+        </p:txBody>
+      </p:sp>
+      <p:pic>
+        <p:nvPicPr>
+          <p:cNvPr id="7" name="Picture 6" descr="http://www.dallasgivecamp.org/Themes/DallasGiveCamp/Content/Images/GiveCampDallas_small.png"/>
+          <p:cNvPicPr>
+            <a:picLocks noChangeAspect="1" noChangeArrowheads="1"/>
+          </p:cNvPicPr>
+          <p:nvPr/>
+        </p:nvPicPr>
+        <p:blipFill>
+          <a:blip r:embed="rId2">
+            <a:extLst>
+              <a:ext uri="{28A0092B-C50C-407E-A947-70E740481C1C}">
+                <a14:useLocalDpi xmlns:a14="http://schemas.microsoft.com/office/drawing/2010/main" val="0"/>
+              </a:ext>
+            </a:extLst>
+          </a:blip>
+          <a:srcRect/>
+          <a:stretch>
+            <a:fillRect/>
+          </a:stretch>
+        </p:blipFill>
+        <p:spPr bwMode="auto">
+          <a:xfrm>
+            <a:off x="2164113" y="4099364"/>
+            <a:ext cx="2830313" cy="1049820"/>
+          </a:xfrm>
+          <a:prstGeom prst="rect">
+            <a:avLst/>
+          </a:prstGeom>
+          <a:noFill/>
+          <a:extLst>
+            <a:ext uri="{909E8E84-426E-40DD-AFC4-6F175D3DCCD1}">
+              <a14:hiddenFill xmlns:a14="http://schemas.microsoft.com/office/drawing/2010/main">
+                <a:solidFill>
+                  <a:srgbClr val="FFFFFF"/>
+                </a:solidFill>
+              </a14:hiddenFill>
+            </a:ext>
+          </a:extLst>
+        </p:spPr>
+      </p:pic>
+      <p:pic>
+        <p:nvPicPr>
+          <p:cNvPr id="8" name="Picture 7" descr="C:\Users\SHAWN\Desktop\drn-logo.jpg"/>
+          <p:cNvPicPr>
+            <a:picLocks noChangeAspect="1" noChangeArrowheads="1"/>
+          </p:cNvPicPr>
+          <p:nvPr/>
+        </p:nvPicPr>
+        <p:blipFill>
+          <a:blip r:embed="rId3">
+            <a:extLst>
+              <a:ext uri="{28A0092B-C50C-407E-A947-70E740481C1C}">
+                <a14:useLocalDpi xmlns:a14="http://schemas.microsoft.com/office/drawing/2010/main" val="0"/>
+              </a:ext>
+            </a:extLst>
+          </a:blip>
+          <a:srcRect/>
+          <a:stretch>
+            <a:fillRect/>
+          </a:stretch>
+        </p:blipFill>
+        <p:spPr bwMode="auto">
+          <a:xfrm>
+            <a:off x="5463746" y="4341468"/>
+            <a:ext cx="3557592" cy="1165592"/>
+          </a:xfrm>
+          <a:prstGeom prst="rect">
+            <a:avLst/>
+          </a:prstGeom>
+          <a:noFill/>
+          <a:extLst>
+            <a:ext uri="{909E8E84-426E-40DD-AFC4-6F175D3DCCD1}">
+              <a14:hiddenFill xmlns:a14="http://schemas.microsoft.com/office/drawing/2010/main">
+                <a:solidFill>
+                  <a:srgbClr val="FFFFFF"/>
+                </a:solidFill>
+              </a14:hiddenFill>
+            </a:ext>
+          </a:extLst>
+        </p:spPr>
+      </p:pic>
+      <p:pic>
+        <p:nvPicPr>
+          <p:cNvPr id="9" name="Picture 8" descr="C:\Users\Shawn\Pictures\mvplogo.gif"/>
+          <p:cNvPicPr>
+            <a:picLocks noChangeAspect="1" noChangeArrowheads="1"/>
+          </p:cNvPicPr>
+          <p:nvPr/>
+        </p:nvPicPr>
+        <p:blipFill>
+          <a:blip r:embed="rId4" cstate="print"/>
+          <a:srcRect/>
+          <a:stretch>
+            <a:fillRect/>
+          </a:stretch>
+        </p:blipFill>
+        <p:spPr bwMode="auto">
+          <a:xfrm>
+            <a:off x="240218" y="4401787"/>
+            <a:ext cx="1497165" cy="2343390"/>
+          </a:xfrm>
+          <a:prstGeom prst="rect">
+            <a:avLst/>
+          </a:prstGeom>
+          <a:noFill/>
+          <a:ln w="9525">
+            <a:noFill/>
+            <a:miter lim="800000"/>
+            <a:headEnd/>
+            <a:tailEnd/>
+          </a:ln>
+        </p:spPr>
+      </p:pic>
+      <p:pic>
+        <p:nvPicPr>
+          <p:cNvPr id="10" name="Picture 9" descr="C:\Users\Shawn\Pictures\FloridaTech_seal.gif"/>
+          <p:cNvPicPr>
+            <a:picLocks noChangeAspect="1" noChangeArrowheads="1"/>
+          </p:cNvPicPr>
+          <p:nvPr/>
+        </p:nvPicPr>
+        <p:blipFill>
+          <a:blip r:embed="rId5" cstate="print"/>
+          <a:srcRect/>
+          <a:stretch>
+            <a:fillRect/>
+          </a:stretch>
+        </p:blipFill>
+        <p:spPr bwMode="auto">
+          <a:xfrm>
+            <a:off x="2164113" y="5433829"/>
+            <a:ext cx="1533153" cy="1188194"/>
+          </a:xfrm>
+          <a:prstGeom prst="rect">
+            <a:avLst/>
+          </a:prstGeom>
+          <a:noFill/>
+          <a:ln w="9525">
+            <a:noFill/>
+            <a:miter lim="800000"/>
+            <a:headEnd/>
+            <a:tailEnd/>
+          </a:ln>
+        </p:spPr>
+      </p:pic>
+      <p:pic>
+        <p:nvPicPr>
+          <p:cNvPr id="11" name="Picture 10" descr="C:\Users\SHAWN\Desktop\theme-sprite.17.png"/>
+          <p:cNvPicPr>
+            <a:picLocks noChangeAspect="1" noChangeArrowheads="1"/>
+          </p:cNvPicPr>
+          <p:nvPr/>
+        </p:nvPicPr>
+        <p:blipFill>
+          <a:blip r:embed="rId6">
+            <a:extLst>
+              <a:ext uri="{28A0092B-C50C-407E-A947-70E740481C1C}">
+                <a14:useLocalDpi xmlns:a14="http://schemas.microsoft.com/office/drawing/2010/main" val="0"/>
+              </a:ext>
+            </a:extLst>
+          </a:blip>
+          <a:srcRect/>
+          <a:stretch>
+            <a:fillRect/>
+          </a:stretch>
+        </p:blipFill>
+        <p:spPr bwMode="auto">
+          <a:xfrm>
+            <a:off x="9544397" y="4659948"/>
+            <a:ext cx="2370948" cy="693543"/>
+          </a:xfrm>
+          <a:prstGeom prst="rect">
+            <a:avLst/>
+          </a:prstGeom>
+          <a:noFill/>
+          <a:extLst>
+            <a:ext uri="{909E8E84-426E-40DD-AFC4-6F175D3DCCD1}">
+              <a14:hiddenFill xmlns:a14="http://schemas.microsoft.com/office/drawing/2010/main">
+                <a:solidFill>
+                  <a:srgbClr val="FFFFFF"/>
+                </a:solidFill>
+              </a14:hiddenFill>
+            </a:ext>
+          </a:extLst>
+        </p:spPr>
+      </p:pic>
+      <p:pic>
+        <p:nvPicPr>
+          <p:cNvPr id="12" name="Picture 11" descr="C:\Users\SHAWN\Desktop\lockheed-martin.jpg"/>
+          <p:cNvPicPr>
+            <a:picLocks noChangeAspect="1" noChangeArrowheads="1"/>
+          </p:cNvPicPr>
+          <p:nvPr/>
+        </p:nvPicPr>
+        <p:blipFill>
+          <a:blip r:embed="rId7" cstate="print">
+            <a:extLst>
+              <a:ext uri="{28A0092B-C50C-407E-A947-70E740481C1C}">
+                <a14:useLocalDpi xmlns:a14="http://schemas.microsoft.com/office/drawing/2010/main" val="0"/>
+              </a:ext>
+            </a:extLst>
+          </a:blip>
+          <a:srcRect/>
+          <a:stretch>
+            <a:fillRect/>
+          </a:stretch>
+        </p:blipFill>
+        <p:spPr bwMode="auto">
+          <a:xfrm>
+            <a:off x="4123997" y="5720993"/>
+            <a:ext cx="4747273" cy="941608"/>
+          </a:xfrm>
+          <a:prstGeom prst="rect">
+            <a:avLst/>
+          </a:prstGeom>
+          <a:noFill/>
+          <a:extLst>
+            <a:ext uri="{909E8E84-426E-40DD-AFC4-6F175D3DCCD1}">
+              <a14:hiddenFill xmlns:a14="http://schemas.microsoft.com/office/drawing/2010/main">
+                <a:solidFill>
+                  <a:srgbClr val="FFFFFF"/>
+                </a:solidFill>
+              </a14:hiddenFill>
+            </a:ext>
+          </a:extLst>
+        </p:spPr>
+      </p:pic>
+      <p:pic>
+        <p:nvPicPr>
+          <p:cNvPr id="13" name="Picture 12" descr="C:\Users\SHAWN\Desktop\UserGroupLogo.gif"/>
+          <p:cNvPicPr>
+            <a:picLocks noChangeAspect="1" noChangeArrowheads="1"/>
+          </p:cNvPicPr>
+          <p:nvPr/>
+        </p:nvPicPr>
+        <p:blipFill>
+          <a:blip r:embed="rId8">
+            <a:extLst>
+              <a:ext uri="{28A0092B-C50C-407E-A947-70E740481C1C}">
+                <a14:useLocalDpi xmlns:a14="http://schemas.microsoft.com/office/drawing/2010/main" val="0"/>
+              </a:ext>
+            </a:extLst>
+          </a:blip>
+          <a:srcRect/>
+          <a:stretch>
+            <a:fillRect/>
+          </a:stretch>
+        </p:blipFill>
+        <p:spPr bwMode="auto">
+          <a:xfrm>
+            <a:off x="9042902" y="5638419"/>
+            <a:ext cx="2951350" cy="1106757"/>
+          </a:xfrm>
+          <a:prstGeom prst="rect">
+            <a:avLst/>
+          </a:prstGeom>
+          <a:noFill/>
+          <a:extLst>
+            <a:ext uri="{909E8E84-426E-40DD-AFC4-6F175D3DCCD1}">
+              <a14:hiddenFill xmlns:a14="http://schemas.microsoft.com/office/drawing/2010/main">
+                <a:solidFill>
+                  <a:srgbClr val="FFFFFF"/>
+                </a:solidFill>
+              </a14:hiddenFill>
+            </a:ext>
+          </a:extLst>
+        </p:spPr>
+      </p:pic>
+    </p:spTree>
+    <p:extLst>
+      <p:ext uri="{BB962C8B-B14F-4D97-AF65-F5344CB8AC3E}">
+        <p14:creationId xmlns:p14="http://schemas.microsoft.com/office/powerpoint/2010/main" val="482029232"/>
+      </p:ext>
+    </p:extLst>
+  </p:cSld>
+  <p:clrMapOvr>
+    <a:masterClrMapping/>
+  </p:clrMapOvr>
+  <p:transition>
+    <p:fade/>
+  </p:transition>
+</p:sld>
+</file>
+
+<file path=ppt/slides/slide20.xml><?xml version="1.0" encoding="utf-8"?>
 <p:sld xmlns:a="http://schemas.openxmlformats.org/drawingml/2006/main" xmlns:r="http://schemas.openxmlformats.org/officeDocument/2006/relationships" xmlns:p="http://schemas.openxmlformats.org/presentationml/2006/main">
   <p:cSld>
     <p:spTree>
@@ -8761,7 +9567,7 @@
 </p:sld>
 </file>
 
-<file path=ppt/slides/slide17.xml><?xml version="1.0" encoding="utf-8"?>
+<file path=ppt/slides/slide21.xml><?xml version="1.0" encoding="utf-8"?>
 <p:sld xmlns:a="http://schemas.openxmlformats.org/drawingml/2006/main" xmlns:r="http://schemas.openxmlformats.org/officeDocument/2006/relationships" xmlns:p="http://schemas.openxmlformats.org/presentationml/2006/main">
   <p:cSld>
     <p:spTree>
@@ -9245,7 +10051,7 @@
 </p:sld>
 </file>
 
-<file path=ppt/slides/slide18.xml><?xml version="1.0" encoding="utf-8"?>
+<file path=ppt/slides/slide22.xml><?xml version="1.0" encoding="utf-8"?>
 <p:sld xmlns:a="http://schemas.openxmlformats.org/drawingml/2006/main" xmlns:r="http://schemas.openxmlformats.org/officeDocument/2006/relationships" xmlns:p="http://schemas.openxmlformats.org/presentationml/2006/main">
   <p:cSld>
     <p:spTree>
@@ -10056,7 +10862,7 @@
 </p:sld>
 </file>
 
-<file path=ppt/slides/slide19.xml><?xml version="1.0" encoding="utf-8"?>
+<file path=ppt/slides/slide23.xml><?xml version="1.0" encoding="utf-8"?>
 <p:sld xmlns:a="http://schemas.openxmlformats.org/drawingml/2006/main" xmlns:r="http://schemas.openxmlformats.org/officeDocument/2006/relationships" xmlns:p="http://schemas.openxmlformats.org/presentationml/2006/main">
   <p:cSld>
     <p:spTree>
@@ -10208,385 +11014,7 @@
 </p:sld>
 </file>
 
-<file path=ppt/slides/slide2.xml><?xml version="1.0" encoding="utf-8"?>
-<p:sld xmlns:a="http://schemas.openxmlformats.org/drawingml/2006/main" xmlns:r="http://schemas.openxmlformats.org/officeDocument/2006/relationships" xmlns:p="http://schemas.openxmlformats.org/presentationml/2006/main">
-  <p:cSld>
-    <p:bg>
-      <p:bgPr>
-        <a:solidFill>
-          <a:srgbClr val="002060"/>
-        </a:solidFill>
-        <a:effectLst/>
-      </p:bgPr>
-    </p:bg>
-    <p:spTree>
-      <p:nvGrpSpPr>
-        <p:cNvPr id="1" name=""/>
-        <p:cNvGrpSpPr/>
-        <p:nvPr/>
-      </p:nvGrpSpPr>
-      <p:grpSpPr>
-        <a:xfrm>
-          <a:off x="0" y="0"/>
-          <a:ext cx="0" cy="0"/>
-          <a:chOff x="0" y="0"/>
-          <a:chExt cx="0" cy="0"/>
-        </a:xfrm>
-      </p:grpSpPr>
-      <p:sp>
-        <p:nvSpPr>
-          <p:cNvPr id="5" name="Text Placeholder 4"/>
-          <p:cNvSpPr>
-            <a:spLocks noGrp="1"/>
-          </p:cNvSpPr>
-          <p:nvPr>
-            <p:ph type="body" sz="quarter" idx="10"/>
-          </p:nvPr>
-        </p:nvSpPr>
-        <p:spPr>
-          <a:xfrm>
-            <a:off x="274638" y="1212850"/>
-            <a:ext cx="11887200" cy="2769989"/>
-          </a:xfrm>
-        </p:spPr>
-        <p:txBody>
-          <a:bodyPr/>
-          <a:lstStyle/>
-          <a:p>
-            <a:r>
-              <a:rPr lang="en-US" dirty="0"/>
-              <a:t>Founder of UserGroup.tv</a:t>
-            </a:r>
-          </a:p>
-          <a:p>
-            <a:r>
-              <a:rPr lang="en-US" dirty="0"/>
-              <a:t>Technical Evangelist at Microsoft</a:t>
-            </a:r>
-          </a:p>
-          <a:p>
-            <a:pPr marL="0" indent="0">
-              <a:buNone/>
-            </a:pPr>
-            <a:endParaRPr lang="en-US" dirty="0"/>
-          </a:p>
-          <a:p>
-            <a:endParaRPr lang="en-US" dirty="0">
-              <a:solidFill>
-                <a:srgbClr val="FF0000"/>
-              </a:solidFill>
-            </a:endParaRPr>
-          </a:p>
-        </p:txBody>
-      </p:sp>
-      <p:sp>
-        <p:nvSpPr>
-          <p:cNvPr id="4" name="Title 3"/>
-          <p:cNvSpPr>
-            <a:spLocks noGrp="1"/>
-          </p:cNvSpPr>
-          <p:nvPr>
-            <p:ph type="title"/>
-          </p:nvPr>
-        </p:nvSpPr>
-        <p:spPr/>
-        <p:txBody>
-          <a:bodyPr/>
-          <a:lstStyle/>
-          <a:p>
-            <a:r>
-              <a:rPr lang="en-US" dirty="0"/>
-              <a:t>About Me</a:t>
-            </a:r>
-          </a:p>
-        </p:txBody>
-      </p:sp>
-      <p:pic>
-        <p:nvPicPr>
-          <p:cNvPr id="7" name="Picture 6" descr="http://www.dallasgivecamp.org/Themes/DallasGiveCamp/Content/Images/GiveCampDallas_small.png"/>
-          <p:cNvPicPr>
-            <a:picLocks noChangeAspect="1" noChangeArrowheads="1"/>
-          </p:cNvPicPr>
-          <p:nvPr/>
-        </p:nvPicPr>
-        <p:blipFill>
-          <a:blip r:embed="rId2">
-            <a:extLst>
-              <a:ext uri="{28A0092B-C50C-407E-A947-70E740481C1C}">
-                <a14:useLocalDpi xmlns:a14="http://schemas.microsoft.com/office/drawing/2010/main" val="0"/>
-              </a:ext>
-            </a:extLst>
-          </a:blip>
-          <a:srcRect/>
-          <a:stretch>
-            <a:fillRect/>
-          </a:stretch>
-        </p:blipFill>
-        <p:spPr bwMode="auto">
-          <a:xfrm>
-            <a:off x="2164113" y="4099364"/>
-            <a:ext cx="2830313" cy="1049820"/>
-          </a:xfrm>
-          <a:prstGeom prst="rect">
-            <a:avLst/>
-          </a:prstGeom>
-          <a:noFill/>
-          <a:extLst>
-            <a:ext uri="{909E8E84-426E-40DD-AFC4-6F175D3DCCD1}">
-              <a14:hiddenFill xmlns:a14="http://schemas.microsoft.com/office/drawing/2010/main">
-                <a:solidFill>
-                  <a:srgbClr val="FFFFFF"/>
-                </a:solidFill>
-              </a14:hiddenFill>
-            </a:ext>
-          </a:extLst>
-        </p:spPr>
-      </p:pic>
-      <p:pic>
-        <p:nvPicPr>
-          <p:cNvPr id="8" name="Picture 7" descr="C:\Users\SHAWN\Desktop\drn-logo.jpg"/>
-          <p:cNvPicPr>
-            <a:picLocks noChangeAspect="1" noChangeArrowheads="1"/>
-          </p:cNvPicPr>
-          <p:nvPr/>
-        </p:nvPicPr>
-        <p:blipFill>
-          <a:blip r:embed="rId3">
-            <a:extLst>
-              <a:ext uri="{28A0092B-C50C-407E-A947-70E740481C1C}">
-                <a14:useLocalDpi xmlns:a14="http://schemas.microsoft.com/office/drawing/2010/main" val="0"/>
-              </a:ext>
-            </a:extLst>
-          </a:blip>
-          <a:srcRect/>
-          <a:stretch>
-            <a:fillRect/>
-          </a:stretch>
-        </p:blipFill>
-        <p:spPr bwMode="auto">
-          <a:xfrm>
-            <a:off x="5463746" y="4341468"/>
-            <a:ext cx="3557592" cy="1165592"/>
-          </a:xfrm>
-          <a:prstGeom prst="rect">
-            <a:avLst/>
-          </a:prstGeom>
-          <a:noFill/>
-          <a:extLst>
-            <a:ext uri="{909E8E84-426E-40DD-AFC4-6F175D3DCCD1}">
-              <a14:hiddenFill xmlns:a14="http://schemas.microsoft.com/office/drawing/2010/main">
-                <a:solidFill>
-                  <a:srgbClr val="FFFFFF"/>
-                </a:solidFill>
-              </a14:hiddenFill>
-            </a:ext>
-          </a:extLst>
-        </p:spPr>
-      </p:pic>
-      <p:pic>
-        <p:nvPicPr>
-          <p:cNvPr id="9" name="Picture 8" descr="C:\Users\Shawn\Pictures\mvplogo.gif"/>
-          <p:cNvPicPr>
-            <a:picLocks noChangeAspect="1" noChangeArrowheads="1"/>
-          </p:cNvPicPr>
-          <p:nvPr/>
-        </p:nvPicPr>
-        <p:blipFill>
-          <a:blip r:embed="rId4" cstate="print"/>
-          <a:srcRect/>
-          <a:stretch>
-            <a:fillRect/>
-          </a:stretch>
-        </p:blipFill>
-        <p:spPr bwMode="auto">
-          <a:xfrm>
-            <a:off x="240218" y="4401787"/>
-            <a:ext cx="1497165" cy="2343390"/>
-          </a:xfrm>
-          <a:prstGeom prst="rect">
-            <a:avLst/>
-          </a:prstGeom>
-          <a:noFill/>
-          <a:ln w="9525">
-            <a:noFill/>
-            <a:miter lim="800000"/>
-            <a:headEnd/>
-            <a:tailEnd/>
-          </a:ln>
-        </p:spPr>
-      </p:pic>
-      <p:pic>
-        <p:nvPicPr>
-          <p:cNvPr id="10" name="Picture 9" descr="C:\Users\Shawn\Pictures\FloridaTech_seal.gif"/>
-          <p:cNvPicPr>
-            <a:picLocks noChangeAspect="1" noChangeArrowheads="1"/>
-          </p:cNvPicPr>
-          <p:nvPr/>
-        </p:nvPicPr>
-        <p:blipFill>
-          <a:blip r:embed="rId5" cstate="print"/>
-          <a:srcRect/>
-          <a:stretch>
-            <a:fillRect/>
-          </a:stretch>
-        </p:blipFill>
-        <p:spPr bwMode="auto">
-          <a:xfrm>
-            <a:off x="2164113" y="5433829"/>
-            <a:ext cx="1533153" cy="1188194"/>
-          </a:xfrm>
-          <a:prstGeom prst="rect">
-            <a:avLst/>
-          </a:prstGeom>
-          <a:noFill/>
-          <a:ln w="9525">
-            <a:noFill/>
-            <a:miter lim="800000"/>
-            <a:headEnd/>
-            <a:tailEnd/>
-          </a:ln>
-        </p:spPr>
-      </p:pic>
-      <p:pic>
-        <p:nvPicPr>
-          <p:cNvPr id="11" name="Picture 10" descr="C:\Users\SHAWN\Desktop\theme-sprite.17.png"/>
-          <p:cNvPicPr>
-            <a:picLocks noChangeAspect="1" noChangeArrowheads="1"/>
-          </p:cNvPicPr>
-          <p:nvPr/>
-        </p:nvPicPr>
-        <p:blipFill>
-          <a:blip r:embed="rId6">
-            <a:extLst>
-              <a:ext uri="{28A0092B-C50C-407E-A947-70E740481C1C}">
-                <a14:useLocalDpi xmlns:a14="http://schemas.microsoft.com/office/drawing/2010/main" val="0"/>
-              </a:ext>
-            </a:extLst>
-          </a:blip>
-          <a:srcRect/>
-          <a:stretch>
-            <a:fillRect/>
-          </a:stretch>
-        </p:blipFill>
-        <p:spPr bwMode="auto">
-          <a:xfrm>
-            <a:off x="9544397" y="4659948"/>
-            <a:ext cx="2370948" cy="693543"/>
-          </a:xfrm>
-          <a:prstGeom prst="rect">
-            <a:avLst/>
-          </a:prstGeom>
-          <a:noFill/>
-          <a:extLst>
-            <a:ext uri="{909E8E84-426E-40DD-AFC4-6F175D3DCCD1}">
-              <a14:hiddenFill xmlns:a14="http://schemas.microsoft.com/office/drawing/2010/main">
-                <a:solidFill>
-                  <a:srgbClr val="FFFFFF"/>
-                </a:solidFill>
-              </a14:hiddenFill>
-            </a:ext>
-          </a:extLst>
-        </p:spPr>
-      </p:pic>
-      <p:pic>
-        <p:nvPicPr>
-          <p:cNvPr id="12" name="Picture 11" descr="C:\Users\SHAWN\Desktop\lockheed-martin.jpg"/>
-          <p:cNvPicPr>
-            <a:picLocks noChangeAspect="1" noChangeArrowheads="1"/>
-          </p:cNvPicPr>
-          <p:nvPr/>
-        </p:nvPicPr>
-        <p:blipFill>
-          <a:blip r:embed="rId7" cstate="print">
-            <a:extLst>
-              <a:ext uri="{28A0092B-C50C-407E-A947-70E740481C1C}">
-                <a14:useLocalDpi xmlns:a14="http://schemas.microsoft.com/office/drawing/2010/main" val="0"/>
-              </a:ext>
-            </a:extLst>
-          </a:blip>
-          <a:srcRect/>
-          <a:stretch>
-            <a:fillRect/>
-          </a:stretch>
-        </p:blipFill>
-        <p:spPr bwMode="auto">
-          <a:xfrm>
-            <a:off x="4123997" y="5720993"/>
-            <a:ext cx="4747273" cy="941608"/>
-          </a:xfrm>
-          <a:prstGeom prst="rect">
-            <a:avLst/>
-          </a:prstGeom>
-          <a:noFill/>
-          <a:extLst>
-            <a:ext uri="{909E8E84-426E-40DD-AFC4-6F175D3DCCD1}">
-              <a14:hiddenFill xmlns:a14="http://schemas.microsoft.com/office/drawing/2010/main">
-                <a:solidFill>
-                  <a:srgbClr val="FFFFFF"/>
-                </a:solidFill>
-              </a14:hiddenFill>
-            </a:ext>
-          </a:extLst>
-        </p:spPr>
-      </p:pic>
-      <p:pic>
-        <p:nvPicPr>
-          <p:cNvPr id="13" name="Picture 12" descr="C:\Users\SHAWN\Desktop\UserGroupLogo.gif"/>
-          <p:cNvPicPr>
-            <a:picLocks noChangeAspect="1" noChangeArrowheads="1"/>
-          </p:cNvPicPr>
-          <p:nvPr/>
-        </p:nvPicPr>
-        <p:blipFill>
-          <a:blip r:embed="rId8">
-            <a:extLst>
-              <a:ext uri="{28A0092B-C50C-407E-A947-70E740481C1C}">
-                <a14:useLocalDpi xmlns:a14="http://schemas.microsoft.com/office/drawing/2010/main" val="0"/>
-              </a:ext>
-            </a:extLst>
-          </a:blip>
-          <a:srcRect/>
-          <a:stretch>
-            <a:fillRect/>
-          </a:stretch>
-        </p:blipFill>
-        <p:spPr bwMode="auto">
-          <a:xfrm>
-            <a:off x="9042902" y="5638419"/>
-            <a:ext cx="2951350" cy="1106757"/>
-          </a:xfrm>
-          <a:prstGeom prst="rect">
-            <a:avLst/>
-          </a:prstGeom>
-          <a:noFill/>
-          <a:extLst>
-            <a:ext uri="{909E8E84-426E-40DD-AFC4-6F175D3DCCD1}">
-              <a14:hiddenFill xmlns:a14="http://schemas.microsoft.com/office/drawing/2010/main">
-                <a:solidFill>
-                  <a:srgbClr val="FFFFFF"/>
-                </a:solidFill>
-              </a14:hiddenFill>
-            </a:ext>
-          </a:extLst>
-        </p:spPr>
-      </p:pic>
-    </p:spTree>
-    <p:extLst>
-      <p:ext uri="{BB962C8B-B14F-4D97-AF65-F5344CB8AC3E}">
-        <p14:creationId xmlns:p14="http://schemas.microsoft.com/office/powerpoint/2010/main" val="482029232"/>
-      </p:ext>
-    </p:extLst>
-  </p:cSld>
-  <p:clrMapOvr>
-    <a:masterClrMapping/>
-  </p:clrMapOvr>
-  <p:transition>
-    <p:fade/>
-  </p:transition>
-</p:sld>
-</file>
-
-<file path=ppt/slides/slide20.xml><?xml version="1.0" encoding="utf-8"?>
+<file path=ppt/slides/slide24.xml><?xml version="1.0" encoding="utf-8"?>
 <p:sld xmlns:a="http://schemas.openxmlformats.org/drawingml/2006/main" xmlns:r="http://schemas.openxmlformats.org/officeDocument/2006/relationships" xmlns:p="http://schemas.openxmlformats.org/presentationml/2006/main">
   <p:cSld>
     <p:spTree>
@@ -11497,7 +11925,7 @@
 </p:sld>
 </file>
 
-<file path=ppt/slides/slide21.xml><?xml version="1.0" encoding="utf-8"?>
+<file path=ppt/slides/slide25.xml><?xml version="1.0" encoding="utf-8"?>
 <p:sld xmlns:a="http://schemas.openxmlformats.org/drawingml/2006/main" xmlns:r="http://schemas.openxmlformats.org/officeDocument/2006/relationships" xmlns:p="http://schemas.openxmlformats.org/presentationml/2006/main">
   <p:cSld>
     <p:spTree>
@@ -11758,7 +12186,7 @@
 </p:sld>
 </file>
 
-<file path=ppt/slides/slide22.xml><?xml version="1.0" encoding="utf-8"?>
+<file path=ppt/slides/slide26.xml><?xml version="1.0" encoding="utf-8"?>
 <p:sld xmlns:a="http://schemas.openxmlformats.org/drawingml/2006/main" xmlns:r="http://schemas.openxmlformats.org/officeDocument/2006/relationships" xmlns:p="http://schemas.openxmlformats.org/presentationml/2006/main">
   <p:cSld>
     <p:spTree>
@@ -13921,7 +14349,7 @@
 </p:sld>
 </file>
 
-<file path=ppt/slides/slide23.xml><?xml version="1.0" encoding="utf-8"?>
+<file path=ppt/slides/slide27.xml><?xml version="1.0" encoding="utf-8"?>
 <p:sld xmlns:a="http://schemas.openxmlformats.org/drawingml/2006/main" xmlns:r="http://schemas.openxmlformats.org/officeDocument/2006/relationships" xmlns:p="http://schemas.openxmlformats.org/presentationml/2006/main">
   <p:cSld>
     <p:spTree>
@@ -14015,7 +14443,7 @@
 </p:sld>
 </file>
 
-<file path=ppt/slides/slide24.xml><?xml version="1.0" encoding="utf-8"?>
+<file path=ppt/slides/slide28.xml><?xml version="1.0" encoding="utf-8"?>
 <p:sld xmlns:a="http://schemas.openxmlformats.org/drawingml/2006/main" xmlns:r="http://schemas.openxmlformats.org/officeDocument/2006/relationships" xmlns:p="http://schemas.openxmlformats.org/presentationml/2006/main">
   <p:cSld>
     <p:spTree>
@@ -14146,417 +14574,6 @@
     <p:extLst>
       <p:ext uri="{BB962C8B-B14F-4D97-AF65-F5344CB8AC3E}">
         <p14:creationId xmlns:p14="http://schemas.microsoft.com/office/powerpoint/2010/main" val="3700185724"/>
-      </p:ext>
-    </p:extLst>
-  </p:cSld>
-  <p:clrMapOvr>
-    <a:masterClrMapping/>
-  </p:clrMapOvr>
-  <p:transition>
-    <p:fade/>
-  </p:transition>
-</p:sld>
-</file>
-
-<file path=ppt/slides/slide25.xml><?xml version="1.0" encoding="utf-8"?>
-<p:sld xmlns:a="http://schemas.openxmlformats.org/drawingml/2006/main" xmlns:r="http://schemas.openxmlformats.org/officeDocument/2006/relationships" xmlns:p="http://schemas.openxmlformats.org/presentationml/2006/main">
-  <p:cSld>
-    <p:spTree>
-      <p:nvGrpSpPr>
-        <p:cNvPr id="1" name=""/>
-        <p:cNvGrpSpPr/>
-        <p:nvPr/>
-      </p:nvGrpSpPr>
-      <p:grpSpPr>
-        <a:xfrm>
-          <a:off x="0" y="0"/>
-          <a:ext cx="0" cy="0"/>
-          <a:chOff x="0" y="0"/>
-          <a:chExt cx="0" cy="0"/>
-        </a:xfrm>
-      </p:grpSpPr>
-      <p:sp>
-        <p:nvSpPr>
-          <p:cNvPr id="2" name="Text Placeholder 1"/>
-          <p:cNvSpPr>
-            <a:spLocks noGrp="1"/>
-          </p:cNvSpPr>
-          <p:nvPr>
-            <p:ph type="body" sz="quarter" idx="10"/>
-          </p:nvPr>
-        </p:nvSpPr>
-        <p:spPr>
-          <a:xfrm>
-            <a:off x="275481" y="1212851"/>
-            <a:ext cx="11885514" cy="2649869"/>
-          </a:xfrm>
-        </p:spPr>
-        <p:txBody>
-          <a:bodyPr/>
-          <a:lstStyle/>
-          <a:p>
-            <a:r>
-              <a:rPr lang="en-US" dirty="0"/>
-              <a:t>Scaling up to a larger VM for more resources</a:t>
-            </a:r>
-          </a:p>
-          <a:p>
-            <a:r>
-              <a:rPr lang="en-US" dirty="0"/>
-              <a:t>Scaling out as simple as a slider bar</a:t>
-            </a:r>
-          </a:p>
-          <a:p>
-            <a:r>
-              <a:rPr lang="en-US" dirty="0"/>
-              <a:t>Set up auto-scaling rules to handle additional load while you’re asleep</a:t>
-            </a:r>
-          </a:p>
-        </p:txBody>
-      </p:sp>
-      <p:sp>
-        <p:nvSpPr>
-          <p:cNvPr id="3" name="Title 2"/>
-          <p:cNvSpPr>
-            <a:spLocks noGrp="1"/>
-          </p:cNvSpPr>
-          <p:nvPr>
-            <p:ph type="title"/>
-          </p:nvPr>
-        </p:nvSpPr>
-        <p:spPr/>
-        <p:txBody>
-          <a:bodyPr/>
-          <a:lstStyle/>
-          <a:p>
-            <a:r>
-              <a:rPr lang="en-US" dirty="0"/>
-              <a:t>Scaling on App Service</a:t>
-            </a:r>
-          </a:p>
-        </p:txBody>
-      </p:sp>
-    </p:spTree>
-    <p:extLst>
-      <p:ext uri="{BB962C8B-B14F-4D97-AF65-F5344CB8AC3E}">
-        <p14:creationId xmlns:p14="http://schemas.microsoft.com/office/powerpoint/2010/main" val="1756433955"/>
-      </p:ext>
-    </p:extLst>
-  </p:cSld>
-  <p:clrMapOvr>
-    <a:masterClrMapping/>
-  </p:clrMapOvr>
-  <p:transition>
-    <p:fade/>
-  </p:transition>
-</p:sld>
-</file>
-
-<file path=ppt/slides/slide26.xml><?xml version="1.0" encoding="utf-8"?>
-<p:sld xmlns:a="http://schemas.openxmlformats.org/drawingml/2006/main" xmlns:r="http://schemas.openxmlformats.org/officeDocument/2006/relationships" xmlns:p="http://schemas.openxmlformats.org/presentationml/2006/main">
-  <p:cSld>
-    <p:spTree>
-      <p:nvGrpSpPr>
-        <p:cNvPr id="1" name=""/>
-        <p:cNvGrpSpPr/>
-        <p:nvPr/>
-      </p:nvGrpSpPr>
-      <p:grpSpPr>
-        <a:xfrm>
-          <a:off x="0" y="0"/>
-          <a:ext cx="0" cy="0"/>
-          <a:chOff x="0" y="0"/>
-          <a:chExt cx="0" cy="0"/>
-        </a:xfrm>
-      </p:grpSpPr>
-      <p:sp>
-        <p:nvSpPr>
-          <p:cNvPr id="3" name="Text Placeholder 2"/>
-          <p:cNvSpPr>
-            <a:spLocks noGrp="1"/>
-          </p:cNvSpPr>
-          <p:nvPr>
-            <p:ph type="body" sz="quarter" idx="10"/>
-          </p:nvPr>
-        </p:nvSpPr>
-        <p:spPr>
-          <a:xfrm>
-            <a:off x="275481" y="1212850"/>
-            <a:ext cx="11885514" cy="2769989"/>
-          </a:xfrm>
-        </p:spPr>
-        <p:txBody>
-          <a:bodyPr/>
-          <a:lstStyle/>
-          <a:p>
-            <a:r>
-              <a:rPr lang="en-US" dirty="0"/>
-              <a:t>Available </a:t>
-            </a:r>
-            <a:r>
-              <a:rPr lang="en-US" u="sng" dirty="0"/>
-              <a:t>today</a:t>
-            </a:r>
-            <a:r>
-              <a:rPr lang="en-US" dirty="0"/>
-              <a:t> with limited capacity</a:t>
-            </a:r>
-          </a:p>
-          <a:p>
-            <a:r>
-              <a:rPr lang="en-US" dirty="0"/>
-              <a:t>Currently free in preview</a:t>
-            </a:r>
-          </a:p>
-          <a:p>
-            <a:r>
-              <a:rPr lang="en-US" dirty="0"/>
-              <a:t>Charged based on memory*sec </a:t>
-            </a:r>
-          </a:p>
-          <a:p>
-            <a:pPr marL="0" indent="0">
-              <a:buNone/>
-            </a:pPr>
-            <a:r>
-              <a:rPr lang="en-US" dirty="0"/>
-              <a:t>More details to come…</a:t>
-            </a:r>
-          </a:p>
-        </p:txBody>
-      </p:sp>
-      <p:sp>
-        <p:nvSpPr>
-          <p:cNvPr id="2" name="Title 1"/>
-          <p:cNvSpPr>
-            <a:spLocks noGrp="1"/>
-          </p:cNvSpPr>
-          <p:nvPr>
-            <p:ph type="title"/>
-          </p:nvPr>
-        </p:nvSpPr>
-        <p:spPr/>
-        <p:txBody>
-          <a:bodyPr/>
-          <a:lstStyle/>
-          <a:p>
-            <a:r>
-              <a:rPr lang="en-US" dirty="0"/>
-              <a:t>The details on dynamic hosting plans</a:t>
-            </a:r>
-          </a:p>
-        </p:txBody>
-      </p:sp>
-    </p:spTree>
-    <p:extLst>
-      <p:ext uri="{BB962C8B-B14F-4D97-AF65-F5344CB8AC3E}">
-        <p14:creationId xmlns:p14="http://schemas.microsoft.com/office/powerpoint/2010/main" val="2244508417"/>
-      </p:ext>
-    </p:extLst>
-  </p:cSld>
-  <p:clrMapOvr>
-    <a:masterClrMapping/>
-  </p:clrMapOvr>
-  <p:transition>
-    <p:fade/>
-  </p:transition>
-</p:sld>
-</file>
-
-<file path=ppt/slides/slide27.xml><?xml version="1.0" encoding="utf-8"?>
-<p:sld xmlns:a="http://schemas.openxmlformats.org/drawingml/2006/main" xmlns:r="http://schemas.openxmlformats.org/officeDocument/2006/relationships" xmlns:p="http://schemas.openxmlformats.org/presentationml/2006/main">
-  <p:cSld>
-    <p:spTree>
-      <p:nvGrpSpPr>
-        <p:cNvPr id="1" name=""/>
-        <p:cNvGrpSpPr/>
-        <p:nvPr/>
-      </p:nvGrpSpPr>
-      <p:grpSpPr>
-        <a:xfrm>
-          <a:off x="0" y="0"/>
-          <a:ext cx="0" cy="0"/>
-          <a:chOff x="0" y="0"/>
-          <a:chExt cx="0" cy="0"/>
-        </a:xfrm>
-      </p:grpSpPr>
-      <p:sp>
-        <p:nvSpPr>
-          <p:cNvPr id="4" name="Title 3"/>
-          <p:cNvSpPr>
-            <a:spLocks noGrp="1"/>
-          </p:cNvSpPr>
-          <p:nvPr>
-            <p:ph type="title"/>
-          </p:nvPr>
-        </p:nvSpPr>
-        <p:spPr/>
-        <p:txBody>
-          <a:bodyPr/>
-          <a:lstStyle/>
-          <a:p>
-            <a:r>
-              <a:rPr lang="en-US"/>
-              <a:t>Demo</a:t>
-            </a:r>
-            <a:endParaRPr lang="en-US" dirty="0"/>
-          </a:p>
-        </p:txBody>
-      </p:sp>
-      <p:sp>
-        <p:nvSpPr>
-          <p:cNvPr id="3" name="Text Placeholder 2"/>
-          <p:cNvSpPr>
-            <a:spLocks noGrp="1"/>
-          </p:cNvSpPr>
-          <p:nvPr>
-            <p:ph type="body" sz="quarter" idx="12"/>
-          </p:nvPr>
-        </p:nvSpPr>
-        <p:spPr/>
-        <p:txBody>
-          <a:bodyPr/>
-          <a:lstStyle/>
-          <a:p>
-            <a:endParaRPr lang="en-US"/>
-          </a:p>
-        </p:txBody>
-      </p:sp>
-    </p:spTree>
-    <p:extLst>
-      <p:ext uri="{BB962C8B-B14F-4D97-AF65-F5344CB8AC3E}">
-        <p14:creationId xmlns:p14="http://schemas.microsoft.com/office/powerpoint/2010/main" val="2857607644"/>
-      </p:ext>
-    </p:extLst>
-  </p:cSld>
-  <p:clrMapOvr>
-    <a:masterClrMapping/>
-  </p:clrMapOvr>
-  <mc:AlternateContent xmlns:mc="http://schemas.openxmlformats.org/markup-compatibility/2006" xmlns:p14="http://schemas.microsoft.com/office/powerpoint/2010/main">
-    <mc:Choice Requires="p14">
-      <p:transition spd="med" p14:dur="700">
-        <p:fade/>
-      </p:transition>
-    </mc:Choice>
-    <mc:Fallback xmlns="">
-      <p:transition spd="med">
-        <p:fade/>
-      </p:transition>
-    </mc:Fallback>
-  </mc:AlternateContent>
-</p:sld>
-</file>
-
-<file path=ppt/slides/slide28.xml><?xml version="1.0" encoding="utf-8"?>
-<p:sld xmlns:a="http://schemas.openxmlformats.org/drawingml/2006/main" xmlns:r="http://schemas.openxmlformats.org/officeDocument/2006/relationships" xmlns:p="http://schemas.openxmlformats.org/presentationml/2006/main">
-  <p:cSld>
-    <p:spTree>
-      <p:nvGrpSpPr>
-        <p:cNvPr id="1" name=""/>
-        <p:cNvGrpSpPr/>
-        <p:nvPr/>
-      </p:nvGrpSpPr>
-      <p:grpSpPr>
-        <a:xfrm>
-          <a:off x="0" y="0"/>
-          <a:ext cx="0" cy="0"/>
-          <a:chOff x="0" y="0"/>
-          <a:chExt cx="0" cy="0"/>
-        </a:xfrm>
-      </p:grpSpPr>
-      <p:sp>
-        <p:nvSpPr>
-          <p:cNvPr id="2" name="Text Placeholder 1"/>
-          <p:cNvSpPr>
-            <a:spLocks noGrp="1"/>
-          </p:cNvSpPr>
-          <p:nvPr>
-            <p:ph type="body" sz="quarter" idx="10"/>
-          </p:nvPr>
-        </p:nvSpPr>
-        <p:spPr>
-          <a:xfrm>
-            <a:off x="274638" y="1212850"/>
-            <a:ext cx="11887200" cy="4395049"/>
-          </a:xfrm>
-        </p:spPr>
-        <p:txBody>
-          <a:bodyPr/>
-          <a:lstStyle/>
-          <a:p>
-            <a:r>
-              <a:rPr lang="en-US" dirty="0"/>
-              <a:t>Introducing Azure Functions</a:t>
-            </a:r>
-          </a:p>
-          <a:p>
-            <a:pPr lvl="1"/>
-            <a:r>
-              <a:rPr lang="en-US" dirty="0"/>
-              <a:t>Speakers: Chris Anderson </a:t>
-            </a:r>
-          </a:p>
-          <a:p>
-            <a:pPr lvl="1"/>
-            <a:r>
-              <a:rPr lang="en-US" dirty="0"/>
-              <a:t>https://channel9.msdn.com/Events/Build/2016/B858</a:t>
-            </a:r>
-          </a:p>
-          <a:p>
-            <a:endParaRPr lang="en-US" dirty="0"/>
-          </a:p>
-          <a:p>
-            <a:r>
-              <a:rPr lang="en-US" dirty="0"/>
-              <a:t>Azure Functions Under the Hood</a:t>
-            </a:r>
-          </a:p>
-          <a:p>
-            <a:pPr lvl="1"/>
-            <a:r>
-              <a:rPr lang="en-US" dirty="0"/>
-              <a:t>Speakers: Matthew Henderson</a:t>
-            </a:r>
-          </a:p>
-          <a:p>
-            <a:pPr lvl="1"/>
-            <a:r>
-              <a:rPr lang="en-US" dirty="0"/>
-              <a:t>https://channel9.msdn.com/Events/Build/2016/T692</a:t>
-            </a:r>
-          </a:p>
-          <a:p>
-            <a:endParaRPr lang="en-US" dirty="0"/>
-          </a:p>
-        </p:txBody>
-      </p:sp>
-      <p:sp>
-        <p:nvSpPr>
-          <p:cNvPr id="3" name="Title 2"/>
-          <p:cNvSpPr>
-            <a:spLocks noGrp="1"/>
-          </p:cNvSpPr>
-          <p:nvPr>
-            <p:ph type="title"/>
-          </p:nvPr>
-        </p:nvSpPr>
-        <p:spPr/>
-        <p:txBody>
-          <a:bodyPr/>
-          <a:lstStyle/>
-          <a:p>
-            <a:r>
-              <a:rPr lang="en-US" dirty="0"/>
-              <a:t>Resources – Build 2016</a:t>
-            </a:r>
-          </a:p>
-        </p:txBody>
-      </p:sp>
-    </p:spTree>
-    <p:extLst>
-      <p:ext uri="{BB962C8B-B14F-4D97-AF65-F5344CB8AC3E}">
-        <p14:creationId xmlns:p14="http://schemas.microsoft.com/office/powerpoint/2010/main" val="2235427727"/>
       </p:ext>
     </p:extLst>
   </p:cSld>
@@ -14598,8 +14615,8 @@
         </p:nvSpPr>
         <p:spPr>
           <a:xfrm>
-            <a:off x="275480" y="1212850"/>
-            <a:ext cx="12079991" cy="5751629"/>
+            <a:off x="275481" y="1212851"/>
+            <a:ext cx="11885514" cy="2649869"/>
           </a:xfrm>
         </p:spPr>
         <p:txBody>
@@ -14608,135 +14625,19 @@
           <a:p>
             <a:r>
               <a:rPr lang="en-US" dirty="0"/>
-              <a:t>The runtime, “portal”, and templates are all on GitHub</a:t>
-            </a:r>
-          </a:p>
-          <a:p>
-            <a:pPr lvl="1"/>
-            <a:r>
-              <a:rPr lang="en-US" dirty="0">
-                <a:solidFill>
-                  <a:schemeClr val="tx1"/>
-                </a:solidFill>
-                <a:hlinkClick r:id="rId2"/>
-              </a:rPr>
-              <a:t>https://github.com/Azure/azure-webjobs-sdk</a:t>
-            </a:r>
-            <a:endParaRPr lang="en-US" dirty="0">
-              <a:solidFill>
-                <a:schemeClr val="tx1"/>
-              </a:solidFill>
-            </a:endParaRPr>
-          </a:p>
-          <a:p>
-            <a:pPr lvl="1"/>
-            <a:r>
-              <a:rPr lang="en-US" dirty="0">
-                <a:solidFill>
-                  <a:schemeClr val="tx1"/>
-                </a:solidFill>
-                <a:hlinkClick r:id="rId3"/>
-              </a:rPr>
-              <a:t>https://github.com/Azure/azure-webjobs-sdk-extensions</a:t>
-            </a:r>
-            <a:endParaRPr lang="en-US" dirty="0">
-              <a:solidFill>
-                <a:schemeClr val="tx1"/>
-              </a:solidFill>
-            </a:endParaRPr>
-          </a:p>
-          <a:p>
-            <a:pPr lvl="1"/>
-            <a:r>
-              <a:rPr lang="en-US" dirty="0">
-                <a:solidFill>
-                  <a:schemeClr val="tx1"/>
-                </a:solidFill>
-                <a:hlinkClick r:id="rId4"/>
-              </a:rPr>
-              <a:t>https://github.com/Azure/azure-webjobs-sdk-script</a:t>
-            </a:r>
-            <a:endParaRPr lang="en-US" dirty="0">
-              <a:solidFill>
-                <a:schemeClr val="tx1"/>
-              </a:solidFill>
-            </a:endParaRPr>
-          </a:p>
-          <a:p>
-            <a:pPr lvl="1"/>
-            <a:r>
-              <a:rPr lang="en-US" dirty="0">
-                <a:solidFill>
-                  <a:schemeClr val="tx1"/>
-                </a:solidFill>
-                <a:hlinkClick r:id="rId5"/>
-              </a:rPr>
-              <a:t>https://github.com/Azure/azure-webjobs-sdk-templates</a:t>
-            </a:r>
-            <a:endParaRPr lang="en-US" dirty="0">
-              <a:solidFill>
-                <a:schemeClr val="tx1"/>
-              </a:solidFill>
-            </a:endParaRPr>
-          </a:p>
-          <a:p>
-            <a:pPr lvl="1"/>
-            <a:r>
-              <a:rPr lang="en-US" dirty="0">
-                <a:solidFill>
-                  <a:schemeClr val="tx1"/>
-                </a:solidFill>
-                <a:hlinkClick r:id="rId6"/>
-              </a:rPr>
-              <a:t>https://github.com/ProjectKudu/WebJobsPortal</a:t>
-            </a:r>
-            <a:r>
-              <a:rPr lang="en-US" dirty="0">
-                <a:solidFill>
-                  <a:schemeClr val="tx1"/>
-                </a:solidFill>
-              </a:rPr>
-              <a:t> </a:t>
+              <a:t>Scaling up to a larger VM for more resources</a:t>
             </a:r>
           </a:p>
           <a:p>
             <a:r>
               <a:rPr lang="en-US" dirty="0"/>
-              <a:t>Open roadmap</a:t>
-            </a:r>
-          </a:p>
-          <a:p>
-            <a:pPr lvl="1"/>
+              <a:t>Scaling out as simple as a slider bar</a:t>
+            </a:r>
+          </a:p>
+          <a:p>
             <a:r>
               <a:rPr lang="en-US" dirty="0"/>
-              <a:t>Use the cutting edge features</a:t>
-            </a:r>
-          </a:p>
-          <a:p>
-            <a:pPr lvl="1"/>
-            <a:r>
-              <a:rPr lang="en-US" dirty="0"/>
-              <a:t>Transparency into priorities and velocity</a:t>
-            </a:r>
-          </a:p>
-          <a:p>
-            <a:pPr lvl="1"/>
-            <a:r>
-              <a:rPr lang="en-US" dirty="0"/>
-              <a:t>Influence the direction of the project</a:t>
-            </a:r>
-          </a:p>
-          <a:p>
-            <a:r>
-              <a:rPr lang="en-US" dirty="0"/>
-              <a:t>Runtime is intended to be portable</a:t>
-            </a:r>
-          </a:p>
-          <a:p>
-            <a:pPr lvl="1"/>
-            <a:r>
-              <a:rPr lang="en-US" dirty="0"/>
-              <a:t>MIT License</a:t>
+              <a:t>Set up auto-scaling rules to handle additional load while you’re asleep</a:t>
             </a:r>
           </a:p>
         </p:txBody>
@@ -14758,7 +14659,7 @@
           <a:p>
             <a:r>
               <a:rPr lang="en-US" dirty="0"/>
-              <a:t>Azure Functions is open sourced</a:t>
+              <a:t>Scaling on App Service</a:t>
             </a:r>
           </a:p>
         </p:txBody>
@@ -14766,7 +14667,7 @@
     </p:spTree>
     <p:extLst>
       <p:ext uri="{BB962C8B-B14F-4D97-AF65-F5344CB8AC3E}">
-        <p14:creationId xmlns:p14="http://schemas.microsoft.com/office/powerpoint/2010/main" val="376460961"/>
+        <p14:creationId xmlns:p14="http://schemas.microsoft.com/office/powerpoint/2010/main" val="1756433955"/>
       </p:ext>
     </p:extLst>
   </p:cSld>
@@ -15401,6 +15302,62 @@
       </p:grpSpPr>
       <p:sp>
         <p:nvSpPr>
+          <p:cNvPr id="3" name="Text Placeholder 2"/>
+          <p:cNvSpPr>
+            <a:spLocks noGrp="1"/>
+          </p:cNvSpPr>
+          <p:nvPr>
+            <p:ph type="body" sz="quarter" idx="10"/>
+          </p:nvPr>
+        </p:nvSpPr>
+        <p:spPr>
+          <a:xfrm>
+            <a:off x="275481" y="1212850"/>
+            <a:ext cx="11885514" cy="2769989"/>
+          </a:xfrm>
+        </p:spPr>
+        <p:txBody>
+          <a:bodyPr/>
+          <a:lstStyle/>
+          <a:p>
+            <a:r>
+              <a:rPr lang="en-US" dirty="0"/>
+              <a:t>Available </a:t>
+            </a:r>
+            <a:r>
+              <a:rPr lang="en-US" u="sng" dirty="0"/>
+              <a:t>today</a:t>
+            </a:r>
+            <a:r>
+              <a:rPr lang="en-US" dirty="0"/>
+              <a:t> with limited capacity</a:t>
+            </a:r>
+          </a:p>
+          <a:p>
+            <a:r>
+              <a:rPr lang="en-US" dirty="0"/>
+              <a:t>Currently free in preview</a:t>
+            </a:r>
+          </a:p>
+          <a:p>
+            <a:r>
+              <a:rPr lang="en-US" dirty="0"/>
+              <a:t>Charged based on memory*sec </a:t>
+            </a:r>
+          </a:p>
+          <a:p>
+            <a:pPr marL="0" indent="0">
+              <a:buNone/>
+            </a:pPr>
+            <a:r>
+              <a:rPr lang="en-US" dirty="0"/>
+              <a:t>More details to come…</a:t>
+            </a:r>
+          </a:p>
+        </p:txBody>
+      </p:sp>
+      <p:sp>
+        <p:nvSpPr>
           <p:cNvPr id="2" name="Title 1"/>
           <p:cNvSpPr>
             <a:spLocks noGrp="1"/>
@@ -15416,99 +15373,15 @@
           <a:p>
             <a:r>
               <a:rPr lang="en-US" dirty="0"/>
-              <a:t>Call to Action</a:t>
-            </a:r>
-          </a:p>
-        </p:txBody>
-      </p:sp>
-      <p:sp>
-        <p:nvSpPr>
-          <p:cNvPr id="3" name="Text Placeholder 2"/>
-          <p:cNvSpPr>
-            <a:spLocks noGrp="1"/>
-          </p:cNvSpPr>
-          <p:nvPr>
-            <p:ph type="body" sz="quarter" idx="10"/>
-          </p:nvPr>
-        </p:nvSpPr>
-        <p:spPr>
-          <a:xfrm>
-            <a:off x="275481" y="1213175"/>
-            <a:ext cx="11885514" cy="5879495"/>
-          </a:xfrm>
-        </p:spPr>
-        <p:txBody>
-          <a:bodyPr/>
-          <a:lstStyle/>
-          <a:p>
-            <a:r>
-              <a:rPr lang="en-US" dirty="0"/>
-              <a:t>Try Azure Functions @ </a:t>
-            </a:r>
-            <a:r>
-              <a:rPr lang="en-US" dirty="0">
-                <a:hlinkClick r:id="rId3"/>
-              </a:rPr>
-              <a:t>https://functions.azure.com</a:t>
-            </a:r>
-            <a:r>
-              <a:rPr lang="en-US" dirty="0"/>
-              <a:t> </a:t>
-            </a:r>
-          </a:p>
-          <a:p>
-            <a:r>
-              <a:rPr lang="en-US" dirty="0"/>
-              <a:t>Try App Service @ </a:t>
-            </a:r>
-            <a:r>
-              <a:rPr lang="en-US" dirty="0">
-                <a:hlinkClick r:id="rId4"/>
-              </a:rPr>
-              <a:t>https://tryappservice.azure.com</a:t>
-            </a:r>
-            <a:r>
-              <a:rPr lang="en-US" dirty="0"/>
-              <a:t> </a:t>
-            </a:r>
-          </a:p>
-          <a:p>
-            <a:r>
-              <a:rPr lang="en-US" dirty="0"/>
-              <a:t>Fork us @ </a:t>
-            </a:r>
-            <a:r>
-              <a:rPr lang="en-US" sz="3672" dirty="0">
-                <a:hlinkClick r:id="rId5"/>
-              </a:rPr>
-              <a:t>https://</a:t>
-            </a:r>
-            <a:r>
-              <a:rPr lang="en-US" sz="3264" dirty="0">
-                <a:hlinkClick r:id="rId5"/>
-              </a:rPr>
-              <a:t>github.com/azure/azure-webjobs-sdk-script</a:t>
-            </a:r>
-            <a:r>
-              <a:rPr lang="en-US" sz="3264" dirty="0"/>
-              <a:t>  </a:t>
-            </a:r>
-          </a:p>
-          <a:p>
-            <a:endParaRPr lang="en-US" sz="2448" dirty="0"/>
-          </a:p>
-          <a:p>
-            <a:pPr marL="0" indent="0">
-              <a:buNone/>
-            </a:pPr>
-            <a:endParaRPr lang="en-US" sz="3199" dirty="0"/>
+              <a:t>The details on dynamic hosting plans</a:t>
+            </a:r>
           </a:p>
         </p:txBody>
       </p:sp>
     </p:spTree>
     <p:extLst>
       <p:ext uri="{BB962C8B-B14F-4D97-AF65-F5344CB8AC3E}">
-        <p14:creationId xmlns:p14="http://schemas.microsoft.com/office/powerpoint/2010/main" val="127724107"/>
+        <p14:creationId xmlns:p14="http://schemas.microsoft.com/office/powerpoint/2010/main" val="2244508417"/>
       </p:ext>
     </p:extLst>
   </p:cSld>
@@ -15540,6 +15413,563 @@
       </p:grpSpPr>
       <p:sp>
         <p:nvSpPr>
+          <p:cNvPr id="4" name="Title 3"/>
+          <p:cNvSpPr>
+            <a:spLocks noGrp="1"/>
+          </p:cNvSpPr>
+          <p:nvPr>
+            <p:ph type="title"/>
+          </p:nvPr>
+        </p:nvSpPr>
+        <p:spPr/>
+        <p:txBody>
+          <a:bodyPr/>
+          <a:lstStyle/>
+          <a:p>
+            <a:r>
+              <a:rPr lang="en-US" dirty="0"/>
+              <a:t>Demo</a:t>
+            </a:r>
+          </a:p>
+        </p:txBody>
+      </p:sp>
+      <p:sp>
+        <p:nvSpPr>
+          <p:cNvPr id="3" name="Text Placeholder 2"/>
+          <p:cNvSpPr>
+            <a:spLocks noGrp="1"/>
+          </p:cNvSpPr>
+          <p:nvPr>
+            <p:ph type="body" sz="quarter" idx="12"/>
+          </p:nvPr>
+        </p:nvSpPr>
+        <p:spPr/>
+        <p:txBody>
+          <a:bodyPr/>
+          <a:lstStyle/>
+          <a:p>
+            <a:r>
+              <a:rPr lang="en-US" dirty="0"/>
+              <a:t>CI Deployment</a:t>
+            </a:r>
+          </a:p>
+        </p:txBody>
+      </p:sp>
+    </p:spTree>
+    <p:extLst>
+      <p:ext uri="{BB962C8B-B14F-4D97-AF65-F5344CB8AC3E}">
+        <p14:creationId xmlns:p14="http://schemas.microsoft.com/office/powerpoint/2010/main" val="2857607644"/>
+      </p:ext>
+    </p:extLst>
+  </p:cSld>
+  <p:clrMapOvr>
+    <a:masterClrMapping/>
+  </p:clrMapOvr>
+  <mc:AlternateContent xmlns:mc="http://schemas.openxmlformats.org/markup-compatibility/2006" xmlns:p14="http://schemas.microsoft.com/office/powerpoint/2010/main">
+    <mc:Choice Requires="p14">
+      <p:transition spd="med" p14:dur="700">
+        <p:fade/>
+      </p:transition>
+    </mc:Choice>
+    <mc:Fallback xmlns="">
+      <p:transition spd="med">
+        <p:fade/>
+      </p:transition>
+    </mc:Fallback>
+  </mc:AlternateContent>
+</p:sld>
+</file>
+
+<file path=ppt/slides/slide32.xml><?xml version="1.0" encoding="utf-8"?>
+<p:sld xmlns:a="http://schemas.openxmlformats.org/drawingml/2006/main" xmlns:r="http://schemas.openxmlformats.org/officeDocument/2006/relationships" xmlns:p="http://schemas.openxmlformats.org/presentationml/2006/main">
+  <p:cSld>
+    <p:spTree>
+      <p:nvGrpSpPr>
+        <p:cNvPr id="1" name=""/>
+        <p:cNvGrpSpPr/>
+        <p:nvPr/>
+      </p:nvGrpSpPr>
+      <p:grpSpPr>
+        <a:xfrm>
+          <a:off x="0" y="0"/>
+          <a:ext cx="0" cy="0"/>
+          <a:chOff x="0" y="0"/>
+          <a:chExt cx="0" cy="0"/>
+        </a:xfrm>
+      </p:grpSpPr>
+      <p:sp>
+        <p:nvSpPr>
+          <p:cNvPr id="2" name="Text Placeholder 1"/>
+          <p:cNvSpPr>
+            <a:spLocks noGrp="1"/>
+          </p:cNvSpPr>
+          <p:nvPr>
+            <p:ph type="body" sz="quarter" idx="10"/>
+          </p:nvPr>
+        </p:nvSpPr>
+        <p:spPr>
+          <a:xfrm>
+            <a:off x="274638" y="1212850"/>
+            <a:ext cx="11887200" cy="4395049"/>
+          </a:xfrm>
+        </p:spPr>
+        <p:txBody>
+          <a:bodyPr/>
+          <a:lstStyle/>
+          <a:p>
+            <a:r>
+              <a:rPr lang="en-US" dirty="0"/>
+              <a:t>Introducing Azure Functions</a:t>
+            </a:r>
+          </a:p>
+          <a:p>
+            <a:pPr lvl="1"/>
+            <a:r>
+              <a:rPr lang="en-US" dirty="0"/>
+              <a:t>Speakers: Chris Anderson </a:t>
+            </a:r>
+          </a:p>
+          <a:p>
+            <a:pPr lvl="1"/>
+            <a:r>
+              <a:rPr lang="en-US" dirty="0"/>
+              <a:t>https://channel9.msdn.com/Events/Build/2016/B858</a:t>
+            </a:r>
+          </a:p>
+          <a:p>
+            <a:endParaRPr lang="en-US" dirty="0"/>
+          </a:p>
+          <a:p>
+            <a:r>
+              <a:rPr lang="en-US" dirty="0"/>
+              <a:t>Azure Functions Under the Hood</a:t>
+            </a:r>
+          </a:p>
+          <a:p>
+            <a:pPr lvl="1"/>
+            <a:r>
+              <a:rPr lang="en-US" dirty="0"/>
+              <a:t>Speakers: Matthew Henderson</a:t>
+            </a:r>
+          </a:p>
+          <a:p>
+            <a:pPr lvl="1"/>
+            <a:r>
+              <a:rPr lang="en-US" dirty="0"/>
+              <a:t>https://channel9.msdn.com/Events/Build/2016/T692</a:t>
+            </a:r>
+          </a:p>
+          <a:p>
+            <a:endParaRPr lang="en-US" dirty="0"/>
+          </a:p>
+        </p:txBody>
+      </p:sp>
+      <p:sp>
+        <p:nvSpPr>
+          <p:cNvPr id="3" name="Title 2"/>
+          <p:cNvSpPr>
+            <a:spLocks noGrp="1"/>
+          </p:cNvSpPr>
+          <p:nvPr>
+            <p:ph type="title"/>
+          </p:nvPr>
+        </p:nvSpPr>
+        <p:spPr/>
+        <p:txBody>
+          <a:bodyPr/>
+          <a:lstStyle/>
+          <a:p>
+            <a:r>
+              <a:rPr lang="en-US" dirty="0"/>
+              <a:t>Resources – Build 2016</a:t>
+            </a:r>
+          </a:p>
+        </p:txBody>
+      </p:sp>
+    </p:spTree>
+    <p:extLst>
+      <p:ext uri="{BB962C8B-B14F-4D97-AF65-F5344CB8AC3E}">
+        <p14:creationId xmlns:p14="http://schemas.microsoft.com/office/powerpoint/2010/main" val="2235427727"/>
+      </p:ext>
+    </p:extLst>
+  </p:cSld>
+  <p:clrMapOvr>
+    <a:masterClrMapping/>
+  </p:clrMapOvr>
+  <p:transition>
+    <p:fade/>
+  </p:transition>
+</p:sld>
+</file>
+
+<file path=ppt/slides/slide33.xml><?xml version="1.0" encoding="utf-8"?>
+<p:sld xmlns:a="http://schemas.openxmlformats.org/drawingml/2006/main" xmlns:r="http://schemas.openxmlformats.org/officeDocument/2006/relationships" xmlns:p="http://schemas.openxmlformats.org/presentationml/2006/main">
+  <p:cSld>
+    <p:spTree>
+      <p:nvGrpSpPr>
+        <p:cNvPr id="1" name=""/>
+        <p:cNvGrpSpPr/>
+        <p:nvPr/>
+      </p:nvGrpSpPr>
+      <p:grpSpPr>
+        <a:xfrm>
+          <a:off x="0" y="0"/>
+          <a:ext cx="0" cy="0"/>
+          <a:chOff x="0" y="0"/>
+          <a:chExt cx="0" cy="0"/>
+        </a:xfrm>
+      </p:grpSpPr>
+      <p:sp>
+        <p:nvSpPr>
+          <p:cNvPr id="2" name="Text Placeholder 1"/>
+          <p:cNvSpPr>
+            <a:spLocks noGrp="1"/>
+          </p:cNvSpPr>
+          <p:nvPr>
+            <p:ph type="body" sz="quarter" idx="10"/>
+          </p:nvPr>
+        </p:nvSpPr>
+        <p:spPr>
+          <a:xfrm>
+            <a:off x="275480" y="1212850"/>
+            <a:ext cx="12079991" cy="5751629"/>
+          </a:xfrm>
+        </p:spPr>
+        <p:txBody>
+          <a:bodyPr/>
+          <a:lstStyle/>
+          <a:p>
+            <a:r>
+              <a:rPr lang="en-US" dirty="0"/>
+              <a:t>The runtime, “portal”, and templates are all on GitHub</a:t>
+            </a:r>
+          </a:p>
+          <a:p>
+            <a:pPr lvl="1"/>
+            <a:r>
+              <a:rPr lang="en-US" dirty="0">
+                <a:solidFill>
+                  <a:schemeClr val="tx1"/>
+                </a:solidFill>
+                <a:hlinkClick r:id="rId2"/>
+              </a:rPr>
+              <a:t>https://github.com/Azure/azure-webjobs-sdk</a:t>
+            </a:r>
+            <a:endParaRPr lang="en-US" dirty="0">
+              <a:solidFill>
+                <a:schemeClr val="tx1"/>
+              </a:solidFill>
+            </a:endParaRPr>
+          </a:p>
+          <a:p>
+            <a:pPr lvl="1"/>
+            <a:r>
+              <a:rPr lang="en-US" dirty="0">
+                <a:solidFill>
+                  <a:schemeClr val="tx1"/>
+                </a:solidFill>
+                <a:hlinkClick r:id="rId3"/>
+              </a:rPr>
+              <a:t>https://github.com/Azure/azure-webjobs-sdk-extensions</a:t>
+            </a:r>
+            <a:endParaRPr lang="en-US" dirty="0">
+              <a:solidFill>
+                <a:schemeClr val="tx1"/>
+              </a:solidFill>
+            </a:endParaRPr>
+          </a:p>
+          <a:p>
+            <a:pPr lvl="1"/>
+            <a:r>
+              <a:rPr lang="en-US" dirty="0">
+                <a:solidFill>
+                  <a:schemeClr val="tx1"/>
+                </a:solidFill>
+                <a:hlinkClick r:id="rId4"/>
+              </a:rPr>
+              <a:t>https://github.com/Azure/azure-webjobs-sdk-script</a:t>
+            </a:r>
+            <a:endParaRPr lang="en-US" dirty="0">
+              <a:solidFill>
+                <a:schemeClr val="tx1"/>
+              </a:solidFill>
+            </a:endParaRPr>
+          </a:p>
+          <a:p>
+            <a:pPr lvl="1"/>
+            <a:r>
+              <a:rPr lang="en-US" dirty="0">
+                <a:solidFill>
+                  <a:schemeClr val="tx1"/>
+                </a:solidFill>
+                <a:hlinkClick r:id="rId5"/>
+              </a:rPr>
+              <a:t>https://github.com/Azure/azure-webjobs-sdk-templates</a:t>
+            </a:r>
+            <a:endParaRPr lang="en-US" dirty="0">
+              <a:solidFill>
+                <a:schemeClr val="tx1"/>
+              </a:solidFill>
+            </a:endParaRPr>
+          </a:p>
+          <a:p>
+            <a:pPr lvl="1"/>
+            <a:r>
+              <a:rPr lang="en-US" dirty="0">
+                <a:solidFill>
+                  <a:schemeClr val="tx1"/>
+                </a:solidFill>
+                <a:hlinkClick r:id="rId6"/>
+              </a:rPr>
+              <a:t>https://github.com/ProjectKudu/WebJobsPortal</a:t>
+            </a:r>
+            <a:r>
+              <a:rPr lang="en-US" dirty="0">
+                <a:solidFill>
+                  <a:schemeClr val="tx1"/>
+                </a:solidFill>
+              </a:rPr>
+              <a:t> </a:t>
+            </a:r>
+          </a:p>
+          <a:p>
+            <a:r>
+              <a:rPr lang="en-US" dirty="0"/>
+              <a:t>Open roadmap</a:t>
+            </a:r>
+          </a:p>
+          <a:p>
+            <a:pPr lvl="1"/>
+            <a:r>
+              <a:rPr lang="en-US" dirty="0"/>
+              <a:t>Use the cutting edge features</a:t>
+            </a:r>
+          </a:p>
+          <a:p>
+            <a:pPr lvl="1"/>
+            <a:r>
+              <a:rPr lang="en-US" dirty="0"/>
+              <a:t>Transparency into priorities and velocity</a:t>
+            </a:r>
+          </a:p>
+          <a:p>
+            <a:pPr lvl="1"/>
+            <a:r>
+              <a:rPr lang="en-US" dirty="0"/>
+              <a:t>Influence the direction of the project</a:t>
+            </a:r>
+          </a:p>
+          <a:p>
+            <a:r>
+              <a:rPr lang="en-US" dirty="0"/>
+              <a:t>Runtime is intended to be portable</a:t>
+            </a:r>
+          </a:p>
+          <a:p>
+            <a:pPr lvl="1"/>
+            <a:r>
+              <a:rPr lang="en-US" dirty="0"/>
+              <a:t>MIT License</a:t>
+            </a:r>
+          </a:p>
+        </p:txBody>
+      </p:sp>
+      <p:sp>
+        <p:nvSpPr>
+          <p:cNvPr id="3" name="Title 2"/>
+          <p:cNvSpPr>
+            <a:spLocks noGrp="1"/>
+          </p:cNvSpPr>
+          <p:nvPr>
+            <p:ph type="title"/>
+          </p:nvPr>
+        </p:nvSpPr>
+        <p:spPr/>
+        <p:txBody>
+          <a:bodyPr/>
+          <a:lstStyle/>
+          <a:p>
+            <a:r>
+              <a:rPr lang="en-US" dirty="0"/>
+              <a:t>Azure Functions is open sourced</a:t>
+            </a:r>
+          </a:p>
+        </p:txBody>
+      </p:sp>
+    </p:spTree>
+    <p:extLst>
+      <p:ext uri="{BB962C8B-B14F-4D97-AF65-F5344CB8AC3E}">
+        <p14:creationId xmlns:p14="http://schemas.microsoft.com/office/powerpoint/2010/main" val="376460961"/>
+      </p:ext>
+    </p:extLst>
+  </p:cSld>
+  <p:clrMapOvr>
+    <a:masterClrMapping/>
+  </p:clrMapOvr>
+  <p:transition>
+    <p:fade/>
+  </p:transition>
+</p:sld>
+</file>
+
+<file path=ppt/slides/slide34.xml><?xml version="1.0" encoding="utf-8"?>
+<p:sld xmlns:a="http://schemas.openxmlformats.org/drawingml/2006/main" xmlns:r="http://schemas.openxmlformats.org/officeDocument/2006/relationships" xmlns:p="http://schemas.openxmlformats.org/presentationml/2006/main">
+  <p:cSld>
+    <p:spTree>
+      <p:nvGrpSpPr>
+        <p:cNvPr id="1" name=""/>
+        <p:cNvGrpSpPr/>
+        <p:nvPr/>
+      </p:nvGrpSpPr>
+      <p:grpSpPr>
+        <a:xfrm>
+          <a:off x="0" y="0"/>
+          <a:ext cx="0" cy="0"/>
+          <a:chOff x="0" y="0"/>
+          <a:chExt cx="0" cy="0"/>
+        </a:xfrm>
+      </p:grpSpPr>
+      <p:sp>
+        <p:nvSpPr>
+          <p:cNvPr id="2" name="Title 1"/>
+          <p:cNvSpPr>
+            <a:spLocks noGrp="1"/>
+          </p:cNvSpPr>
+          <p:nvPr>
+            <p:ph type="title"/>
+          </p:nvPr>
+        </p:nvSpPr>
+        <p:spPr/>
+        <p:txBody>
+          <a:bodyPr/>
+          <a:lstStyle/>
+          <a:p>
+            <a:r>
+              <a:rPr lang="en-US" dirty="0"/>
+              <a:t>Call to Action</a:t>
+            </a:r>
+          </a:p>
+        </p:txBody>
+      </p:sp>
+      <p:sp>
+        <p:nvSpPr>
+          <p:cNvPr id="3" name="Text Placeholder 2"/>
+          <p:cNvSpPr>
+            <a:spLocks noGrp="1"/>
+          </p:cNvSpPr>
+          <p:nvPr>
+            <p:ph type="body" sz="quarter" idx="10"/>
+          </p:nvPr>
+        </p:nvSpPr>
+        <p:spPr>
+          <a:xfrm>
+            <a:off x="275481" y="1213175"/>
+            <a:ext cx="11885514" cy="5879495"/>
+          </a:xfrm>
+        </p:spPr>
+        <p:txBody>
+          <a:bodyPr/>
+          <a:lstStyle/>
+          <a:p>
+            <a:r>
+              <a:rPr lang="en-US" dirty="0"/>
+              <a:t>Try Azure Functions @ </a:t>
+            </a:r>
+            <a:r>
+              <a:rPr lang="en-US" dirty="0">
+                <a:hlinkClick r:id="rId3"/>
+              </a:rPr>
+              <a:t>https://functions.azure.com</a:t>
+            </a:r>
+            <a:r>
+              <a:rPr lang="en-US" dirty="0"/>
+              <a:t> </a:t>
+            </a:r>
+          </a:p>
+          <a:p>
+            <a:r>
+              <a:rPr lang="en-US" dirty="0"/>
+              <a:t>Try App Service @ </a:t>
+            </a:r>
+            <a:r>
+              <a:rPr lang="en-US" dirty="0">
+                <a:hlinkClick r:id="rId4"/>
+              </a:rPr>
+              <a:t>https://tryappservice.azure.com</a:t>
+            </a:r>
+            <a:r>
+              <a:rPr lang="en-US" dirty="0"/>
+              <a:t> </a:t>
+            </a:r>
+          </a:p>
+          <a:p>
+            <a:r>
+              <a:rPr lang="en-US" dirty="0"/>
+              <a:t>Fork us @ </a:t>
+            </a:r>
+            <a:r>
+              <a:rPr lang="en-US" sz="3672" dirty="0">
+                <a:hlinkClick r:id="rId5"/>
+              </a:rPr>
+              <a:t>https://</a:t>
+            </a:r>
+            <a:r>
+              <a:rPr lang="en-US" sz="3264" dirty="0">
+                <a:hlinkClick r:id="rId5"/>
+              </a:rPr>
+              <a:t>github.com/azure/azure-webjobs-sdk-script</a:t>
+            </a:r>
+            <a:r>
+              <a:rPr lang="en-US" sz="3264" dirty="0"/>
+              <a:t>  </a:t>
+            </a:r>
+          </a:p>
+          <a:p>
+            <a:endParaRPr lang="en-US" sz="2448" dirty="0"/>
+          </a:p>
+          <a:p>
+            <a:pPr marL="0" indent="0">
+              <a:buNone/>
+            </a:pPr>
+            <a:endParaRPr lang="en-US" sz="3199" dirty="0"/>
+          </a:p>
+        </p:txBody>
+      </p:sp>
+    </p:spTree>
+    <p:extLst>
+      <p:ext uri="{BB962C8B-B14F-4D97-AF65-F5344CB8AC3E}">
+        <p14:creationId xmlns:p14="http://schemas.microsoft.com/office/powerpoint/2010/main" val="127724107"/>
+      </p:ext>
+    </p:extLst>
+  </p:cSld>
+  <p:clrMapOvr>
+    <a:masterClrMapping/>
+  </p:clrMapOvr>
+  <p:transition>
+    <p:fade/>
+  </p:transition>
+</p:sld>
+</file>
+
+<file path=ppt/slides/slide35.xml><?xml version="1.0" encoding="utf-8"?>
+<p:sld xmlns:a="http://schemas.openxmlformats.org/drawingml/2006/main" xmlns:r="http://schemas.openxmlformats.org/officeDocument/2006/relationships" xmlns:p="http://schemas.openxmlformats.org/presentationml/2006/main">
+  <p:cSld>
+    <p:spTree>
+      <p:nvGrpSpPr>
+        <p:cNvPr id="1" name=""/>
+        <p:cNvGrpSpPr/>
+        <p:nvPr/>
+      </p:nvGrpSpPr>
+      <p:grpSpPr>
+        <a:xfrm>
+          <a:off x="0" y="0"/>
+          <a:ext cx="0" cy="0"/>
+          <a:chOff x="0" y="0"/>
+          <a:chExt cx="0" cy="0"/>
+        </a:xfrm>
+      </p:grpSpPr>
+      <p:sp>
+        <p:nvSpPr>
           <p:cNvPr id="17" name="Title 16"/>
           <p:cNvSpPr>
             <a:spLocks noGrp="1"/>
@@ -15686,7 +16116,7 @@
 </p:sld>
 </file>
 
-<file path=ppt/slides/slide32.xml><?xml version="1.0" encoding="utf-8"?>
+<file path=ppt/slides/slide36.xml><?xml version="1.0" encoding="utf-8"?>
 <p:sld xmlns:a="http://schemas.openxmlformats.org/drawingml/2006/main" xmlns:r="http://schemas.openxmlformats.org/officeDocument/2006/relationships" xmlns:p="http://schemas.openxmlformats.org/presentationml/2006/main">
   <p:cSld>
     <p:spTree>
@@ -15920,7 +16350,7 @@
 </p:sld>
 </file>
 
-<file path=ppt/slides/slide33.xml><?xml version="1.0" encoding="utf-8"?>
+<file path=ppt/slides/slide37.xml><?xml version="1.0" encoding="utf-8"?>
 <p:sld xmlns:a="http://schemas.openxmlformats.org/drawingml/2006/main" xmlns:r="http://schemas.openxmlformats.org/officeDocument/2006/relationships" xmlns:p="http://schemas.openxmlformats.org/presentationml/2006/main">
   <p:cSld>
     <p:spTree>
@@ -16050,7 +16480,7 @@
 </p:sld>
 </file>
 
-<file path=ppt/slides/slide34.xml><?xml version="1.0" encoding="utf-8"?>
+<file path=ppt/slides/slide38.xml><?xml version="1.0" encoding="utf-8"?>
 <p:sld xmlns:a="http://schemas.openxmlformats.org/drawingml/2006/main" xmlns:r="http://schemas.openxmlformats.org/officeDocument/2006/relationships" xmlns:p="http://schemas.openxmlformats.org/presentationml/2006/main">
   <p:cSld>
     <p:spTree>
@@ -16387,7 +16817,7 @@
       </p:grpSpPr>
       <p:sp>
         <p:nvSpPr>
-          <p:cNvPr id="4" name="Title 3"/>
+          <p:cNvPr id="3" name="Title 2"/>
           <p:cNvSpPr>
             <a:spLocks noGrp="1"/>
           </p:cNvSpPr>
@@ -16402,7 +16832,5253 @@
           <a:p>
             <a:r>
               <a:rPr lang="en-US" dirty="0"/>
-              <a:t>Common Scenarios</a:t>
+              <a:t>Foo as a Service</a:t>
+            </a:r>
+          </a:p>
+        </p:txBody>
+      </p:sp>
+      <p:sp>
+        <p:nvSpPr>
+          <p:cNvPr id="4" name="Rectangle 3"/>
+          <p:cNvSpPr/>
+          <p:nvPr/>
+        </p:nvSpPr>
+        <p:spPr>
+          <a:xfrm>
+            <a:off x="1464641" y="1375380"/>
+            <a:ext cx="9541059" cy="3962400"/>
+          </a:xfrm>
+          <a:prstGeom prst="rect">
+            <a:avLst/>
+          </a:prstGeom>
+          <a:solidFill>
+            <a:schemeClr val="bg1"/>
+          </a:solidFill>
+          <a:ln>
+            <a:noFill/>
+          </a:ln>
+        </p:spPr>
+        <p:style>
+          <a:lnRef idx="1">
+            <a:schemeClr val="accent1"/>
+          </a:lnRef>
+          <a:fillRef idx="3">
+            <a:schemeClr val="accent1"/>
+          </a:fillRef>
+          <a:effectRef idx="2">
+            <a:schemeClr val="accent1"/>
+          </a:effectRef>
+          <a:fontRef idx="minor">
+            <a:schemeClr val="lt1"/>
+          </a:fontRef>
+        </p:style>
+        <p:txBody>
+          <a:bodyPr lIns="121917" tIns="60958" rIns="121917" bIns="60958" rtlCol="0" anchor="ctr"/>
+          <a:lstStyle/>
+          <a:p>
+            <a:pPr algn="ctr"/>
+            <a:endParaRPr lang="en-US"/>
+          </a:p>
+        </p:txBody>
+      </p:sp>
+      <p:sp>
+        <p:nvSpPr>
+          <p:cNvPr id="5" name="Rectangle 4"/>
+          <p:cNvSpPr/>
+          <p:nvPr/>
+        </p:nvSpPr>
+        <p:spPr bwMode="auto">
+          <a:xfrm>
+            <a:off x="3964035" y="1538660"/>
+            <a:ext cx="6869331" cy="3597905"/>
+          </a:xfrm>
+          <a:prstGeom prst="rect">
+            <a:avLst/>
+          </a:prstGeom>
+          <a:solidFill>
+            <a:srgbClr val="FFFFFF">
+              <a:lumMod val="95000"/>
+            </a:srgbClr>
+          </a:solidFill>
+          <a:ln w="9525" cap="flat" cmpd="sng" algn="ctr">
+            <a:solidFill>
+              <a:srgbClr val="FFFFFF">
+                <a:lumMod val="85000"/>
+              </a:srgbClr>
+            </a:solidFill>
+            <a:prstDash val="solid"/>
+            <a:headEnd type="none" w="med" len="med"/>
+            <a:tailEnd type="none" w="med" len="med"/>
+          </a:ln>
+          <a:effectLst/>
+        </p:spPr>
+        <p:txBody>
+          <a:bodyPr vert="horz" wrap="square" lIns="73710" tIns="36856" rIns="73710" bIns="36856" numCol="1" spcCol="0" rtlCol="0" anchor="ctr" anchorCtr="0" compatLnSpc="1">
+            <a:prstTxWarp prst="textNoShape">
+              <a:avLst/>
+            </a:prstTxWarp>
+          </a:bodyPr>
+          <a:lstStyle/>
+          <a:p>
+            <a:pPr algn="ctr" defTabSz="736904" fontAlgn="base">
+              <a:spcBef>
+                <a:spcPct val="0"/>
+              </a:spcBef>
+              <a:spcAft>
+                <a:spcPct val="0"/>
+              </a:spcAft>
+              <a:defRPr/>
+            </a:pPr>
+            <a:endParaRPr lang="en-US" sz="1700" kern="0" dirty="0">
+              <a:gradFill>
+                <a:gsLst>
+                  <a:gs pos="0">
+                    <a:srgbClr val="FFFFFF"/>
+                  </a:gs>
+                  <a:gs pos="100000">
+                    <a:srgbClr val="FFFFFF"/>
+                  </a:gs>
+                </a:gsLst>
+                <a:lin ang="5400000" scaled="0"/>
+              </a:gradFill>
+              <a:latin typeface="Segoe UI"/>
+            </a:endParaRPr>
+          </a:p>
+        </p:txBody>
+      </p:sp>
+      <p:grpSp>
+        <p:nvGrpSpPr>
+          <p:cNvPr id="6" name="Group 5"/>
+          <p:cNvGrpSpPr/>
+          <p:nvPr/>
+        </p:nvGrpSpPr>
+        <p:grpSpPr>
+          <a:xfrm>
+            <a:off x="2064619" y="1690423"/>
+            <a:ext cx="1912480" cy="3353301"/>
+            <a:chOff x="855665" y="1583373"/>
+            <a:chExt cx="2427913" cy="4790431"/>
+          </a:xfrm>
+        </p:grpSpPr>
+        <p:sp>
+          <p:nvSpPr>
+            <p:cNvPr id="7" name="Rectangle 6"/>
+            <p:cNvSpPr/>
+            <p:nvPr/>
+          </p:nvSpPr>
+          <p:spPr>
+            <a:xfrm>
+              <a:off x="1416806" y="1583373"/>
+              <a:ext cx="1866772" cy="640080"/>
+            </a:xfrm>
+            <a:prstGeom prst="rect">
+              <a:avLst/>
+            </a:prstGeom>
+            <a:noFill/>
+            <a:ln w="9525" cap="flat" cmpd="sng" algn="ctr">
+              <a:noFill/>
+              <a:prstDash val="solid"/>
+            </a:ln>
+            <a:effectLst/>
+          </p:spPr>
+          <p:txBody>
+            <a:bodyPr lIns="0" tIns="0" rIns="0" bIns="0" rtlCol="0" anchor="t" anchorCtr="0"/>
+            <a:lstStyle>
+              <a:defPPr>
+                <a:defRPr lang="en-US"/>
+              </a:defPPr>
+              <a:lvl1pPr marL="0" algn="l" defTabSz="914400" rtl="0" eaLnBrk="1" latinLnBrk="0" hangingPunct="1">
+                <a:defRPr sz="1800" kern="1200">
+                  <a:solidFill>
+                    <a:schemeClr val="lt1"/>
+                  </a:solidFill>
+                  <a:latin typeface="+mn-lt"/>
+                  <a:ea typeface="+mn-ea"/>
+                  <a:cs typeface="+mn-cs"/>
+                </a:defRPr>
+              </a:lvl1pPr>
+              <a:lvl2pPr marL="457200" algn="l" defTabSz="914400" rtl="0" eaLnBrk="1" latinLnBrk="0" hangingPunct="1">
+                <a:defRPr sz="1800" kern="1200">
+                  <a:solidFill>
+                    <a:schemeClr val="lt1"/>
+                  </a:solidFill>
+                  <a:latin typeface="+mn-lt"/>
+                  <a:ea typeface="+mn-ea"/>
+                  <a:cs typeface="+mn-cs"/>
+                </a:defRPr>
+              </a:lvl2pPr>
+              <a:lvl3pPr marL="914400" algn="l" defTabSz="914400" rtl="0" eaLnBrk="1" latinLnBrk="0" hangingPunct="1">
+                <a:defRPr sz="1800" kern="1200">
+                  <a:solidFill>
+                    <a:schemeClr val="lt1"/>
+                  </a:solidFill>
+                  <a:latin typeface="+mn-lt"/>
+                  <a:ea typeface="+mn-ea"/>
+                  <a:cs typeface="+mn-cs"/>
+                </a:defRPr>
+              </a:lvl3pPr>
+              <a:lvl4pPr marL="1371600" algn="l" defTabSz="914400" rtl="0" eaLnBrk="1" latinLnBrk="0" hangingPunct="1">
+                <a:defRPr sz="1800" kern="1200">
+                  <a:solidFill>
+                    <a:schemeClr val="lt1"/>
+                  </a:solidFill>
+                  <a:latin typeface="+mn-lt"/>
+                  <a:ea typeface="+mn-ea"/>
+                  <a:cs typeface="+mn-cs"/>
+                </a:defRPr>
+              </a:lvl4pPr>
+              <a:lvl5pPr marL="1828800" algn="l" defTabSz="914400" rtl="0" eaLnBrk="1" latinLnBrk="0" hangingPunct="1">
+                <a:defRPr sz="1800" kern="1200">
+                  <a:solidFill>
+                    <a:schemeClr val="lt1"/>
+                  </a:solidFill>
+                  <a:latin typeface="+mn-lt"/>
+                  <a:ea typeface="+mn-ea"/>
+                  <a:cs typeface="+mn-cs"/>
+                </a:defRPr>
+              </a:lvl5pPr>
+              <a:lvl6pPr marL="2286000" algn="l" defTabSz="914400" rtl="0" eaLnBrk="1" latinLnBrk="0" hangingPunct="1">
+                <a:defRPr sz="1800" kern="1200">
+                  <a:solidFill>
+                    <a:schemeClr val="lt1"/>
+                  </a:solidFill>
+                  <a:latin typeface="+mn-lt"/>
+                  <a:ea typeface="+mn-ea"/>
+                  <a:cs typeface="+mn-cs"/>
+                </a:defRPr>
+              </a:lvl6pPr>
+              <a:lvl7pPr marL="2743200" algn="l" defTabSz="914400" rtl="0" eaLnBrk="1" latinLnBrk="0" hangingPunct="1">
+                <a:defRPr sz="1800" kern="1200">
+                  <a:solidFill>
+                    <a:schemeClr val="lt1"/>
+                  </a:solidFill>
+                  <a:latin typeface="+mn-lt"/>
+                  <a:ea typeface="+mn-ea"/>
+                  <a:cs typeface="+mn-cs"/>
+                </a:defRPr>
+              </a:lvl7pPr>
+              <a:lvl8pPr marL="3200400" algn="l" defTabSz="914400" rtl="0" eaLnBrk="1" latinLnBrk="0" hangingPunct="1">
+                <a:defRPr sz="1800" kern="1200">
+                  <a:solidFill>
+                    <a:schemeClr val="lt1"/>
+                  </a:solidFill>
+                  <a:latin typeface="+mn-lt"/>
+                  <a:ea typeface="+mn-ea"/>
+                  <a:cs typeface="+mn-cs"/>
+                </a:defRPr>
+              </a:lvl8pPr>
+              <a:lvl9pPr marL="3657600" algn="l" defTabSz="914400" rtl="0" eaLnBrk="1" latinLnBrk="0" hangingPunct="1">
+                <a:defRPr sz="1800" kern="1200">
+                  <a:solidFill>
+                    <a:schemeClr val="lt1"/>
+                  </a:solidFill>
+                  <a:latin typeface="+mn-lt"/>
+                  <a:ea typeface="+mn-ea"/>
+                  <a:cs typeface="+mn-cs"/>
+                </a:defRPr>
+              </a:lvl9pPr>
+            </a:lstStyle>
+            <a:p>
+              <a:pPr marL="0" lvl="1" defTabSz="982905" fontAlgn="base">
+                <a:spcAft>
+                  <a:spcPct val="0"/>
+                </a:spcAft>
+                <a:defRPr/>
+              </a:pPr>
+              <a:r>
+                <a:rPr lang="en-US" sz="1600" dirty="0">
+                  <a:solidFill>
+                    <a:schemeClr val="tx1">
+                      <a:alpha val="99000"/>
+                    </a:schemeClr>
+                  </a:solidFill>
+                  <a:latin typeface="Segoe UI"/>
+                  <a:ea typeface="Kozuka Gothic Pro R" pitchFamily="34" charset="-128"/>
+                </a:rPr>
+                <a:t>Packaged Software</a:t>
+              </a:r>
+            </a:p>
+          </p:txBody>
+        </p:sp>
+        <p:sp>
+          <p:nvSpPr>
+            <p:cNvPr id="8" name="Rectangle 7"/>
+            <p:cNvSpPr/>
+            <p:nvPr/>
+          </p:nvSpPr>
+          <p:spPr>
+            <a:xfrm>
+              <a:off x="1396458" y="5537987"/>
+              <a:ext cx="1638241" cy="381000"/>
+            </a:xfrm>
+            <a:prstGeom prst="rect">
+              <a:avLst/>
+            </a:prstGeom>
+            <a:solidFill>
+              <a:srgbClr val="FF8A00"/>
+            </a:solidFill>
+            <a:ln w="9525" cap="flat" cmpd="sng" algn="ctr">
+              <a:solidFill>
+                <a:srgbClr val="FFC000">
+                  <a:shade val="95000"/>
+                  <a:satMod val="105000"/>
+                </a:srgbClr>
+              </a:solidFill>
+              <a:prstDash val="solid"/>
+            </a:ln>
+            <a:effectLst/>
+          </p:spPr>
+          <p:txBody>
+            <a:bodyPr rtlCol="0" anchor="t" anchorCtr="0"/>
+            <a:lstStyle>
+              <a:defPPr>
+                <a:defRPr lang="en-US"/>
+              </a:defPPr>
+              <a:lvl1pPr marL="0" algn="l" defTabSz="914400" rtl="0" eaLnBrk="1" latinLnBrk="0" hangingPunct="1">
+                <a:defRPr sz="1800" kern="1200">
+                  <a:solidFill>
+                    <a:schemeClr val="lt1"/>
+                  </a:solidFill>
+                  <a:latin typeface="+mn-lt"/>
+                  <a:ea typeface="+mn-ea"/>
+                  <a:cs typeface="+mn-cs"/>
+                </a:defRPr>
+              </a:lvl1pPr>
+              <a:lvl2pPr marL="457200" algn="l" defTabSz="914400" rtl="0" eaLnBrk="1" latinLnBrk="0" hangingPunct="1">
+                <a:defRPr sz="1800" kern="1200">
+                  <a:solidFill>
+                    <a:schemeClr val="lt1"/>
+                  </a:solidFill>
+                  <a:latin typeface="+mn-lt"/>
+                  <a:ea typeface="+mn-ea"/>
+                  <a:cs typeface="+mn-cs"/>
+                </a:defRPr>
+              </a:lvl2pPr>
+              <a:lvl3pPr marL="914400" algn="l" defTabSz="914400" rtl="0" eaLnBrk="1" latinLnBrk="0" hangingPunct="1">
+                <a:defRPr sz="1800" kern="1200">
+                  <a:solidFill>
+                    <a:schemeClr val="lt1"/>
+                  </a:solidFill>
+                  <a:latin typeface="+mn-lt"/>
+                  <a:ea typeface="+mn-ea"/>
+                  <a:cs typeface="+mn-cs"/>
+                </a:defRPr>
+              </a:lvl3pPr>
+              <a:lvl4pPr marL="1371600" algn="l" defTabSz="914400" rtl="0" eaLnBrk="1" latinLnBrk="0" hangingPunct="1">
+                <a:defRPr sz="1800" kern="1200">
+                  <a:solidFill>
+                    <a:schemeClr val="lt1"/>
+                  </a:solidFill>
+                  <a:latin typeface="+mn-lt"/>
+                  <a:ea typeface="+mn-ea"/>
+                  <a:cs typeface="+mn-cs"/>
+                </a:defRPr>
+              </a:lvl4pPr>
+              <a:lvl5pPr marL="1828800" algn="l" defTabSz="914400" rtl="0" eaLnBrk="1" latinLnBrk="0" hangingPunct="1">
+                <a:defRPr sz="1800" kern="1200">
+                  <a:solidFill>
+                    <a:schemeClr val="lt1"/>
+                  </a:solidFill>
+                  <a:latin typeface="+mn-lt"/>
+                  <a:ea typeface="+mn-ea"/>
+                  <a:cs typeface="+mn-cs"/>
+                </a:defRPr>
+              </a:lvl5pPr>
+              <a:lvl6pPr marL="2286000" algn="l" defTabSz="914400" rtl="0" eaLnBrk="1" latinLnBrk="0" hangingPunct="1">
+                <a:defRPr sz="1800" kern="1200">
+                  <a:solidFill>
+                    <a:schemeClr val="lt1"/>
+                  </a:solidFill>
+                  <a:latin typeface="+mn-lt"/>
+                  <a:ea typeface="+mn-ea"/>
+                  <a:cs typeface="+mn-cs"/>
+                </a:defRPr>
+              </a:lvl6pPr>
+              <a:lvl7pPr marL="2743200" algn="l" defTabSz="914400" rtl="0" eaLnBrk="1" latinLnBrk="0" hangingPunct="1">
+                <a:defRPr sz="1800" kern="1200">
+                  <a:solidFill>
+                    <a:schemeClr val="lt1"/>
+                  </a:solidFill>
+                  <a:latin typeface="+mn-lt"/>
+                  <a:ea typeface="+mn-ea"/>
+                  <a:cs typeface="+mn-cs"/>
+                </a:defRPr>
+              </a:lvl7pPr>
+              <a:lvl8pPr marL="3200400" algn="l" defTabSz="914400" rtl="0" eaLnBrk="1" latinLnBrk="0" hangingPunct="1">
+                <a:defRPr sz="1800" kern="1200">
+                  <a:solidFill>
+                    <a:schemeClr val="lt1"/>
+                  </a:solidFill>
+                  <a:latin typeface="+mn-lt"/>
+                  <a:ea typeface="+mn-ea"/>
+                  <a:cs typeface="+mn-cs"/>
+                </a:defRPr>
+              </a:lvl8pPr>
+              <a:lvl9pPr marL="3657600" algn="l" defTabSz="914400" rtl="0" eaLnBrk="1" latinLnBrk="0" hangingPunct="1">
+                <a:defRPr sz="1800" kern="1200">
+                  <a:solidFill>
+                    <a:schemeClr val="lt1"/>
+                  </a:solidFill>
+                  <a:latin typeface="+mn-lt"/>
+                  <a:ea typeface="+mn-ea"/>
+                  <a:cs typeface="+mn-cs"/>
+                </a:defRPr>
+              </a:lvl9pPr>
+            </a:lstStyle>
+            <a:p>
+              <a:pPr algn="ctr" defTabSz="982985">
+                <a:defRPr/>
+              </a:pPr>
+              <a:r>
+                <a:rPr lang="en-US" sz="1200" dirty="0">
+                  <a:solidFill>
+                    <a:srgbClr val="FFFFFF">
+                      <a:alpha val="99000"/>
+                    </a:srgbClr>
+                  </a:solidFill>
+                  <a:latin typeface="Segoe UI"/>
+                  <a:ea typeface="Segoe UI" pitchFamily="34" charset="0"/>
+                  <a:cs typeface="Segoe UI" pitchFamily="34" charset="0"/>
+                </a:rPr>
+                <a:t>Storage</a:t>
+              </a:r>
+            </a:p>
+          </p:txBody>
+        </p:sp>
+        <p:sp>
+          <p:nvSpPr>
+            <p:cNvPr id="9" name="Rectangle 8"/>
+            <p:cNvSpPr/>
+            <p:nvPr/>
+          </p:nvSpPr>
+          <p:spPr>
+            <a:xfrm>
+              <a:off x="1396458" y="5083168"/>
+              <a:ext cx="1638241" cy="381000"/>
+            </a:xfrm>
+            <a:prstGeom prst="rect">
+              <a:avLst/>
+            </a:prstGeom>
+            <a:solidFill>
+              <a:srgbClr val="FF8A00"/>
+            </a:solidFill>
+            <a:ln w="9525" cap="flat" cmpd="sng" algn="ctr">
+              <a:solidFill>
+                <a:srgbClr val="FFC000">
+                  <a:shade val="95000"/>
+                  <a:satMod val="105000"/>
+                </a:srgbClr>
+              </a:solidFill>
+              <a:prstDash val="solid"/>
+            </a:ln>
+            <a:effectLst/>
+          </p:spPr>
+          <p:txBody>
+            <a:bodyPr rtlCol="0" anchor="t" anchorCtr="0"/>
+            <a:lstStyle>
+              <a:defPPr>
+                <a:defRPr lang="en-US"/>
+              </a:defPPr>
+              <a:lvl1pPr marL="0" algn="l" defTabSz="914400" rtl="0" eaLnBrk="1" latinLnBrk="0" hangingPunct="1">
+                <a:defRPr sz="1800" kern="1200">
+                  <a:solidFill>
+                    <a:schemeClr val="lt1"/>
+                  </a:solidFill>
+                  <a:latin typeface="+mn-lt"/>
+                  <a:ea typeface="+mn-ea"/>
+                  <a:cs typeface="+mn-cs"/>
+                </a:defRPr>
+              </a:lvl1pPr>
+              <a:lvl2pPr marL="457200" algn="l" defTabSz="914400" rtl="0" eaLnBrk="1" latinLnBrk="0" hangingPunct="1">
+                <a:defRPr sz="1800" kern="1200">
+                  <a:solidFill>
+                    <a:schemeClr val="lt1"/>
+                  </a:solidFill>
+                  <a:latin typeface="+mn-lt"/>
+                  <a:ea typeface="+mn-ea"/>
+                  <a:cs typeface="+mn-cs"/>
+                </a:defRPr>
+              </a:lvl2pPr>
+              <a:lvl3pPr marL="914400" algn="l" defTabSz="914400" rtl="0" eaLnBrk="1" latinLnBrk="0" hangingPunct="1">
+                <a:defRPr sz="1800" kern="1200">
+                  <a:solidFill>
+                    <a:schemeClr val="lt1"/>
+                  </a:solidFill>
+                  <a:latin typeface="+mn-lt"/>
+                  <a:ea typeface="+mn-ea"/>
+                  <a:cs typeface="+mn-cs"/>
+                </a:defRPr>
+              </a:lvl3pPr>
+              <a:lvl4pPr marL="1371600" algn="l" defTabSz="914400" rtl="0" eaLnBrk="1" latinLnBrk="0" hangingPunct="1">
+                <a:defRPr sz="1800" kern="1200">
+                  <a:solidFill>
+                    <a:schemeClr val="lt1"/>
+                  </a:solidFill>
+                  <a:latin typeface="+mn-lt"/>
+                  <a:ea typeface="+mn-ea"/>
+                  <a:cs typeface="+mn-cs"/>
+                </a:defRPr>
+              </a:lvl4pPr>
+              <a:lvl5pPr marL="1828800" algn="l" defTabSz="914400" rtl="0" eaLnBrk="1" latinLnBrk="0" hangingPunct="1">
+                <a:defRPr sz="1800" kern="1200">
+                  <a:solidFill>
+                    <a:schemeClr val="lt1"/>
+                  </a:solidFill>
+                  <a:latin typeface="+mn-lt"/>
+                  <a:ea typeface="+mn-ea"/>
+                  <a:cs typeface="+mn-cs"/>
+                </a:defRPr>
+              </a:lvl5pPr>
+              <a:lvl6pPr marL="2286000" algn="l" defTabSz="914400" rtl="0" eaLnBrk="1" latinLnBrk="0" hangingPunct="1">
+                <a:defRPr sz="1800" kern="1200">
+                  <a:solidFill>
+                    <a:schemeClr val="lt1"/>
+                  </a:solidFill>
+                  <a:latin typeface="+mn-lt"/>
+                  <a:ea typeface="+mn-ea"/>
+                  <a:cs typeface="+mn-cs"/>
+                </a:defRPr>
+              </a:lvl6pPr>
+              <a:lvl7pPr marL="2743200" algn="l" defTabSz="914400" rtl="0" eaLnBrk="1" latinLnBrk="0" hangingPunct="1">
+                <a:defRPr sz="1800" kern="1200">
+                  <a:solidFill>
+                    <a:schemeClr val="lt1"/>
+                  </a:solidFill>
+                  <a:latin typeface="+mn-lt"/>
+                  <a:ea typeface="+mn-ea"/>
+                  <a:cs typeface="+mn-cs"/>
+                </a:defRPr>
+              </a:lvl7pPr>
+              <a:lvl8pPr marL="3200400" algn="l" defTabSz="914400" rtl="0" eaLnBrk="1" latinLnBrk="0" hangingPunct="1">
+                <a:defRPr sz="1800" kern="1200">
+                  <a:solidFill>
+                    <a:schemeClr val="lt1"/>
+                  </a:solidFill>
+                  <a:latin typeface="+mn-lt"/>
+                  <a:ea typeface="+mn-ea"/>
+                  <a:cs typeface="+mn-cs"/>
+                </a:defRPr>
+              </a:lvl8pPr>
+              <a:lvl9pPr marL="3657600" algn="l" defTabSz="914400" rtl="0" eaLnBrk="1" latinLnBrk="0" hangingPunct="1">
+                <a:defRPr sz="1800" kern="1200">
+                  <a:solidFill>
+                    <a:schemeClr val="lt1"/>
+                  </a:solidFill>
+                  <a:latin typeface="+mn-lt"/>
+                  <a:ea typeface="+mn-ea"/>
+                  <a:cs typeface="+mn-cs"/>
+                </a:defRPr>
+              </a:lvl9pPr>
+            </a:lstStyle>
+            <a:p>
+              <a:pPr algn="ctr" defTabSz="982985">
+                <a:defRPr/>
+              </a:pPr>
+              <a:r>
+                <a:rPr lang="en-US" sz="1200" dirty="0">
+                  <a:solidFill>
+                    <a:srgbClr val="FFFFFF">
+                      <a:alpha val="99000"/>
+                    </a:srgbClr>
+                  </a:solidFill>
+                  <a:latin typeface="Segoe UI"/>
+                  <a:ea typeface="Segoe UI" pitchFamily="34" charset="0"/>
+                  <a:cs typeface="Segoe UI" pitchFamily="34" charset="0"/>
+                </a:rPr>
+                <a:t>Servers</a:t>
+              </a:r>
+            </a:p>
+          </p:txBody>
+        </p:sp>
+        <p:sp>
+          <p:nvSpPr>
+            <p:cNvPr id="10" name="Rectangle 9"/>
+            <p:cNvSpPr/>
+            <p:nvPr/>
+          </p:nvSpPr>
+          <p:spPr>
+            <a:xfrm>
+              <a:off x="1396458" y="5992804"/>
+              <a:ext cx="1638241" cy="381000"/>
+            </a:xfrm>
+            <a:prstGeom prst="rect">
+              <a:avLst/>
+            </a:prstGeom>
+            <a:solidFill>
+              <a:srgbClr val="FF8A00"/>
+            </a:solidFill>
+            <a:ln w="9525" cap="flat" cmpd="sng" algn="ctr">
+              <a:solidFill>
+                <a:srgbClr val="FFC000">
+                  <a:shade val="95000"/>
+                  <a:satMod val="105000"/>
+                </a:srgbClr>
+              </a:solidFill>
+              <a:prstDash val="solid"/>
+            </a:ln>
+            <a:effectLst/>
+          </p:spPr>
+          <p:txBody>
+            <a:bodyPr rtlCol="0" anchor="t" anchorCtr="0"/>
+            <a:lstStyle>
+              <a:defPPr>
+                <a:defRPr lang="en-US"/>
+              </a:defPPr>
+              <a:lvl1pPr marL="0" algn="l" defTabSz="914400" rtl="0" eaLnBrk="1" latinLnBrk="0" hangingPunct="1">
+                <a:defRPr sz="1800" kern="1200">
+                  <a:solidFill>
+                    <a:schemeClr val="lt1"/>
+                  </a:solidFill>
+                  <a:latin typeface="+mn-lt"/>
+                  <a:ea typeface="+mn-ea"/>
+                  <a:cs typeface="+mn-cs"/>
+                </a:defRPr>
+              </a:lvl1pPr>
+              <a:lvl2pPr marL="457200" algn="l" defTabSz="914400" rtl="0" eaLnBrk="1" latinLnBrk="0" hangingPunct="1">
+                <a:defRPr sz="1800" kern="1200">
+                  <a:solidFill>
+                    <a:schemeClr val="lt1"/>
+                  </a:solidFill>
+                  <a:latin typeface="+mn-lt"/>
+                  <a:ea typeface="+mn-ea"/>
+                  <a:cs typeface="+mn-cs"/>
+                </a:defRPr>
+              </a:lvl2pPr>
+              <a:lvl3pPr marL="914400" algn="l" defTabSz="914400" rtl="0" eaLnBrk="1" latinLnBrk="0" hangingPunct="1">
+                <a:defRPr sz="1800" kern="1200">
+                  <a:solidFill>
+                    <a:schemeClr val="lt1"/>
+                  </a:solidFill>
+                  <a:latin typeface="+mn-lt"/>
+                  <a:ea typeface="+mn-ea"/>
+                  <a:cs typeface="+mn-cs"/>
+                </a:defRPr>
+              </a:lvl3pPr>
+              <a:lvl4pPr marL="1371600" algn="l" defTabSz="914400" rtl="0" eaLnBrk="1" latinLnBrk="0" hangingPunct="1">
+                <a:defRPr sz="1800" kern="1200">
+                  <a:solidFill>
+                    <a:schemeClr val="lt1"/>
+                  </a:solidFill>
+                  <a:latin typeface="+mn-lt"/>
+                  <a:ea typeface="+mn-ea"/>
+                  <a:cs typeface="+mn-cs"/>
+                </a:defRPr>
+              </a:lvl4pPr>
+              <a:lvl5pPr marL="1828800" algn="l" defTabSz="914400" rtl="0" eaLnBrk="1" latinLnBrk="0" hangingPunct="1">
+                <a:defRPr sz="1800" kern="1200">
+                  <a:solidFill>
+                    <a:schemeClr val="lt1"/>
+                  </a:solidFill>
+                  <a:latin typeface="+mn-lt"/>
+                  <a:ea typeface="+mn-ea"/>
+                  <a:cs typeface="+mn-cs"/>
+                </a:defRPr>
+              </a:lvl5pPr>
+              <a:lvl6pPr marL="2286000" algn="l" defTabSz="914400" rtl="0" eaLnBrk="1" latinLnBrk="0" hangingPunct="1">
+                <a:defRPr sz="1800" kern="1200">
+                  <a:solidFill>
+                    <a:schemeClr val="lt1"/>
+                  </a:solidFill>
+                  <a:latin typeface="+mn-lt"/>
+                  <a:ea typeface="+mn-ea"/>
+                  <a:cs typeface="+mn-cs"/>
+                </a:defRPr>
+              </a:lvl6pPr>
+              <a:lvl7pPr marL="2743200" algn="l" defTabSz="914400" rtl="0" eaLnBrk="1" latinLnBrk="0" hangingPunct="1">
+                <a:defRPr sz="1800" kern="1200">
+                  <a:solidFill>
+                    <a:schemeClr val="lt1"/>
+                  </a:solidFill>
+                  <a:latin typeface="+mn-lt"/>
+                  <a:ea typeface="+mn-ea"/>
+                  <a:cs typeface="+mn-cs"/>
+                </a:defRPr>
+              </a:lvl7pPr>
+              <a:lvl8pPr marL="3200400" algn="l" defTabSz="914400" rtl="0" eaLnBrk="1" latinLnBrk="0" hangingPunct="1">
+                <a:defRPr sz="1800" kern="1200">
+                  <a:solidFill>
+                    <a:schemeClr val="lt1"/>
+                  </a:solidFill>
+                  <a:latin typeface="+mn-lt"/>
+                  <a:ea typeface="+mn-ea"/>
+                  <a:cs typeface="+mn-cs"/>
+                </a:defRPr>
+              </a:lvl8pPr>
+              <a:lvl9pPr marL="3657600" algn="l" defTabSz="914400" rtl="0" eaLnBrk="1" latinLnBrk="0" hangingPunct="1">
+                <a:defRPr sz="1800" kern="1200">
+                  <a:solidFill>
+                    <a:schemeClr val="lt1"/>
+                  </a:solidFill>
+                  <a:latin typeface="+mn-lt"/>
+                  <a:ea typeface="+mn-ea"/>
+                  <a:cs typeface="+mn-cs"/>
+                </a:defRPr>
+              </a:lvl9pPr>
+            </a:lstStyle>
+            <a:p>
+              <a:pPr algn="ctr" defTabSz="982985">
+                <a:defRPr/>
+              </a:pPr>
+              <a:r>
+                <a:rPr lang="en-US" sz="1200" dirty="0">
+                  <a:solidFill>
+                    <a:srgbClr val="FFFFFF">
+                      <a:alpha val="99000"/>
+                    </a:srgbClr>
+                  </a:solidFill>
+                  <a:latin typeface="Segoe UI"/>
+                  <a:ea typeface="Segoe UI" pitchFamily="34" charset="0"/>
+                  <a:cs typeface="Segoe UI" pitchFamily="34" charset="0"/>
+                </a:rPr>
+                <a:t>Networking</a:t>
+              </a:r>
+            </a:p>
+          </p:txBody>
+        </p:sp>
+        <p:sp>
+          <p:nvSpPr>
+            <p:cNvPr id="11" name="Rectangle 10"/>
+            <p:cNvSpPr/>
+            <p:nvPr/>
+          </p:nvSpPr>
+          <p:spPr>
+            <a:xfrm>
+              <a:off x="1396458" y="4173530"/>
+              <a:ext cx="1638241" cy="381000"/>
+            </a:xfrm>
+            <a:prstGeom prst="rect">
+              <a:avLst/>
+            </a:prstGeom>
+            <a:solidFill>
+              <a:srgbClr val="FF8A00"/>
+            </a:solidFill>
+            <a:ln w="9525" cap="flat" cmpd="sng" algn="ctr">
+              <a:solidFill>
+                <a:srgbClr val="FFC000">
+                  <a:shade val="95000"/>
+                  <a:satMod val="105000"/>
+                </a:srgbClr>
+              </a:solidFill>
+              <a:prstDash val="solid"/>
+            </a:ln>
+            <a:effectLst/>
+          </p:spPr>
+          <p:txBody>
+            <a:bodyPr rtlCol="0" anchor="t" anchorCtr="0"/>
+            <a:lstStyle>
+              <a:defPPr>
+                <a:defRPr lang="en-US"/>
+              </a:defPPr>
+              <a:lvl1pPr marL="0" algn="l" defTabSz="914400" rtl="0" eaLnBrk="1" latinLnBrk="0" hangingPunct="1">
+                <a:defRPr sz="1800" kern="1200">
+                  <a:solidFill>
+                    <a:schemeClr val="lt1"/>
+                  </a:solidFill>
+                  <a:latin typeface="+mn-lt"/>
+                  <a:ea typeface="+mn-ea"/>
+                  <a:cs typeface="+mn-cs"/>
+                </a:defRPr>
+              </a:lvl1pPr>
+              <a:lvl2pPr marL="457200" algn="l" defTabSz="914400" rtl="0" eaLnBrk="1" latinLnBrk="0" hangingPunct="1">
+                <a:defRPr sz="1800" kern="1200">
+                  <a:solidFill>
+                    <a:schemeClr val="lt1"/>
+                  </a:solidFill>
+                  <a:latin typeface="+mn-lt"/>
+                  <a:ea typeface="+mn-ea"/>
+                  <a:cs typeface="+mn-cs"/>
+                </a:defRPr>
+              </a:lvl2pPr>
+              <a:lvl3pPr marL="914400" algn="l" defTabSz="914400" rtl="0" eaLnBrk="1" latinLnBrk="0" hangingPunct="1">
+                <a:defRPr sz="1800" kern="1200">
+                  <a:solidFill>
+                    <a:schemeClr val="lt1"/>
+                  </a:solidFill>
+                  <a:latin typeface="+mn-lt"/>
+                  <a:ea typeface="+mn-ea"/>
+                  <a:cs typeface="+mn-cs"/>
+                </a:defRPr>
+              </a:lvl3pPr>
+              <a:lvl4pPr marL="1371600" algn="l" defTabSz="914400" rtl="0" eaLnBrk="1" latinLnBrk="0" hangingPunct="1">
+                <a:defRPr sz="1800" kern="1200">
+                  <a:solidFill>
+                    <a:schemeClr val="lt1"/>
+                  </a:solidFill>
+                  <a:latin typeface="+mn-lt"/>
+                  <a:ea typeface="+mn-ea"/>
+                  <a:cs typeface="+mn-cs"/>
+                </a:defRPr>
+              </a:lvl4pPr>
+              <a:lvl5pPr marL="1828800" algn="l" defTabSz="914400" rtl="0" eaLnBrk="1" latinLnBrk="0" hangingPunct="1">
+                <a:defRPr sz="1800" kern="1200">
+                  <a:solidFill>
+                    <a:schemeClr val="lt1"/>
+                  </a:solidFill>
+                  <a:latin typeface="+mn-lt"/>
+                  <a:ea typeface="+mn-ea"/>
+                  <a:cs typeface="+mn-cs"/>
+                </a:defRPr>
+              </a:lvl5pPr>
+              <a:lvl6pPr marL="2286000" algn="l" defTabSz="914400" rtl="0" eaLnBrk="1" latinLnBrk="0" hangingPunct="1">
+                <a:defRPr sz="1800" kern="1200">
+                  <a:solidFill>
+                    <a:schemeClr val="lt1"/>
+                  </a:solidFill>
+                  <a:latin typeface="+mn-lt"/>
+                  <a:ea typeface="+mn-ea"/>
+                  <a:cs typeface="+mn-cs"/>
+                </a:defRPr>
+              </a:lvl6pPr>
+              <a:lvl7pPr marL="2743200" algn="l" defTabSz="914400" rtl="0" eaLnBrk="1" latinLnBrk="0" hangingPunct="1">
+                <a:defRPr sz="1800" kern="1200">
+                  <a:solidFill>
+                    <a:schemeClr val="lt1"/>
+                  </a:solidFill>
+                  <a:latin typeface="+mn-lt"/>
+                  <a:ea typeface="+mn-ea"/>
+                  <a:cs typeface="+mn-cs"/>
+                </a:defRPr>
+              </a:lvl7pPr>
+              <a:lvl8pPr marL="3200400" algn="l" defTabSz="914400" rtl="0" eaLnBrk="1" latinLnBrk="0" hangingPunct="1">
+                <a:defRPr sz="1800" kern="1200">
+                  <a:solidFill>
+                    <a:schemeClr val="lt1"/>
+                  </a:solidFill>
+                  <a:latin typeface="+mn-lt"/>
+                  <a:ea typeface="+mn-ea"/>
+                  <a:cs typeface="+mn-cs"/>
+                </a:defRPr>
+              </a:lvl8pPr>
+              <a:lvl9pPr marL="3657600" algn="l" defTabSz="914400" rtl="0" eaLnBrk="1" latinLnBrk="0" hangingPunct="1">
+                <a:defRPr sz="1800" kern="1200">
+                  <a:solidFill>
+                    <a:schemeClr val="lt1"/>
+                  </a:solidFill>
+                  <a:latin typeface="+mn-lt"/>
+                  <a:ea typeface="+mn-ea"/>
+                  <a:cs typeface="+mn-cs"/>
+                </a:defRPr>
+              </a:lvl9pPr>
+            </a:lstStyle>
+            <a:p>
+              <a:pPr algn="ctr" defTabSz="982985">
+                <a:defRPr/>
+              </a:pPr>
+              <a:r>
+                <a:rPr lang="en-US" sz="1200" dirty="0">
+                  <a:solidFill>
+                    <a:srgbClr val="FFFFFF">
+                      <a:alpha val="99000"/>
+                    </a:srgbClr>
+                  </a:solidFill>
+                  <a:latin typeface="Segoe UI"/>
+                  <a:ea typeface="Segoe UI" pitchFamily="34" charset="0"/>
+                  <a:cs typeface="Segoe UI" pitchFamily="34" charset="0"/>
+                </a:rPr>
+                <a:t>O/S</a:t>
+              </a:r>
+            </a:p>
+          </p:txBody>
+        </p:sp>
+        <p:sp>
+          <p:nvSpPr>
+            <p:cNvPr id="12" name="Rectangle 11"/>
+            <p:cNvSpPr/>
+            <p:nvPr/>
+          </p:nvSpPr>
+          <p:spPr>
+            <a:xfrm>
+              <a:off x="1396458" y="3718711"/>
+              <a:ext cx="1638241" cy="381000"/>
+            </a:xfrm>
+            <a:prstGeom prst="rect">
+              <a:avLst/>
+            </a:prstGeom>
+            <a:solidFill>
+              <a:srgbClr val="FF8A00"/>
+            </a:solidFill>
+            <a:ln w="9525" cap="flat" cmpd="sng" algn="ctr">
+              <a:solidFill>
+                <a:srgbClr val="FFC000">
+                  <a:shade val="95000"/>
+                  <a:satMod val="105000"/>
+                </a:srgbClr>
+              </a:solidFill>
+              <a:prstDash val="solid"/>
+            </a:ln>
+            <a:effectLst/>
+          </p:spPr>
+          <p:txBody>
+            <a:bodyPr rtlCol="0" anchor="t" anchorCtr="0"/>
+            <a:lstStyle>
+              <a:defPPr>
+                <a:defRPr lang="en-US"/>
+              </a:defPPr>
+              <a:lvl1pPr marL="0" algn="l" defTabSz="914400" rtl="0" eaLnBrk="1" latinLnBrk="0" hangingPunct="1">
+                <a:defRPr sz="1800" kern="1200">
+                  <a:solidFill>
+                    <a:schemeClr val="lt1"/>
+                  </a:solidFill>
+                  <a:latin typeface="+mn-lt"/>
+                  <a:ea typeface="+mn-ea"/>
+                  <a:cs typeface="+mn-cs"/>
+                </a:defRPr>
+              </a:lvl1pPr>
+              <a:lvl2pPr marL="457200" algn="l" defTabSz="914400" rtl="0" eaLnBrk="1" latinLnBrk="0" hangingPunct="1">
+                <a:defRPr sz="1800" kern="1200">
+                  <a:solidFill>
+                    <a:schemeClr val="lt1"/>
+                  </a:solidFill>
+                  <a:latin typeface="+mn-lt"/>
+                  <a:ea typeface="+mn-ea"/>
+                  <a:cs typeface="+mn-cs"/>
+                </a:defRPr>
+              </a:lvl2pPr>
+              <a:lvl3pPr marL="914400" algn="l" defTabSz="914400" rtl="0" eaLnBrk="1" latinLnBrk="0" hangingPunct="1">
+                <a:defRPr sz="1800" kern="1200">
+                  <a:solidFill>
+                    <a:schemeClr val="lt1"/>
+                  </a:solidFill>
+                  <a:latin typeface="+mn-lt"/>
+                  <a:ea typeface="+mn-ea"/>
+                  <a:cs typeface="+mn-cs"/>
+                </a:defRPr>
+              </a:lvl3pPr>
+              <a:lvl4pPr marL="1371600" algn="l" defTabSz="914400" rtl="0" eaLnBrk="1" latinLnBrk="0" hangingPunct="1">
+                <a:defRPr sz="1800" kern="1200">
+                  <a:solidFill>
+                    <a:schemeClr val="lt1"/>
+                  </a:solidFill>
+                  <a:latin typeface="+mn-lt"/>
+                  <a:ea typeface="+mn-ea"/>
+                  <a:cs typeface="+mn-cs"/>
+                </a:defRPr>
+              </a:lvl4pPr>
+              <a:lvl5pPr marL="1828800" algn="l" defTabSz="914400" rtl="0" eaLnBrk="1" latinLnBrk="0" hangingPunct="1">
+                <a:defRPr sz="1800" kern="1200">
+                  <a:solidFill>
+                    <a:schemeClr val="lt1"/>
+                  </a:solidFill>
+                  <a:latin typeface="+mn-lt"/>
+                  <a:ea typeface="+mn-ea"/>
+                  <a:cs typeface="+mn-cs"/>
+                </a:defRPr>
+              </a:lvl5pPr>
+              <a:lvl6pPr marL="2286000" algn="l" defTabSz="914400" rtl="0" eaLnBrk="1" latinLnBrk="0" hangingPunct="1">
+                <a:defRPr sz="1800" kern="1200">
+                  <a:solidFill>
+                    <a:schemeClr val="lt1"/>
+                  </a:solidFill>
+                  <a:latin typeface="+mn-lt"/>
+                  <a:ea typeface="+mn-ea"/>
+                  <a:cs typeface="+mn-cs"/>
+                </a:defRPr>
+              </a:lvl6pPr>
+              <a:lvl7pPr marL="2743200" algn="l" defTabSz="914400" rtl="0" eaLnBrk="1" latinLnBrk="0" hangingPunct="1">
+                <a:defRPr sz="1800" kern="1200">
+                  <a:solidFill>
+                    <a:schemeClr val="lt1"/>
+                  </a:solidFill>
+                  <a:latin typeface="+mn-lt"/>
+                  <a:ea typeface="+mn-ea"/>
+                  <a:cs typeface="+mn-cs"/>
+                </a:defRPr>
+              </a:lvl7pPr>
+              <a:lvl8pPr marL="3200400" algn="l" defTabSz="914400" rtl="0" eaLnBrk="1" latinLnBrk="0" hangingPunct="1">
+                <a:defRPr sz="1800" kern="1200">
+                  <a:solidFill>
+                    <a:schemeClr val="lt1"/>
+                  </a:solidFill>
+                  <a:latin typeface="+mn-lt"/>
+                  <a:ea typeface="+mn-ea"/>
+                  <a:cs typeface="+mn-cs"/>
+                </a:defRPr>
+              </a:lvl8pPr>
+              <a:lvl9pPr marL="3657600" algn="l" defTabSz="914400" rtl="0" eaLnBrk="1" latinLnBrk="0" hangingPunct="1">
+                <a:defRPr sz="1800" kern="1200">
+                  <a:solidFill>
+                    <a:schemeClr val="lt1"/>
+                  </a:solidFill>
+                  <a:latin typeface="+mn-lt"/>
+                  <a:ea typeface="+mn-ea"/>
+                  <a:cs typeface="+mn-cs"/>
+                </a:defRPr>
+              </a:lvl9pPr>
+            </a:lstStyle>
+            <a:p>
+              <a:pPr algn="ctr" defTabSz="982985">
+                <a:defRPr/>
+              </a:pPr>
+              <a:r>
+                <a:rPr lang="en-US" sz="1200" dirty="0">
+                  <a:solidFill>
+                    <a:srgbClr val="FFFFFF">
+                      <a:alpha val="99000"/>
+                    </a:srgbClr>
+                  </a:solidFill>
+                  <a:latin typeface="Segoe UI"/>
+                  <a:ea typeface="Segoe UI" pitchFamily="34" charset="0"/>
+                  <a:cs typeface="Segoe UI" pitchFamily="34" charset="0"/>
+                </a:rPr>
+                <a:t>Middleware</a:t>
+              </a:r>
+            </a:p>
+          </p:txBody>
+        </p:sp>
+        <p:sp>
+          <p:nvSpPr>
+            <p:cNvPr id="13" name="Rectangle 12"/>
+            <p:cNvSpPr/>
+            <p:nvPr/>
+          </p:nvSpPr>
+          <p:spPr>
+            <a:xfrm>
+              <a:off x="1396458" y="4628349"/>
+              <a:ext cx="1638241" cy="381000"/>
+            </a:xfrm>
+            <a:prstGeom prst="rect">
+              <a:avLst/>
+            </a:prstGeom>
+            <a:solidFill>
+              <a:srgbClr val="FF8A00"/>
+            </a:solidFill>
+            <a:ln w="9525" cap="flat" cmpd="sng" algn="ctr">
+              <a:solidFill>
+                <a:srgbClr val="FFC000">
+                  <a:shade val="95000"/>
+                  <a:satMod val="105000"/>
+                </a:srgbClr>
+              </a:solidFill>
+              <a:prstDash val="solid"/>
+            </a:ln>
+            <a:effectLst/>
+          </p:spPr>
+          <p:txBody>
+            <a:bodyPr lIns="0" rIns="0" rtlCol="0" anchor="t" anchorCtr="0"/>
+            <a:lstStyle>
+              <a:defPPr>
+                <a:defRPr lang="en-US"/>
+              </a:defPPr>
+              <a:lvl1pPr marL="0" algn="l" defTabSz="914400" rtl="0" eaLnBrk="1" latinLnBrk="0" hangingPunct="1">
+                <a:defRPr sz="1800" kern="1200">
+                  <a:solidFill>
+                    <a:schemeClr val="lt1"/>
+                  </a:solidFill>
+                  <a:latin typeface="+mn-lt"/>
+                  <a:ea typeface="+mn-ea"/>
+                  <a:cs typeface="+mn-cs"/>
+                </a:defRPr>
+              </a:lvl1pPr>
+              <a:lvl2pPr marL="457200" algn="l" defTabSz="914400" rtl="0" eaLnBrk="1" latinLnBrk="0" hangingPunct="1">
+                <a:defRPr sz="1800" kern="1200">
+                  <a:solidFill>
+                    <a:schemeClr val="lt1"/>
+                  </a:solidFill>
+                  <a:latin typeface="+mn-lt"/>
+                  <a:ea typeface="+mn-ea"/>
+                  <a:cs typeface="+mn-cs"/>
+                </a:defRPr>
+              </a:lvl2pPr>
+              <a:lvl3pPr marL="914400" algn="l" defTabSz="914400" rtl="0" eaLnBrk="1" latinLnBrk="0" hangingPunct="1">
+                <a:defRPr sz="1800" kern="1200">
+                  <a:solidFill>
+                    <a:schemeClr val="lt1"/>
+                  </a:solidFill>
+                  <a:latin typeface="+mn-lt"/>
+                  <a:ea typeface="+mn-ea"/>
+                  <a:cs typeface="+mn-cs"/>
+                </a:defRPr>
+              </a:lvl3pPr>
+              <a:lvl4pPr marL="1371600" algn="l" defTabSz="914400" rtl="0" eaLnBrk="1" latinLnBrk="0" hangingPunct="1">
+                <a:defRPr sz="1800" kern="1200">
+                  <a:solidFill>
+                    <a:schemeClr val="lt1"/>
+                  </a:solidFill>
+                  <a:latin typeface="+mn-lt"/>
+                  <a:ea typeface="+mn-ea"/>
+                  <a:cs typeface="+mn-cs"/>
+                </a:defRPr>
+              </a:lvl4pPr>
+              <a:lvl5pPr marL="1828800" algn="l" defTabSz="914400" rtl="0" eaLnBrk="1" latinLnBrk="0" hangingPunct="1">
+                <a:defRPr sz="1800" kern="1200">
+                  <a:solidFill>
+                    <a:schemeClr val="lt1"/>
+                  </a:solidFill>
+                  <a:latin typeface="+mn-lt"/>
+                  <a:ea typeface="+mn-ea"/>
+                  <a:cs typeface="+mn-cs"/>
+                </a:defRPr>
+              </a:lvl5pPr>
+              <a:lvl6pPr marL="2286000" algn="l" defTabSz="914400" rtl="0" eaLnBrk="1" latinLnBrk="0" hangingPunct="1">
+                <a:defRPr sz="1800" kern="1200">
+                  <a:solidFill>
+                    <a:schemeClr val="lt1"/>
+                  </a:solidFill>
+                  <a:latin typeface="+mn-lt"/>
+                  <a:ea typeface="+mn-ea"/>
+                  <a:cs typeface="+mn-cs"/>
+                </a:defRPr>
+              </a:lvl6pPr>
+              <a:lvl7pPr marL="2743200" algn="l" defTabSz="914400" rtl="0" eaLnBrk="1" latinLnBrk="0" hangingPunct="1">
+                <a:defRPr sz="1800" kern="1200">
+                  <a:solidFill>
+                    <a:schemeClr val="lt1"/>
+                  </a:solidFill>
+                  <a:latin typeface="+mn-lt"/>
+                  <a:ea typeface="+mn-ea"/>
+                  <a:cs typeface="+mn-cs"/>
+                </a:defRPr>
+              </a:lvl7pPr>
+              <a:lvl8pPr marL="3200400" algn="l" defTabSz="914400" rtl="0" eaLnBrk="1" latinLnBrk="0" hangingPunct="1">
+                <a:defRPr sz="1800" kern="1200">
+                  <a:solidFill>
+                    <a:schemeClr val="lt1"/>
+                  </a:solidFill>
+                  <a:latin typeface="+mn-lt"/>
+                  <a:ea typeface="+mn-ea"/>
+                  <a:cs typeface="+mn-cs"/>
+                </a:defRPr>
+              </a:lvl8pPr>
+              <a:lvl9pPr marL="3657600" algn="l" defTabSz="914400" rtl="0" eaLnBrk="1" latinLnBrk="0" hangingPunct="1">
+                <a:defRPr sz="1800" kern="1200">
+                  <a:solidFill>
+                    <a:schemeClr val="lt1"/>
+                  </a:solidFill>
+                  <a:latin typeface="+mn-lt"/>
+                  <a:ea typeface="+mn-ea"/>
+                  <a:cs typeface="+mn-cs"/>
+                </a:defRPr>
+              </a:lvl9pPr>
+            </a:lstStyle>
+            <a:p>
+              <a:pPr algn="ctr" defTabSz="982985">
+                <a:defRPr/>
+              </a:pPr>
+              <a:r>
+                <a:rPr lang="en-US" sz="1200" dirty="0">
+                  <a:solidFill>
+                    <a:srgbClr val="FFFFFF">
+                      <a:alpha val="99000"/>
+                    </a:srgbClr>
+                  </a:solidFill>
+                  <a:latin typeface="Segoe UI"/>
+                  <a:ea typeface="Segoe UI" pitchFamily="34" charset="0"/>
+                  <a:cs typeface="Segoe UI" pitchFamily="34" charset="0"/>
+                </a:rPr>
+                <a:t>Virtualization</a:t>
+              </a:r>
+            </a:p>
+          </p:txBody>
+        </p:sp>
+        <p:sp>
+          <p:nvSpPr>
+            <p:cNvPr id="14" name="Rectangle 13"/>
+            <p:cNvSpPr/>
+            <p:nvPr/>
+          </p:nvSpPr>
+          <p:spPr>
+            <a:xfrm>
+              <a:off x="1396458" y="2809073"/>
+              <a:ext cx="1638241" cy="381000"/>
+            </a:xfrm>
+            <a:prstGeom prst="rect">
+              <a:avLst/>
+            </a:prstGeom>
+            <a:solidFill>
+              <a:srgbClr val="FF8A00"/>
+            </a:solidFill>
+            <a:ln w="9525" cap="flat" cmpd="sng" algn="ctr">
+              <a:solidFill>
+                <a:srgbClr val="FFC000">
+                  <a:shade val="95000"/>
+                  <a:satMod val="105000"/>
+                </a:srgbClr>
+              </a:solidFill>
+              <a:prstDash val="solid"/>
+            </a:ln>
+            <a:effectLst/>
+          </p:spPr>
+          <p:txBody>
+            <a:bodyPr rtlCol="0" anchor="t" anchorCtr="0"/>
+            <a:lstStyle>
+              <a:defPPr>
+                <a:defRPr lang="en-US"/>
+              </a:defPPr>
+              <a:lvl1pPr marL="0" algn="l" defTabSz="914400" rtl="0" eaLnBrk="1" latinLnBrk="0" hangingPunct="1">
+                <a:defRPr sz="1800" kern="1200">
+                  <a:solidFill>
+                    <a:schemeClr val="lt1"/>
+                  </a:solidFill>
+                  <a:latin typeface="+mn-lt"/>
+                  <a:ea typeface="+mn-ea"/>
+                  <a:cs typeface="+mn-cs"/>
+                </a:defRPr>
+              </a:lvl1pPr>
+              <a:lvl2pPr marL="457200" algn="l" defTabSz="914400" rtl="0" eaLnBrk="1" latinLnBrk="0" hangingPunct="1">
+                <a:defRPr sz="1800" kern="1200">
+                  <a:solidFill>
+                    <a:schemeClr val="lt1"/>
+                  </a:solidFill>
+                  <a:latin typeface="+mn-lt"/>
+                  <a:ea typeface="+mn-ea"/>
+                  <a:cs typeface="+mn-cs"/>
+                </a:defRPr>
+              </a:lvl2pPr>
+              <a:lvl3pPr marL="914400" algn="l" defTabSz="914400" rtl="0" eaLnBrk="1" latinLnBrk="0" hangingPunct="1">
+                <a:defRPr sz="1800" kern="1200">
+                  <a:solidFill>
+                    <a:schemeClr val="lt1"/>
+                  </a:solidFill>
+                  <a:latin typeface="+mn-lt"/>
+                  <a:ea typeface="+mn-ea"/>
+                  <a:cs typeface="+mn-cs"/>
+                </a:defRPr>
+              </a:lvl3pPr>
+              <a:lvl4pPr marL="1371600" algn="l" defTabSz="914400" rtl="0" eaLnBrk="1" latinLnBrk="0" hangingPunct="1">
+                <a:defRPr sz="1800" kern="1200">
+                  <a:solidFill>
+                    <a:schemeClr val="lt1"/>
+                  </a:solidFill>
+                  <a:latin typeface="+mn-lt"/>
+                  <a:ea typeface="+mn-ea"/>
+                  <a:cs typeface="+mn-cs"/>
+                </a:defRPr>
+              </a:lvl4pPr>
+              <a:lvl5pPr marL="1828800" algn="l" defTabSz="914400" rtl="0" eaLnBrk="1" latinLnBrk="0" hangingPunct="1">
+                <a:defRPr sz="1800" kern="1200">
+                  <a:solidFill>
+                    <a:schemeClr val="lt1"/>
+                  </a:solidFill>
+                  <a:latin typeface="+mn-lt"/>
+                  <a:ea typeface="+mn-ea"/>
+                  <a:cs typeface="+mn-cs"/>
+                </a:defRPr>
+              </a:lvl5pPr>
+              <a:lvl6pPr marL="2286000" algn="l" defTabSz="914400" rtl="0" eaLnBrk="1" latinLnBrk="0" hangingPunct="1">
+                <a:defRPr sz="1800" kern="1200">
+                  <a:solidFill>
+                    <a:schemeClr val="lt1"/>
+                  </a:solidFill>
+                  <a:latin typeface="+mn-lt"/>
+                  <a:ea typeface="+mn-ea"/>
+                  <a:cs typeface="+mn-cs"/>
+                </a:defRPr>
+              </a:lvl6pPr>
+              <a:lvl7pPr marL="2743200" algn="l" defTabSz="914400" rtl="0" eaLnBrk="1" latinLnBrk="0" hangingPunct="1">
+                <a:defRPr sz="1800" kern="1200">
+                  <a:solidFill>
+                    <a:schemeClr val="lt1"/>
+                  </a:solidFill>
+                  <a:latin typeface="+mn-lt"/>
+                  <a:ea typeface="+mn-ea"/>
+                  <a:cs typeface="+mn-cs"/>
+                </a:defRPr>
+              </a:lvl7pPr>
+              <a:lvl8pPr marL="3200400" algn="l" defTabSz="914400" rtl="0" eaLnBrk="1" latinLnBrk="0" hangingPunct="1">
+                <a:defRPr sz="1800" kern="1200">
+                  <a:solidFill>
+                    <a:schemeClr val="lt1"/>
+                  </a:solidFill>
+                  <a:latin typeface="+mn-lt"/>
+                  <a:ea typeface="+mn-ea"/>
+                  <a:cs typeface="+mn-cs"/>
+                </a:defRPr>
+              </a:lvl8pPr>
+              <a:lvl9pPr marL="3657600" algn="l" defTabSz="914400" rtl="0" eaLnBrk="1" latinLnBrk="0" hangingPunct="1">
+                <a:defRPr sz="1800" kern="1200">
+                  <a:solidFill>
+                    <a:schemeClr val="lt1"/>
+                  </a:solidFill>
+                  <a:latin typeface="+mn-lt"/>
+                  <a:ea typeface="+mn-ea"/>
+                  <a:cs typeface="+mn-cs"/>
+                </a:defRPr>
+              </a:lvl9pPr>
+            </a:lstStyle>
+            <a:p>
+              <a:pPr algn="ctr" defTabSz="982985">
+                <a:defRPr/>
+              </a:pPr>
+              <a:r>
+                <a:rPr lang="en-US" sz="1200" dirty="0">
+                  <a:solidFill>
+                    <a:srgbClr val="FFFFFF">
+                      <a:alpha val="99000"/>
+                    </a:srgbClr>
+                  </a:solidFill>
+                  <a:latin typeface="Segoe UI"/>
+                  <a:ea typeface="Segoe UI" pitchFamily="34" charset="0"/>
+                  <a:cs typeface="Segoe UI" pitchFamily="34" charset="0"/>
+                </a:rPr>
+                <a:t>Data</a:t>
+              </a:r>
+            </a:p>
+          </p:txBody>
+        </p:sp>
+        <p:sp>
+          <p:nvSpPr>
+            <p:cNvPr id="15" name="Rectangle 14"/>
+            <p:cNvSpPr/>
+            <p:nvPr/>
+          </p:nvSpPr>
+          <p:spPr>
+            <a:xfrm>
+              <a:off x="1396458" y="2354254"/>
+              <a:ext cx="1638241" cy="381000"/>
+            </a:xfrm>
+            <a:prstGeom prst="rect">
+              <a:avLst/>
+            </a:prstGeom>
+            <a:solidFill>
+              <a:srgbClr val="FF8A00"/>
+            </a:solidFill>
+            <a:ln w="9525" cap="flat" cmpd="sng" algn="ctr">
+              <a:solidFill>
+                <a:srgbClr val="FFC000">
+                  <a:shade val="95000"/>
+                  <a:satMod val="105000"/>
+                </a:srgbClr>
+              </a:solidFill>
+              <a:prstDash val="solid"/>
+            </a:ln>
+            <a:effectLst/>
+          </p:spPr>
+          <p:txBody>
+            <a:bodyPr rtlCol="0" anchor="t" anchorCtr="0"/>
+            <a:lstStyle>
+              <a:defPPr>
+                <a:defRPr lang="en-US"/>
+              </a:defPPr>
+              <a:lvl1pPr marL="0" algn="l" defTabSz="914400" rtl="0" eaLnBrk="1" latinLnBrk="0" hangingPunct="1">
+                <a:defRPr sz="1800" kern="1200">
+                  <a:solidFill>
+                    <a:schemeClr val="lt1"/>
+                  </a:solidFill>
+                  <a:latin typeface="+mn-lt"/>
+                  <a:ea typeface="+mn-ea"/>
+                  <a:cs typeface="+mn-cs"/>
+                </a:defRPr>
+              </a:lvl1pPr>
+              <a:lvl2pPr marL="457200" algn="l" defTabSz="914400" rtl="0" eaLnBrk="1" latinLnBrk="0" hangingPunct="1">
+                <a:defRPr sz="1800" kern="1200">
+                  <a:solidFill>
+                    <a:schemeClr val="lt1"/>
+                  </a:solidFill>
+                  <a:latin typeface="+mn-lt"/>
+                  <a:ea typeface="+mn-ea"/>
+                  <a:cs typeface="+mn-cs"/>
+                </a:defRPr>
+              </a:lvl2pPr>
+              <a:lvl3pPr marL="914400" algn="l" defTabSz="914400" rtl="0" eaLnBrk="1" latinLnBrk="0" hangingPunct="1">
+                <a:defRPr sz="1800" kern="1200">
+                  <a:solidFill>
+                    <a:schemeClr val="lt1"/>
+                  </a:solidFill>
+                  <a:latin typeface="+mn-lt"/>
+                  <a:ea typeface="+mn-ea"/>
+                  <a:cs typeface="+mn-cs"/>
+                </a:defRPr>
+              </a:lvl3pPr>
+              <a:lvl4pPr marL="1371600" algn="l" defTabSz="914400" rtl="0" eaLnBrk="1" latinLnBrk="0" hangingPunct="1">
+                <a:defRPr sz="1800" kern="1200">
+                  <a:solidFill>
+                    <a:schemeClr val="lt1"/>
+                  </a:solidFill>
+                  <a:latin typeface="+mn-lt"/>
+                  <a:ea typeface="+mn-ea"/>
+                  <a:cs typeface="+mn-cs"/>
+                </a:defRPr>
+              </a:lvl4pPr>
+              <a:lvl5pPr marL="1828800" algn="l" defTabSz="914400" rtl="0" eaLnBrk="1" latinLnBrk="0" hangingPunct="1">
+                <a:defRPr sz="1800" kern="1200">
+                  <a:solidFill>
+                    <a:schemeClr val="lt1"/>
+                  </a:solidFill>
+                  <a:latin typeface="+mn-lt"/>
+                  <a:ea typeface="+mn-ea"/>
+                  <a:cs typeface="+mn-cs"/>
+                </a:defRPr>
+              </a:lvl5pPr>
+              <a:lvl6pPr marL="2286000" algn="l" defTabSz="914400" rtl="0" eaLnBrk="1" latinLnBrk="0" hangingPunct="1">
+                <a:defRPr sz="1800" kern="1200">
+                  <a:solidFill>
+                    <a:schemeClr val="lt1"/>
+                  </a:solidFill>
+                  <a:latin typeface="+mn-lt"/>
+                  <a:ea typeface="+mn-ea"/>
+                  <a:cs typeface="+mn-cs"/>
+                </a:defRPr>
+              </a:lvl6pPr>
+              <a:lvl7pPr marL="2743200" algn="l" defTabSz="914400" rtl="0" eaLnBrk="1" latinLnBrk="0" hangingPunct="1">
+                <a:defRPr sz="1800" kern="1200">
+                  <a:solidFill>
+                    <a:schemeClr val="lt1"/>
+                  </a:solidFill>
+                  <a:latin typeface="+mn-lt"/>
+                  <a:ea typeface="+mn-ea"/>
+                  <a:cs typeface="+mn-cs"/>
+                </a:defRPr>
+              </a:lvl7pPr>
+              <a:lvl8pPr marL="3200400" algn="l" defTabSz="914400" rtl="0" eaLnBrk="1" latinLnBrk="0" hangingPunct="1">
+                <a:defRPr sz="1800" kern="1200">
+                  <a:solidFill>
+                    <a:schemeClr val="lt1"/>
+                  </a:solidFill>
+                  <a:latin typeface="+mn-lt"/>
+                  <a:ea typeface="+mn-ea"/>
+                  <a:cs typeface="+mn-cs"/>
+                </a:defRPr>
+              </a:lvl8pPr>
+              <a:lvl9pPr marL="3657600" algn="l" defTabSz="914400" rtl="0" eaLnBrk="1" latinLnBrk="0" hangingPunct="1">
+                <a:defRPr sz="1800" kern="1200">
+                  <a:solidFill>
+                    <a:schemeClr val="lt1"/>
+                  </a:solidFill>
+                  <a:latin typeface="+mn-lt"/>
+                  <a:ea typeface="+mn-ea"/>
+                  <a:cs typeface="+mn-cs"/>
+                </a:defRPr>
+              </a:lvl9pPr>
+            </a:lstStyle>
+            <a:p>
+              <a:pPr algn="ctr" defTabSz="982985">
+                <a:defRPr/>
+              </a:pPr>
+              <a:r>
+                <a:rPr lang="en-US" sz="1200" dirty="0">
+                  <a:solidFill>
+                    <a:srgbClr val="FFFFFF">
+                      <a:alpha val="99000"/>
+                    </a:srgbClr>
+                  </a:solidFill>
+                  <a:latin typeface="Segoe UI"/>
+                  <a:ea typeface="Segoe UI" pitchFamily="34" charset="0"/>
+                  <a:cs typeface="Segoe UI" pitchFamily="34" charset="0"/>
+                </a:rPr>
+                <a:t>Applications</a:t>
+              </a:r>
+            </a:p>
+          </p:txBody>
+        </p:sp>
+        <p:sp>
+          <p:nvSpPr>
+            <p:cNvPr id="16" name="Rectangle 15"/>
+            <p:cNvSpPr/>
+            <p:nvPr/>
+          </p:nvSpPr>
+          <p:spPr>
+            <a:xfrm>
+              <a:off x="1396458" y="3263892"/>
+              <a:ext cx="1638241" cy="381000"/>
+            </a:xfrm>
+            <a:prstGeom prst="rect">
+              <a:avLst/>
+            </a:prstGeom>
+            <a:solidFill>
+              <a:srgbClr val="FF8A00"/>
+            </a:solidFill>
+            <a:ln w="9525" cap="flat" cmpd="sng" algn="ctr">
+              <a:solidFill>
+                <a:srgbClr val="FFC000">
+                  <a:shade val="95000"/>
+                  <a:satMod val="105000"/>
+                </a:srgbClr>
+              </a:solidFill>
+              <a:prstDash val="solid"/>
+            </a:ln>
+            <a:effectLst/>
+          </p:spPr>
+          <p:txBody>
+            <a:bodyPr rtlCol="0" anchor="t" anchorCtr="0"/>
+            <a:lstStyle>
+              <a:defPPr>
+                <a:defRPr lang="en-US"/>
+              </a:defPPr>
+              <a:lvl1pPr marL="0" algn="l" defTabSz="914400" rtl="0" eaLnBrk="1" latinLnBrk="0" hangingPunct="1">
+                <a:defRPr sz="1800" kern="1200">
+                  <a:solidFill>
+                    <a:schemeClr val="lt1"/>
+                  </a:solidFill>
+                  <a:latin typeface="+mn-lt"/>
+                  <a:ea typeface="+mn-ea"/>
+                  <a:cs typeface="+mn-cs"/>
+                </a:defRPr>
+              </a:lvl1pPr>
+              <a:lvl2pPr marL="457200" algn="l" defTabSz="914400" rtl="0" eaLnBrk="1" latinLnBrk="0" hangingPunct="1">
+                <a:defRPr sz="1800" kern="1200">
+                  <a:solidFill>
+                    <a:schemeClr val="lt1"/>
+                  </a:solidFill>
+                  <a:latin typeface="+mn-lt"/>
+                  <a:ea typeface="+mn-ea"/>
+                  <a:cs typeface="+mn-cs"/>
+                </a:defRPr>
+              </a:lvl2pPr>
+              <a:lvl3pPr marL="914400" algn="l" defTabSz="914400" rtl="0" eaLnBrk="1" latinLnBrk="0" hangingPunct="1">
+                <a:defRPr sz="1800" kern="1200">
+                  <a:solidFill>
+                    <a:schemeClr val="lt1"/>
+                  </a:solidFill>
+                  <a:latin typeface="+mn-lt"/>
+                  <a:ea typeface="+mn-ea"/>
+                  <a:cs typeface="+mn-cs"/>
+                </a:defRPr>
+              </a:lvl3pPr>
+              <a:lvl4pPr marL="1371600" algn="l" defTabSz="914400" rtl="0" eaLnBrk="1" latinLnBrk="0" hangingPunct="1">
+                <a:defRPr sz="1800" kern="1200">
+                  <a:solidFill>
+                    <a:schemeClr val="lt1"/>
+                  </a:solidFill>
+                  <a:latin typeface="+mn-lt"/>
+                  <a:ea typeface="+mn-ea"/>
+                  <a:cs typeface="+mn-cs"/>
+                </a:defRPr>
+              </a:lvl4pPr>
+              <a:lvl5pPr marL="1828800" algn="l" defTabSz="914400" rtl="0" eaLnBrk="1" latinLnBrk="0" hangingPunct="1">
+                <a:defRPr sz="1800" kern="1200">
+                  <a:solidFill>
+                    <a:schemeClr val="lt1"/>
+                  </a:solidFill>
+                  <a:latin typeface="+mn-lt"/>
+                  <a:ea typeface="+mn-ea"/>
+                  <a:cs typeface="+mn-cs"/>
+                </a:defRPr>
+              </a:lvl5pPr>
+              <a:lvl6pPr marL="2286000" algn="l" defTabSz="914400" rtl="0" eaLnBrk="1" latinLnBrk="0" hangingPunct="1">
+                <a:defRPr sz="1800" kern="1200">
+                  <a:solidFill>
+                    <a:schemeClr val="lt1"/>
+                  </a:solidFill>
+                  <a:latin typeface="+mn-lt"/>
+                  <a:ea typeface="+mn-ea"/>
+                  <a:cs typeface="+mn-cs"/>
+                </a:defRPr>
+              </a:lvl6pPr>
+              <a:lvl7pPr marL="2743200" algn="l" defTabSz="914400" rtl="0" eaLnBrk="1" latinLnBrk="0" hangingPunct="1">
+                <a:defRPr sz="1800" kern="1200">
+                  <a:solidFill>
+                    <a:schemeClr val="lt1"/>
+                  </a:solidFill>
+                  <a:latin typeface="+mn-lt"/>
+                  <a:ea typeface="+mn-ea"/>
+                  <a:cs typeface="+mn-cs"/>
+                </a:defRPr>
+              </a:lvl7pPr>
+              <a:lvl8pPr marL="3200400" algn="l" defTabSz="914400" rtl="0" eaLnBrk="1" latinLnBrk="0" hangingPunct="1">
+                <a:defRPr sz="1800" kern="1200">
+                  <a:solidFill>
+                    <a:schemeClr val="lt1"/>
+                  </a:solidFill>
+                  <a:latin typeface="+mn-lt"/>
+                  <a:ea typeface="+mn-ea"/>
+                  <a:cs typeface="+mn-cs"/>
+                </a:defRPr>
+              </a:lvl8pPr>
+              <a:lvl9pPr marL="3657600" algn="l" defTabSz="914400" rtl="0" eaLnBrk="1" latinLnBrk="0" hangingPunct="1">
+                <a:defRPr sz="1800" kern="1200">
+                  <a:solidFill>
+                    <a:schemeClr val="lt1"/>
+                  </a:solidFill>
+                  <a:latin typeface="+mn-lt"/>
+                  <a:ea typeface="+mn-ea"/>
+                  <a:cs typeface="+mn-cs"/>
+                </a:defRPr>
+              </a:lvl9pPr>
+            </a:lstStyle>
+            <a:p>
+              <a:pPr algn="ctr" defTabSz="982985">
+                <a:defRPr/>
+              </a:pPr>
+              <a:r>
+                <a:rPr lang="en-US" sz="1200" dirty="0">
+                  <a:solidFill>
+                    <a:srgbClr val="FFFFFF">
+                      <a:alpha val="99000"/>
+                    </a:srgbClr>
+                  </a:solidFill>
+                  <a:latin typeface="Segoe UI"/>
+                  <a:ea typeface="Segoe UI" pitchFamily="34" charset="0"/>
+                  <a:cs typeface="Segoe UI" pitchFamily="34" charset="0"/>
+                </a:rPr>
+                <a:t>Runtime</a:t>
+              </a:r>
+            </a:p>
+          </p:txBody>
+        </p:sp>
+        <p:sp>
+          <p:nvSpPr>
+            <p:cNvPr id="17" name="Left Brace 16"/>
+            <p:cNvSpPr/>
+            <p:nvPr/>
+          </p:nvSpPr>
+          <p:spPr>
+            <a:xfrm>
+              <a:off x="1249156" y="2354254"/>
+              <a:ext cx="137875" cy="4019550"/>
+            </a:xfrm>
+            <a:prstGeom prst="leftBrace">
+              <a:avLst>
+                <a:gd name="adj1" fmla="val 0"/>
+                <a:gd name="adj2" fmla="val 50000"/>
+              </a:avLst>
+            </a:prstGeom>
+            <a:noFill/>
+            <a:ln w="19050" cap="flat" cmpd="sng" algn="ctr">
+              <a:solidFill>
+                <a:srgbClr val="00AEEF"/>
+              </a:solidFill>
+              <a:prstDash val="solid"/>
+            </a:ln>
+            <a:effectLst/>
+          </p:spPr>
+          <p:txBody>
+            <a:bodyPr rtlCol="0" anchor="ctr"/>
+            <a:lstStyle>
+              <a:defPPr>
+                <a:defRPr lang="en-US"/>
+              </a:defPPr>
+              <a:lvl1pPr marL="0" algn="l" defTabSz="914400" rtl="0" eaLnBrk="1" latinLnBrk="0" hangingPunct="1">
+                <a:defRPr sz="1800" kern="1200">
+                  <a:solidFill>
+                    <a:schemeClr val="tx1"/>
+                  </a:solidFill>
+                  <a:latin typeface="+mn-lt"/>
+                  <a:ea typeface="+mn-ea"/>
+                  <a:cs typeface="+mn-cs"/>
+                </a:defRPr>
+              </a:lvl1pPr>
+              <a:lvl2pPr marL="457200" algn="l" defTabSz="914400" rtl="0" eaLnBrk="1" latinLnBrk="0" hangingPunct="1">
+                <a:defRPr sz="1800" kern="1200">
+                  <a:solidFill>
+                    <a:schemeClr val="tx1"/>
+                  </a:solidFill>
+                  <a:latin typeface="+mn-lt"/>
+                  <a:ea typeface="+mn-ea"/>
+                  <a:cs typeface="+mn-cs"/>
+                </a:defRPr>
+              </a:lvl2pPr>
+              <a:lvl3pPr marL="914400" algn="l" defTabSz="914400" rtl="0" eaLnBrk="1" latinLnBrk="0" hangingPunct="1">
+                <a:defRPr sz="1800" kern="1200">
+                  <a:solidFill>
+                    <a:schemeClr val="tx1"/>
+                  </a:solidFill>
+                  <a:latin typeface="+mn-lt"/>
+                  <a:ea typeface="+mn-ea"/>
+                  <a:cs typeface="+mn-cs"/>
+                </a:defRPr>
+              </a:lvl3pPr>
+              <a:lvl4pPr marL="1371600" algn="l" defTabSz="914400" rtl="0" eaLnBrk="1" latinLnBrk="0" hangingPunct="1">
+                <a:defRPr sz="1800" kern="1200">
+                  <a:solidFill>
+                    <a:schemeClr val="tx1"/>
+                  </a:solidFill>
+                  <a:latin typeface="+mn-lt"/>
+                  <a:ea typeface="+mn-ea"/>
+                  <a:cs typeface="+mn-cs"/>
+                </a:defRPr>
+              </a:lvl4pPr>
+              <a:lvl5pPr marL="1828800" algn="l" defTabSz="914400" rtl="0" eaLnBrk="1" latinLnBrk="0" hangingPunct="1">
+                <a:defRPr sz="1800" kern="1200">
+                  <a:solidFill>
+                    <a:schemeClr val="tx1"/>
+                  </a:solidFill>
+                  <a:latin typeface="+mn-lt"/>
+                  <a:ea typeface="+mn-ea"/>
+                  <a:cs typeface="+mn-cs"/>
+                </a:defRPr>
+              </a:lvl5pPr>
+              <a:lvl6pPr marL="2286000" algn="l" defTabSz="914400" rtl="0" eaLnBrk="1" latinLnBrk="0" hangingPunct="1">
+                <a:defRPr sz="1800" kern="1200">
+                  <a:solidFill>
+                    <a:schemeClr val="tx1"/>
+                  </a:solidFill>
+                  <a:latin typeface="+mn-lt"/>
+                  <a:ea typeface="+mn-ea"/>
+                  <a:cs typeface="+mn-cs"/>
+                </a:defRPr>
+              </a:lvl6pPr>
+              <a:lvl7pPr marL="2743200" algn="l" defTabSz="914400" rtl="0" eaLnBrk="1" latinLnBrk="0" hangingPunct="1">
+                <a:defRPr sz="1800" kern="1200">
+                  <a:solidFill>
+                    <a:schemeClr val="tx1"/>
+                  </a:solidFill>
+                  <a:latin typeface="+mn-lt"/>
+                  <a:ea typeface="+mn-ea"/>
+                  <a:cs typeface="+mn-cs"/>
+                </a:defRPr>
+              </a:lvl7pPr>
+              <a:lvl8pPr marL="3200400" algn="l" defTabSz="914400" rtl="0" eaLnBrk="1" latinLnBrk="0" hangingPunct="1">
+                <a:defRPr sz="1800" kern="1200">
+                  <a:solidFill>
+                    <a:schemeClr val="tx1"/>
+                  </a:solidFill>
+                  <a:latin typeface="+mn-lt"/>
+                  <a:ea typeface="+mn-ea"/>
+                  <a:cs typeface="+mn-cs"/>
+                </a:defRPr>
+              </a:lvl8pPr>
+              <a:lvl9pPr marL="3657600" algn="l" defTabSz="914400" rtl="0" eaLnBrk="1" latinLnBrk="0" hangingPunct="1">
+                <a:defRPr sz="1800" kern="1200">
+                  <a:solidFill>
+                    <a:schemeClr val="tx1"/>
+                  </a:solidFill>
+                  <a:latin typeface="+mn-lt"/>
+                  <a:ea typeface="+mn-ea"/>
+                  <a:cs typeface="+mn-cs"/>
+                </a:defRPr>
+              </a:lvl9pPr>
+            </a:lstStyle>
+            <a:p>
+              <a:pPr algn="ctr" defTabSz="982985">
+                <a:defRPr/>
+              </a:pPr>
+              <a:endParaRPr lang="en-US" sz="2400" dirty="0">
+                <a:solidFill>
+                  <a:srgbClr val="FFFFFF"/>
+                </a:solidFill>
+                <a:latin typeface="Segoe UI"/>
+                <a:ea typeface="Segoe UI" pitchFamily="34" charset="0"/>
+                <a:cs typeface="Segoe UI" pitchFamily="34" charset="0"/>
+              </a:endParaRPr>
+            </a:p>
+          </p:txBody>
+        </p:sp>
+        <p:sp>
+          <p:nvSpPr>
+            <p:cNvPr id="18" name="TextBox 52"/>
+            <p:cNvSpPr txBox="1"/>
+            <p:nvPr/>
+          </p:nvSpPr>
+          <p:spPr>
+            <a:xfrm>
+              <a:off x="855665" y="3730249"/>
+              <a:ext cx="449334" cy="1251717"/>
+            </a:xfrm>
+            <a:prstGeom prst="rect">
+              <a:avLst/>
+            </a:prstGeom>
+            <a:noFill/>
+          </p:spPr>
+          <p:txBody>
+            <a:bodyPr vert="vert270" wrap="none" rtlCol="0">
+              <a:spAutoFit/>
+            </a:bodyPr>
+            <a:lstStyle>
+              <a:defPPr>
+                <a:defRPr lang="en-US"/>
+              </a:defPPr>
+              <a:lvl1pPr marL="0" algn="l" defTabSz="914400" rtl="0" eaLnBrk="1" latinLnBrk="0" hangingPunct="1">
+                <a:defRPr sz="1800" kern="1200">
+                  <a:solidFill>
+                    <a:schemeClr val="tx1"/>
+                  </a:solidFill>
+                  <a:latin typeface="+mn-lt"/>
+                  <a:ea typeface="+mn-ea"/>
+                  <a:cs typeface="+mn-cs"/>
+                </a:defRPr>
+              </a:lvl1pPr>
+              <a:lvl2pPr marL="457200" algn="l" defTabSz="914400" rtl="0" eaLnBrk="1" latinLnBrk="0" hangingPunct="1">
+                <a:defRPr sz="1800" kern="1200">
+                  <a:solidFill>
+                    <a:schemeClr val="tx1"/>
+                  </a:solidFill>
+                  <a:latin typeface="+mn-lt"/>
+                  <a:ea typeface="+mn-ea"/>
+                  <a:cs typeface="+mn-cs"/>
+                </a:defRPr>
+              </a:lvl2pPr>
+              <a:lvl3pPr marL="914400" algn="l" defTabSz="914400" rtl="0" eaLnBrk="1" latinLnBrk="0" hangingPunct="1">
+                <a:defRPr sz="1800" kern="1200">
+                  <a:solidFill>
+                    <a:schemeClr val="tx1"/>
+                  </a:solidFill>
+                  <a:latin typeface="+mn-lt"/>
+                  <a:ea typeface="+mn-ea"/>
+                  <a:cs typeface="+mn-cs"/>
+                </a:defRPr>
+              </a:lvl3pPr>
+              <a:lvl4pPr marL="1371600" algn="l" defTabSz="914400" rtl="0" eaLnBrk="1" latinLnBrk="0" hangingPunct="1">
+                <a:defRPr sz="1800" kern="1200">
+                  <a:solidFill>
+                    <a:schemeClr val="tx1"/>
+                  </a:solidFill>
+                  <a:latin typeface="+mn-lt"/>
+                  <a:ea typeface="+mn-ea"/>
+                  <a:cs typeface="+mn-cs"/>
+                </a:defRPr>
+              </a:lvl4pPr>
+              <a:lvl5pPr marL="1828800" algn="l" defTabSz="914400" rtl="0" eaLnBrk="1" latinLnBrk="0" hangingPunct="1">
+                <a:defRPr sz="1800" kern="1200">
+                  <a:solidFill>
+                    <a:schemeClr val="tx1"/>
+                  </a:solidFill>
+                  <a:latin typeface="+mn-lt"/>
+                  <a:ea typeface="+mn-ea"/>
+                  <a:cs typeface="+mn-cs"/>
+                </a:defRPr>
+              </a:lvl5pPr>
+              <a:lvl6pPr marL="2286000" algn="l" defTabSz="914400" rtl="0" eaLnBrk="1" latinLnBrk="0" hangingPunct="1">
+                <a:defRPr sz="1800" kern="1200">
+                  <a:solidFill>
+                    <a:schemeClr val="tx1"/>
+                  </a:solidFill>
+                  <a:latin typeface="+mn-lt"/>
+                  <a:ea typeface="+mn-ea"/>
+                  <a:cs typeface="+mn-cs"/>
+                </a:defRPr>
+              </a:lvl6pPr>
+              <a:lvl7pPr marL="2743200" algn="l" defTabSz="914400" rtl="0" eaLnBrk="1" latinLnBrk="0" hangingPunct="1">
+                <a:defRPr sz="1800" kern="1200">
+                  <a:solidFill>
+                    <a:schemeClr val="tx1"/>
+                  </a:solidFill>
+                  <a:latin typeface="+mn-lt"/>
+                  <a:ea typeface="+mn-ea"/>
+                  <a:cs typeface="+mn-cs"/>
+                </a:defRPr>
+              </a:lvl7pPr>
+              <a:lvl8pPr marL="3200400" algn="l" defTabSz="914400" rtl="0" eaLnBrk="1" latinLnBrk="0" hangingPunct="1">
+                <a:defRPr sz="1800" kern="1200">
+                  <a:solidFill>
+                    <a:schemeClr val="tx1"/>
+                  </a:solidFill>
+                  <a:latin typeface="+mn-lt"/>
+                  <a:ea typeface="+mn-ea"/>
+                  <a:cs typeface="+mn-cs"/>
+                </a:defRPr>
+              </a:lvl8pPr>
+              <a:lvl9pPr marL="3657600" algn="l" defTabSz="914400" rtl="0" eaLnBrk="1" latinLnBrk="0" hangingPunct="1">
+                <a:defRPr sz="1800" kern="1200">
+                  <a:solidFill>
+                    <a:schemeClr val="tx1"/>
+                  </a:solidFill>
+                  <a:latin typeface="+mn-lt"/>
+                  <a:ea typeface="+mn-ea"/>
+                  <a:cs typeface="+mn-cs"/>
+                </a:defRPr>
+              </a:lvl9pPr>
+            </a:lstStyle>
+            <a:p>
+              <a:pPr marL="0" lvl="1" algn="ctr" defTabSz="982905" fontAlgn="base">
+                <a:spcAft>
+                  <a:spcPct val="0"/>
+                </a:spcAft>
+                <a:defRPr/>
+              </a:pPr>
+              <a:r>
+                <a:rPr lang="en-US" sz="1100" dirty="0">
+                  <a:solidFill>
+                    <a:schemeClr val="tx1">
+                      <a:alpha val="99000"/>
+                    </a:schemeClr>
+                  </a:solidFill>
+                  <a:latin typeface="Segoe UI"/>
+                  <a:ea typeface="Kozuka Gothic Pro R" pitchFamily="34" charset="-128"/>
+                </a:rPr>
+                <a:t>You manage</a:t>
+              </a:r>
+            </a:p>
+          </p:txBody>
+        </p:sp>
+      </p:grpSp>
+      <p:sp>
+        <p:nvSpPr>
+          <p:cNvPr id="19" name="Rectangle 18"/>
+          <p:cNvSpPr/>
+          <p:nvPr/>
+        </p:nvSpPr>
+        <p:spPr>
+          <a:xfrm>
+            <a:off x="4888483" y="1697455"/>
+            <a:ext cx="1660880" cy="448056"/>
+          </a:xfrm>
+          <a:prstGeom prst="rect">
+            <a:avLst/>
+          </a:prstGeom>
+          <a:noFill/>
+          <a:ln w="9525" cap="flat" cmpd="sng" algn="ctr">
+            <a:noFill/>
+            <a:prstDash val="solid"/>
+          </a:ln>
+          <a:effectLst/>
+        </p:spPr>
+        <p:txBody>
+          <a:bodyPr lIns="73739" tIns="0" rIns="73739" bIns="0" rtlCol="0" anchor="t" anchorCtr="0"/>
+          <a:lstStyle>
+            <a:defPPr>
+              <a:defRPr lang="en-US"/>
+            </a:defPPr>
+            <a:lvl1pPr marL="0" algn="l" defTabSz="914400" rtl="0" eaLnBrk="1" latinLnBrk="0" hangingPunct="1">
+              <a:defRPr sz="1800" kern="1200">
+                <a:solidFill>
+                  <a:schemeClr val="lt1"/>
+                </a:solidFill>
+                <a:latin typeface="+mn-lt"/>
+                <a:ea typeface="+mn-ea"/>
+                <a:cs typeface="+mn-cs"/>
+              </a:defRPr>
+            </a:lvl1pPr>
+            <a:lvl2pPr marL="457200" algn="l" defTabSz="914400" rtl="0" eaLnBrk="1" latinLnBrk="0" hangingPunct="1">
+              <a:defRPr sz="1800" kern="1200">
+                <a:solidFill>
+                  <a:schemeClr val="lt1"/>
+                </a:solidFill>
+                <a:latin typeface="+mn-lt"/>
+                <a:ea typeface="+mn-ea"/>
+                <a:cs typeface="+mn-cs"/>
+              </a:defRPr>
+            </a:lvl2pPr>
+            <a:lvl3pPr marL="914400" algn="l" defTabSz="914400" rtl="0" eaLnBrk="1" latinLnBrk="0" hangingPunct="1">
+              <a:defRPr sz="1800" kern="1200">
+                <a:solidFill>
+                  <a:schemeClr val="lt1"/>
+                </a:solidFill>
+                <a:latin typeface="+mn-lt"/>
+                <a:ea typeface="+mn-ea"/>
+                <a:cs typeface="+mn-cs"/>
+              </a:defRPr>
+            </a:lvl3pPr>
+            <a:lvl4pPr marL="1371600" algn="l" defTabSz="914400" rtl="0" eaLnBrk="1" latinLnBrk="0" hangingPunct="1">
+              <a:defRPr sz="1800" kern="1200">
+                <a:solidFill>
+                  <a:schemeClr val="lt1"/>
+                </a:solidFill>
+                <a:latin typeface="+mn-lt"/>
+                <a:ea typeface="+mn-ea"/>
+                <a:cs typeface="+mn-cs"/>
+              </a:defRPr>
+            </a:lvl4pPr>
+            <a:lvl5pPr marL="1828800" algn="l" defTabSz="914400" rtl="0" eaLnBrk="1" latinLnBrk="0" hangingPunct="1">
+              <a:defRPr sz="1800" kern="1200">
+                <a:solidFill>
+                  <a:schemeClr val="lt1"/>
+                </a:solidFill>
+                <a:latin typeface="+mn-lt"/>
+                <a:ea typeface="+mn-ea"/>
+                <a:cs typeface="+mn-cs"/>
+              </a:defRPr>
+            </a:lvl5pPr>
+            <a:lvl6pPr marL="2286000" algn="l" defTabSz="914400" rtl="0" eaLnBrk="1" latinLnBrk="0" hangingPunct="1">
+              <a:defRPr sz="1800" kern="1200">
+                <a:solidFill>
+                  <a:schemeClr val="lt1"/>
+                </a:solidFill>
+                <a:latin typeface="+mn-lt"/>
+                <a:ea typeface="+mn-ea"/>
+                <a:cs typeface="+mn-cs"/>
+              </a:defRPr>
+            </a:lvl6pPr>
+            <a:lvl7pPr marL="2743200" algn="l" defTabSz="914400" rtl="0" eaLnBrk="1" latinLnBrk="0" hangingPunct="1">
+              <a:defRPr sz="1800" kern="1200">
+                <a:solidFill>
+                  <a:schemeClr val="lt1"/>
+                </a:solidFill>
+                <a:latin typeface="+mn-lt"/>
+                <a:ea typeface="+mn-ea"/>
+                <a:cs typeface="+mn-cs"/>
+              </a:defRPr>
+            </a:lvl7pPr>
+            <a:lvl8pPr marL="3200400" algn="l" defTabSz="914400" rtl="0" eaLnBrk="1" latinLnBrk="0" hangingPunct="1">
+              <a:defRPr sz="1800" kern="1200">
+                <a:solidFill>
+                  <a:schemeClr val="lt1"/>
+                </a:solidFill>
+                <a:latin typeface="+mn-lt"/>
+                <a:ea typeface="+mn-ea"/>
+                <a:cs typeface="+mn-cs"/>
+              </a:defRPr>
+            </a:lvl8pPr>
+            <a:lvl9pPr marL="3657600" algn="l" defTabSz="914400" rtl="0" eaLnBrk="1" latinLnBrk="0" hangingPunct="1">
+              <a:defRPr sz="1800" kern="1200">
+                <a:solidFill>
+                  <a:schemeClr val="lt1"/>
+                </a:solidFill>
+                <a:latin typeface="+mn-lt"/>
+                <a:ea typeface="+mn-ea"/>
+                <a:cs typeface="+mn-cs"/>
+              </a:defRPr>
+            </a:lvl9pPr>
+          </a:lstStyle>
+          <a:p>
+            <a:pPr marL="0" lvl="1" defTabSz="982905" fontAlgn="base">
+              <a:spcAft>
+                <a:spcPct val="0"/>
+              </a:spcAft>
+            </a:pPr>
+            <a:r>
+              <a:rPr lang="en-US" sz="1300" dirty="0">
+                <a:solidFill>
+                  <a:srgbClr val="595959">
+                    <a:alpha val="99000"/>
+                  </a:srgbClr>
+                </a:solidFill>
+                <a:ea typeface="Kozuka Gothic Pro R" pitchFamily="34" charset="-128"/>
+              </a:rPr>
+              <a:t>Infrastructure</a:t>
+            </a:r>
+          </a:p>
+          <a:p>
+            <a:pPr defTabSz="982985"/>
+            <a:r>
+              <a:rPr lang="en-US" sz="1600" dirty="0">
+                <a:solidFill>
+                  <a:srgbClr val="595959">
+                    <a:alpha val="99000"/>
+                  </a:srgbClr>
+                </a:solidFill>
+                <a:ea typeface="Kozuka Gothic Pro R" pitchFamily="34" charset="-128"/>
+              </a:rPr>
+              <a:t>(as a Service)</a:t>
+            </a:r>
+          </a:p>
+        </p:txBody>
+      </p:sp>
+      <p:sp>
+        <p:nvSpPr>
+          <p:cNvPr id="20" name="Rectangle 19"/>
+          <p:cNvSpPr/>
+          <p:nvPr/>
+        </p:nvSpPr>
+        <p:spPr>
+          <a:xfrm>
+            <a:off x="4912231" y="4458658"/>
+            <a:ext cx="1290451" cy="266700"/>
+          </a:xfrm>
+          <a:prstGeom prst="rect">
+            <a:avLst/>
+          </a:prstGeom>
+          <a:solidFill>
+            <a:srgbClr val="8CC600"/>
+          </a:solidFill>
+          <a:ln w="9525" cap="flat" cmpd="sng" algn="ctr">
+            <a:noFill/>
+            <a:prstDash val="solid"/>
+          </a:ln>
+          <a:effectLst/>
+        </p:spPr>
+        <p:txBody>
+          <a:bodyPr lIns="73739" tIns="36870" rIns="73739" bIns="36870" rtlCol="0" anchor="t" anchorCtr="0"/>
+          <a:lstStyle>
+            <a:defPPr>
+              <a:defRPr lang="en-US"/>
+            </a:defPPr>
+            <a:lvl1pPr marL="0" algn="l" defTabSz="914400" rtl="0" eaLnBrk="1" latinLnBrk="0" hangingPunct="1">
+              <a:defRPr sz="1800" kern="1200">
+                <a:solidFill>
+                  <a:schemeClr val="dk1"/>
+                </a:solidFill>
+                <a:latin typeface="+mn-lt"/>
+                <a:ea typeface="+mn-ea"/>
+                <a:cs typeface="+mn-cs"/>
+              </a:defRPr>
+            </a:lvl1pPr>
+            <a:lvl2pPr marL="457200" algn="l" defTabSz="914400" rtl="0" eaLnBrk="1" latinLnBrk="0" hangingPunct="1">
+              <a:defRPr sz="1800" kern="1200">
+                <a:solidFill>
+                  <a:schemeClr val="dk1"/>
+                </a:solidFill>
+                <a:latin typeface="+mn-lt"/>
+                <a:ea typeface="+mn-ea"/>
+                <a:cs typeface="+mn-cs"/>
+              </a:defRPr>
+            </a:lvl2pPr>
+            <a:lvl3pPr marL="914400" algn="l" defTabSz="914400" rtl="0" eaLnBrk="1" latinLnBrk="0" hangingPunct="1">
+              <a:defRPr sz="1800" kern="1200">
+                <a:solidFill>
+                  <a:schemeClr val="dk1"/>
+                </a:solidFill>
+                <a:latin typeface="+mn-lt"/>
+                <a:ea typeface="+mn-ea"/>
+                <a:cs typeface="+mn-cs"/>
+              </a:defRPr>
+            </a:lvl3pPr>
+            <a:lvl4pPr marL="1371600" algn="l" defTabSz="914400" rtl="0" eaLnBrk="1" latinLnBrk="0" hangingPunct="1">
+              <a:defRPr sz="1800" kern="1200">
+                <a:solidFill>
+                  <a:schemeClr val="dk1"/>
+                </a:solidFill>
+                <a:latin typeface="+mn-lt"/>
+                <a:ea typeface="+mn-ea"/>
+                <a:cs typeface="+mn-cs"/>
+              </a:defRPr>
+            </a:lvl4pPr>
+            <a:lvl5pPr marL="1828800" algn="l" defTabSz="914400" rtl="0" eaLnBrk="1" latinLnBrk="0" hangingPunct="1">
+              <a:defRPr sz="1800" kern="1200">
+                <a:solidFill>
+                  <a:schemeClr val="dk1"/>
+                </a:solidFill>
+                <a:latin typeface="+mn-lt"/>
+                <a:ea typeface="+mn-ea"/>
+                <a:cs typeface="+mn-cs"/>
+              </a:defRPr>
+            </a:lvl5pPr>
+            <a:lvl6pPr marL="2286000" algn="l" defTabSz="914400" rtl="0" eaLnBrk="1" latinLnBrk="0" hangingPunct="1">
+              <a:defRPr sz="1800" kern="1200">
+                <a:solidFill>
+                  <a:schemeClr val="dk1"/>
+                </a:solidFill>
+                <a:latin typeface="+mn-lt"/>
+                <a:ea typeface="+mn-ea"/>
+                <a:cs typeface="+mn-cs"/>
+              </a:defRPr>
+            </a:lvl6pPr>
+            <a:lvl7pPr marL="2743200" algn="l" defTabSz="914400" rtl="0" eaLnBrk="1" latinLnBrk="0" hangingPunct="1">
+              <a:defRPr sz="1800" kern="1200">
+                <a:solidFill>
+                  <a:schemeClr val="dk1"/>
+                </a:solidFill>
+                <a:latin typeface="+mn-lt"/>
+                <a:ea typeface="+mn-ea"/>
+                <a:cs typeface="+mn-cs"/>
+              </a:defRPr>
+            </a:lvl7pPr>
+            <a:lvl8pPr marL="3200400" algn="l" defTabSz="914400" rtl="0" eaLnBrk="1" latinLnBrk="0" hangingPunct="1">
+              <a:defRPr sz="1800" kern="1200">
+                <a:solidFill>
+                  <a:schemeClr val="dk1"/>
+                </a:solidFill>
+                <a:latin typeface="+mn-lt"/>
+                <a:ea typeface="+mn-ea"/>
+                <a:cs typeface="+mn-cs"/>
+              </a:defRPr>
+            </a:lvl8pPr>
+            <a:lvl9pPr marL="3657600" algn="l" defTabSz="914400" rtl="0" eaLnBrk="1" latinLnBrk="0" hangingPunct="1">
+              <a:defRPr sz="1800" kern="1200">
+                <a:solidFill>
+                  <a:schemeClr val="dk1"/>
+                </a:solidFill>
+                <a:latin typeface="+mn-lt"/>
+                <a:ea typeface="+mn-ea"/>
+                <a:cs typeface="+mn-cs"/>
+              </a:defRPr>
+            </a:lvl9pPr>
+          </a:lstStyle>
+          <a:p>
+            <a:pPr algn="ctr" defTabSz="982985">
+              <a:defRPr/>
+            </a:pPr>
+            <a:r>
+              <a:rPr lang="en-US" sz="1200" dirty="0">
+                <a:solidFill>
+                  <a:srgbClr val="FFFFFF">
+                    <a:alpha val="99000"/>
+                  </a:srgbClr>
+                </a:solidFill>
+                <a:latin typeface="Segoe UI"/>
+                <a:ea typeface="Segoe UI" pitchFamily="34" charset="0"/>
+                <a:cs typeface="Segoe UI" pitchFamily="34" charset="0"/>
+              </a:rPr>
+              <a:t>Storage</a:t>
+            </a:r>
+          </a:p>
+        </p:txBody>
+      </p:sp>
+      <p:sp>
+        <p:nvSpPr>
+          <p:cNvPr id="21" name="Rectangle 20"/>
+          <p:cNvSpPr/>
+          <p:nvPr/>
+        </p:nvSpPr>
+        <p:spPr>
+          <a:xfrm>
+            <a:off x="4912231" y="4140285"/>
+            <a:ext cx="1290451" cy="266700"/>
+          </a:xfrm>
+          <a:prstGeom prst="rect">
+            <a:avLst/>
+          </a:prstGeom>
+          <a:solidFill>
+            <a:srgbClr val="8CC600"/>
+          </a:solidFill>
+          <a:ln w="9525" cap="flat" cmpd="sng" algn="ctr">
+            <a:noFill/>
+            <a:prstDash val="solid"/>
+          </a:ln>
+          <a:effectLst/>
+        </p:spPr>
+        <p:txBody>
+          <a:bodyPr lIns="73739" tIns="36870" rIns="73739" bIns="36870" rtlCol="0" anchor="t" anchorCtr="0"/>
+          <a:lstStyle>
+            <a:defPPr>
+              <a:defRPr lang="en-US"/>
+            </a:defPPr>
+            <a:lvl1pPr marL="0" algn="l" defTabSz="914400" rtl="0" eaLnBrk="1" latinLnBrk="0" hangingPunct="1">
+              <a:defRPr sz="1800" kern="1200">
+                <a:solidFill>
+                  <a:schemeClr val="dk1"/>
+                </a:solidFill>
+                <a:latin typeface="+mn-lt"/>
+                <a:ea typeface="+mn-ea"/>
+                <a:cs typeface="+mn-cs"/>
+              </a:defRPr>
+            </a:lvl1pPr>
+            <a:lvl2pPr marL="457200" algn="l" defTabSz="914400" rtl="0" eaLnBrk="1" latinLnBrk="0" hangingPunct="1">
+              <a:defRPr sz="1800" kern="1200">
+                <a:solidFill>
+                  <a:schemeClr val="dk1"/>
+                </a:solidFill>
+                <a:latin typeface="+mn-lt"/>
+                <a:ea typeface="+mn-ea"/>
+                <a:cs typeface="+mn-cs"/>
+              </a:defRPr>
+            </a:lvl2pPr>
+            <a:lvl3pPr marL="914400" algn="l" defTabSz="914400" rtl="0" eaLnBrk="1" latinLnBrk="0" hangingPunct="1">
+              <a:defRPr sz="1800" kern="1200">
+                <a:solidFill>
+                  <a:schemeClr val="dk1"/>
+                </a:solidFill>
+                <a:latin typeface="+mn-lt"/>
+                <a:ea typeface="+mn-ea"/>
+                <a:cs typeface="+mn-cs"/>
+              </a:defRPr>
+            </a:lvl3pPr>
+            <a:lvl4pPr marL="1371600" algn="l" defTabSz="914400" rtl="0" eaLnBrk="1" latinLnBrk="0" hangingPunct="1">
+              <a:defRPr sz="1800" kern="1200">
+                <a:solidFill>
+                  <a:schemeClr val="dk1"/>
+                </a:solidFill>
+                <a:latin typeface="+mn-lt"/>
+                <a:ea typeface="+mn-ea"/>
+                <a:cs typeface="+mn-cs"/>
+              </a:defRPr>
+            </a:lvl4pPr>
+            <a:lvl5pPr marL="1828800" algn="l" defTabSz="914400" rtl="0" eaLnBrk="1" latinLnBrk="0" hangingPunct="1">
+              <a:defRPr sz="1800" kern="1200">
+                <a:solidFill>
+                  <a:schemeClr val="dk1"/>
+                </a:solidFill>
+                <a:latin typeface="+mn-lt"/>
+                <a:ea typeface="+mn-ea"/>
+                <a:cs typeface="+mn-cs"/>
+              </a:defRPr>
+            </a:lvl5pPr>
+            <a:lvl6pPr marL="2286000" algn="l" defTabSz="914400" rtl="0" eaLnBrk="1" latinLnBrk="0" hangingPunct="1">
+              <a:defRPr sz="1800" kern="1200">
+                <a:solidFill>
+                  <a:schemeClr val="dk1"/>
+                </a:solidFill>
+                <a:latin typeface="+mn-lt"/>
+                <a:ea typeface="+mn-ea"/>
+                <a:cs typeface="+mn-cs"/>
+              </a:defRPr>
+            </a:lvl6pPr>
+            <a:lvl7pPr marL="2743200" algn="l" defTabSz="914400" rtl="0" eaLnBrk="1" latinLnBrk="0" hangingPunct="1">
+              <a:defRPr sz="1800" kern="1200">
+                <a:solidFill>
+                  <a:schemeClr val="dk1"/>
+                </a:solidFill>
+                <a:latin typeface="+mn-lt"/>
+                <a:ea typeface="+mn-ea"/>
+                <a:cs typeface="+mn-cs"/>
+              </a:defRPr>
+            </a:lvl7pPr>
+            <a:lvl8pPr marL="3200400" algn="l" defTabSz="914400" rtl="0" eaLnBrk="1" latinLnBrk="0" hangingPunct="1">
+              <a:defRPr sz="1800" kern="1200">
+                <a:solidFill>
+                  <a:schemeClr val="dk1"/>
+                </a:solidFill>
+                <a:latin typeface="+mn-lt"/>
+                <a:ea typeface="+mn-ea"/>
+                <a:cs typeface="+mn-cs"/>
+              </a:defRPr>
+            </a:lvl8pPr>
+            <a:lvl9pPr marL="3657600" algn="l" defTabSz="914400" rtl="0" eaLnBrk="1" latinLnBrk="0" hangingPunct="1">
+              <a:defRPr sz="1800" kern="1200">
+                <a:solidFill>
+                  <a:schemeClr val="dk1"/>
+                </a:solidFill>
+                <a:latin typeface="+mn-lt"/>
+                <a:ea typeface="+mn-ea"/>
+                <a:cs typeface="+mn-cs"/>
+              </a:defRPr>
+            </a:lvl9pPr>
+          </a:lstStyle>
+          <a:p>
+            <a:pPr algn="ctr" defTabSz="982985">
+              <a:defRPr/>
+            </a:pPr>
+            <a:r>
+              <a:rPr lang="en-US" sz="1200" dirty="0">
+                <a:solidFill>
+                  <a:srgbClr val="FFFFFF">
+                    <a:alpha val="99000"/>
+                  </a:srgbClr>
+                </a:solidFill>
+                <a:latin typeface="Segoe UI"/>
+                <a:ea typeface="Segoe UI" pitchFamily="34" charset="0"/>
+                <a:cs typeface="Segoe UI" pitchFamily="34" charset="0"/>
+              </a:rPr>
+              <a:t>Servers</a:t>
+            </a:r>
+          </a:p>
+        </p:txBody>
+      </p:sp>
+      <p:sp>
+        <p:nvSpPr>
+          <p:cNvPr id="22" name="Rectangle 21"/>
+          <p:cNvSpPr/>
+          <p:nvPr/>
+        </p:nvSpPr>
+        <p:spPr>
+          <a:xfrm>
+            <a:off x="4912231" y="4777030"/>
+            <a:ext cx="1290451" cy="266700"/>
+          </a:xfrm>
+          <a:prstGeom prst="rect">
+            <a:avLst/>
+          </a:prstGeom>
+          <a:solidFill>
+            <a:srgbClr val="8CC600"/>
+          </a:solidFill>
+          <a:ln w="9525" cap="flat" cmpd="sng" algn="ctr">
+            <a:noFill/>
+            <a:prstDash val="solid"/>
+          </a:ln>
+          <a:effectLst/>
+        </p:spPr>
+        <p:txBody>
+          <a:bodyPr lIns="73739" tIns="36870" rIns="73739" bIns="36870" rtlCol="0" anchor="t" anchorCtr="0"/>
+          <a:lstStyle>
+            <a:defPPr>
+              <a:defRPr lang="en-US"/>
+            </a:defPPr>
+            <a:lvl1pPr marL="0" algn="l" defTabSz="914400" rtl="0" eaLnBrk="1" latinLnBrk="0" hangingPunct="1">
+              <a:defRPr sz="1800" kern="1200">
+                <a:solidFill>
+                  <a:schemeClr val="dk1"/>
+                </a:solidFill>
+                <a:latin typeface="+mn-lt"/>
+                <a:ea typeface="+mn-ea"/>
+                <a:cs typeface="+mn-cs"/>
+              </a:defRPr>
+            </a:lvl1pPr>
+            <a:lvl2pPr marL="457200" algn="l" defTabSz="914400" rtl="0" eaLnBrk="1" latinLnBrk="0" hangingPunct="1">
+              <a:defRPr sz="1800" kern="1200">
+                <a:solidFill>
+                  <a:schemeClr val="dk1"/>
+                </a:solidFill>
+                <a:latin typeface="+mn-lt"/>
+                <a:ea typeface="+mn-ea"/>
+                <a:cs typeface="+mn-cs"/>
+              </a:defRPr>
+            </a:lvl2pPr>
+            <a:lvl3pPr marL="914400" algn="l" defTabSz="914400" rtl="0" eaLnBrk="1" latinLnBrk="0" hangingPunct="1">
+              <a:defRPr sz="1800" kern="1200">
+                <a:solidFill>
+                  <a:schemeClr val="dk1"/>
+                </a:solidFill>
+                <a:latin typeface="+mn-lt"/>
+                <a:ea typeface="+mn-ea"/>
+                <a:cs typeface="+mn-cs"/>
+              </a:defRPr>
+            </a:lvl3pPr>
+            <a:lvl4pPr marL="1371600" algn="l" defTabSz="914400" rtl="0" eaLnBrk="1" latinLnBrk="0" hangingPunct="1">
+              <a:defRPr sz="1800" kern="1200">
+                <a:solidFill>
+                  <a:schemeClr val="dk1"/>
+                </a:solidFill>
+                <a:latin typeface="+mn-lt"/>
+                <a:ea typeface="+mn-ea"/>
+                <a:cs typeface="+mn-cs"/>
+              </a:defRPr>
+            </a:lvl4pPr>
+            <a:lvl5pPr marL="1828800" algn="l" defTabSz="914400" rtl="0" eaLnBrk="1" latinLnBrk="0" hangingPunct="1">
+              <a:defRPr sz="1800" kern="1200">
+                <a:solidFill>
+                  <a:schemeClr val="dk1"/>
+                </a:solidFill>
+                <a:latin typeface="+mn-lt"/>
+                <a:ea typeface="+mn-ea"/>
+                <a:cs typeface="+mn-cs"/>
+              </a:defRPr>
+            </a:lvl5pPr>
+            <a:lvl6pPr marL="2286000" algn="l" defTabSz="914400" rtl="0" eaLnBrk="1" latinLnBrk="0" hangingPunct="1">
+              <a:defRPr sz="1800" kern="1200">
+                <a:solidFill>
+                  <a:schemeClr val="dk1"/>
+                </a:solidFill>
+                <a:latin typeface="+mn-lt"/>
+                <a:ea typeface="+mn-ea"/>
+                <a:cs typeface="+mn-cs"/>
+              </a:defRPr>
+            </a:lvl6pPr>
+            <a:lvl7pPr marL="2743200" algn="l" defTabSz="914400" rtl="0" eaLnBrk="1" latinLnBrk="0" hangingPunct="1">
+              <a:defRPr sz="1800" kern="1200">
+                <a:solidFill>
+                  <a:schemeClr val="dk1"/>
+                </a:solidFill>
+                <a:latin typeface="+mn-lt"/>
+                <a:ea typeface="+mn-ea"/>
+                <a:cs typeface="+mn-cs"/>
+              </a:defRPr>
+            </a:lvl7pPr>
+            <a:lvl8pPr marL="3200400" algn="l" defTabSz="914400" rtl="0" eaLnBrk="1" latinLnBrk="0" hangingPunct="1">
+              <a:defRPr sz="1800" kern="1200">
+                <a:solidFill>
+                  <a:schemeClr val="dk1"/>
+                </a:solidFill>
+                <a:latin typeface="+mn-lt"/>
+                <a:ea typeface="+mn-ea"/>
+                <a:cs typeface="+mn-cs"/>
+              </a:defRPr>
+            </a:lvl8pPr>
+            <a:lvl9pPr marL="3657600" algn="l" defTabSz="914400" rtl="0" eaLnBrk="1" latinLnBrk="0" hangingPunct="1">
+              <a:defRPr sz="1800" kern="1200">
+                <a:solidFill>
+                  <a:schemeClr val="dk1"/>
+                </a:solidFill>
+                <a:latin typeface="+mn-lt"/>
+                <a:ea typeface="+mn-ea"/>
+                <a:cs typeface="+mn-cs"/>
+              </a:defRPr>
+            </a:lvl9pPr>
+          </a:lstStyle>
+          <a:p>
+            <a:pPr algn="ctr" defTabSz="982985">
+              <a:defRPr/>
+            </a:pPr>
+            <a:r>
+              <a:rPr lang="en-US" sz="1200" dirty="0">
+                <a:solidFill>
+                  <a:srgbClr val="FFFFFF">
+                    <a:alpha val="99000"/>
+                  </a:srgbClr>
+                </a:solidFill>
+                <a:latin typeface="Segoe UI"/>
+                <a:ea typeface="Segoe UI" pitchFamily="34" charset="0"/>
+                <a:cs typeface="Segoe UI" pitchFamily="34" charset="0"/>
+              </a:rPr>
+              <a:t>Networking</a:t>
+            </a:r>
+          </a:p>
+        </p:txBody>
+      </p:sp>
+      <p:sp>
+        <p:nvSpPr>
+          <p:cNvPr id="23" name="Rectangle 22"/>
+          <p:cNvSpPr/>
+          <p:nvPr/>
+        </p:nvSpPr>
+        <p:spPr>
+          <a:xfrm>
+            <a:off x="4912231" y="3503538"/>
+            <a:ext cx="1290451" cy="266700"/>
+          </a:xfrm>
+          <a:prstGeom prst="rect">
+            <a:avLst/>
+          </a:prstGeom>
+          <a:solidFill>
+            <a:srgbClr val="FF8A00"/>
+          </a:solidFill>
+          <a:ln w="9525" cap="flat" cmpd="sng" algn="ctr">
+            <a:solidFill>
+              <a:srgbClr val="FFC000">
+                <a:shade val="95000"/>
+                <a:satMod val="105000"/>
+              </a:srgbClr>
+            </a:solidFill>
+            <a:prstDash val="solid"/>
+          </a:ln>
+          <a:effectLst/>
+        </p:spPr>
+        <p:txBody>
+          <a:bodyPr lIns="73739" tIns="36870" rIns="73739" bIns="36870" rtlCol="0" anchor="t" anchorCtr="0"/>
+          <a:lstStyle/>
+          <a:p>
+            <a:pPr algn="ctr" defTabSz="982985">
+              <a:defRPr/>
+            </a:pPr>
+            <a:r>
+              <a:rPr lang="en-US" sz="1200" kern="0" dirty="0">
+                <a:solidFill>
+                  <a:srgbClr val="FFFFFF">
+                    <a:alpha val="99000"/>
+                  </a:srgbClr>
+                </a:solidFill>
+                <a:latin typeface="Segoe UI"/>
+                <a:ea typeface="Segoe UI" pitchFamily="34" charset="0"/>
+                <a:cs typeface="Segoe UI" pitchFamily="34" charset="0"/>
+              </a:rPr>
+              <a:t>O/S</a:t>
+            </a:r>
+          </a:p>
+        </p:txBody>
+      </p:sp>
+      <p:sp>
+        <p:nvSpPr>
+          <p:cNvPr id="24" name="Rectangle 23"/>
+          <p:cNvSpPr/>
+          <p:nvPr/>
+        </p:nvSpPr>
+        <p:spPr>
+          <a:xfrm>
+            <a:off x="4912231" y="3185165"/>
+            <a:ext cx="1290451" cy="266700"/>
+          </a:xfrm>
+          <a:prstGeom prst="rect">
+            <a:avLst/>
+          </a:prstGeom>
+          <a:solidFill>
+            <a:srgbClr val="FF8A00"/>
+          </a:solidFill>
+          <a:ln w="9525" cap="flat" cmpd="sng" algn="ctr">
+            <a:solidFill>
+              <a:srgbClr val="FFC000">
+                <a:shade val="95000"/>
+                <a:satMod val="105000"/>
+              </a:srgbClr>
+            </a:solidFill>
+            <a:prstDash val="solid"/>
+          </a:ln>
+          <a:effectLst/>
+        </p:spPr>
+        <p:txBody>
+          <a:bodyPr lIns="73739" tIns="36870" rIns="73739" bIns="36870" rtlCol="0" anchor="t" anchorCtr="0"/>
+          <a:lstStyle/>
+          <a:p>
+            <a:pPr algn="ctr" defTabSz="982985">
+              <a:defRPr/>
+            </a:pPr>
+            <a:r>
+              <a:rPr lang="en-US" sz="1200" kern="0" dirty="0">
+                <a:solidFill>
+                  <a:srgbClr val="FFFFFF">
+                    <a:alpha val="99000"/>
+                  </a:srgbClr>
+                </a:solidFill>
+                <a:latin typeface="Segoe UI"/>
+                <a:ea typeface="Segoe UI" pitchFamily="34" charset="0"/>
+                <a:cs typeface="Segoe UI" pitchFamily="34" charset="0"/>
+              </a:rPr>
+              <a:t>Middleware</a:t>
+            </a:r>
+          </a:p>
+        </p:txBody>
+      </p:sp>
+      <p:sp>
+        <p:nvSpPr>
+          <p:cNvPr id="25" name="Rectangle 24"/>
+          <p:cNvSpPr/>
+          <p:nvPr/>
+        </p:nvSpPr>
+        <p:spPr>
+          <a:xfrm>
+            <a:off x="4912231" y="3821911"/>
+            <a:ext cx="1290451" cy="266700"/>
+          </a:xfrm>
+          <a:prstGeom prst="rect">
+            <a:avLst/>
+          </a:prstGeom>
+          <a:solidFill>
+            <a:srgbClr val="8CC600"/>
+          </a:solidFill>
+          <a:ln w="9525" cap="flat" cmpd="sng" algn="ctr">
+            <a:noFill/>
+            <a:prstDash val="solid"/>
+          </a:ln>
+          <a:effectLst/>
+        </p:spPr>
+        <p:txBody>
+          <a:bodyPr lIns="0" tIns="36870" rIns="0" bIns="36870" rtlCol="0" anchor="t" anchorCtr="0"/>
+          <a:lstStyle>
+            <a:defPPr>
+              <a:defRPr lang="en-US"/>
+            </a:defPPr>
+            <a:lvl1pPr marL="0" algn="l" defTabSz="914400" rtl="0" eaLnBrk="1" latinLnBrk="0" hangingPunct="1">
+              <a:defRPr sz="1800" kern="1200">
+                <a:solidFill>
+                  <a:schemeClr val="dk1"/>
+                </a:solidFill>
+                <a:latin typeface="+mn-lt"/>
+                <a:ea typeface="+mn-ea"/>
+                <a:cs typeface="+mn-cs"/>
+              </a:defRPr>
+            </a:lvl1pPr>
+            <a:lvl2pPr marL="457200" algn="l" defTabSz="914400" rtl="0" eaLnBrk="1" latinLnBrk="0" hangingPunct="1">
+              <a:defRPr sz="1800" kern="1200">
+                <a:solidFill>
+                  <a:schemeClr val="dk1"/>
+                </a:solidFill>
+                <a:latin typeface="+mn-lt"/>
+                <a:ea typeface="+mn-ea"/>
+                <a:cs typeface="+mn-cs"/>
+              </a:defRPr>
+            </a:lvl2pPr>
+            <a:lvl3pPr marL="914400" algn="l" defTabSz="914400" rtl="0" eaLnBrk="1" latinLnBrk="0" hangingPunct="1">
+              <a:defRPr sz="1800" kern="1200">
+                <a:solidFill>
+                  <a:schemeClr val="dk1"/>
+                </a:solidFill>
+                <a:latin typeface="+mn-lt"/>
+                <a:ea typeface="+mn-ea"/>
+                <a:cs typeface="+mn-cs"/>
+              </a:defRPr>
+            </a:lvl3pPr>
+            <a:lvl4pPr marL="1371600" algn="l" defTabSz="914400" rtl="0" eaLnBrk="1" latinLnBrk="0" hangingPunct="1">
+              <a:defRPr sz="1800" kern="1200">
+                <a:solidFill>
+                  <a:schemeClr val="dk1"/>
+                </a:solidFill>
+                <a:latin typeface="+mn-lt"/>
+                <a:ea typeface="+mn-ea"/>
+                <a:cs typeface="+mn-cs"/>
+              </a:defRPr>
+            </a:lvl4pPr>
+            <a:lvl5pPr marL="1828800" algn="l" defTabSz="914400" rtl="0" eaLnBrk="1" latinLnBrk="0" hangingPunct="1">
+              <a:defRPr sz="1800" kern="1200">
+                <a:solidFill>
+                  <a:schemeClr val="dk1"/>
+                </a:solidFill>
+                <a:latin typeface="+mn-lt"/>
+                <a:ea typeface="+mn-ea"/>
+                <a:cs typeface="+mn-cs"/>
+              </a:defRPr>
+            </a:lvl5pPr>
+            <a:lvl6pPr marL="2286000" algn="l" defTabSz="914400" rtl="0" eaLnBrk="1" latinLnBrk="0" hangingPunct="1">
+              <a:defRPr sz="1800" kern="1200">
+                <a:solidFill>
+                  <a:schemeClr val="dk1"/>
+                </a:solidFill>
+                <a:latin typeface="+mn-lt"/>
+                <a:ea typeface="+mn-ea"/>
+                <a:cs typeface="+mn-cs"/>
+              </a:defRPr>
+            </a:lvl6pPr>
+            <a:lvl7pPr marL="2743200" algn="l" defTabSz="914400" rtl="0" eaLnBrk="1" latinLnBrk="0" hangingPunct="1">
+              <a:defRPr sz="1800" kern="1200">
+                <a:solidFill>
+                  <a:schemeClr val="dk1"/>
+                </a:solidFill>
+                <a:latin typeface="+mn-lt"/>
+                <a:ea typeface="+mn-ea"/>
+                <a:cs typeface="+mn-cs"/>
+              </a:defRPr>
+            </a:lvl7pPr>
+            <a:lvl8pPr marL="3200400" algn="l" defTabSz="914400" rtl="0" eaLnBrk="1" latinLnBrk="0" hangingPunct="1">
+              <a:defRPr sz="1800" kern="1200">
+                <a:solidFill>
+                  <a:schemeClr val="dk1"/>
+                </a:solidFill>
+                <a:latin typeface="+mn-lt"/>
+                <a:ea typeface="+mn-ea"/>
+                <a:cs typeface="+mn-cs"/>
+              </a:defRPr>
+            </a:lvl8pPr>
+            <a:lvl9pPr marL="3657600" algn="l" defTabSz="914400" rtl="0" eaLnBrk="1" latinLnBrk="0" hangingPunct="1">
+              <a:defRPr sz="1800" kern="1200">
+                <a:solidFill>
+                  <a:schemeClr val="dk1"/>
+                </a:solidFill>
+                <a:latin typeface="+mn-lt"/>
+                <a:ea typeface="+mn-ea"/>
+                <a:cs typeface="+mn-cs"/>
+              </a:defRPr>
+            </a:lvl9pPr>
+          </a:lstStyle>
+          <a:p>
+            <a:pPr algn="ctr" defTabSz="982985">
+              <a:defRPr/>
+            </a:pPr>
+            <a:r>
+              <a:rPr lang="en-US" sz="1200" dirty="0">
+                <a:solidFill>
+                  <a:srgbClr val="FFFFFF">
+                    <a:alpha val="99000"/>
+                  </a:srgbClr>
+                </a:solidFill>
+                <a:latin typeface="Segoe UI"/>
+                <a:ea typeface="Segoe UI" pitchFamily="34" charset="0"/>
+                <a:cs typeface="Segoe UI" pitchFamily="34" charset="0"/>
+              </a:rPr>
+              <a:t>Virtualization</a:t>
+            </a:r>
+          </a:p>
+        </p:txBody>
+      </p:sp>
+      <p:sp>
+        <p:nvSpPr>
+          <p:cNvPr id="26" name="Rectangle 25"/>
+          <p:cNvSpPr/>
+          <p:nvPr/>
+        </p:nvSpPr>
+        <p:spPr>
+          <a:xfrm>
+            <a:off x="4912231" y="2548418"/>
+            <a:ext cx="1290451" cy="266700"/>
+          </a:xfrm>
+          <a:prstGeom prst="rect">
+            <a:avLst/>
+          </a:prstGeom>
+          <a:solidFill>
+            <a:srgbClr val="FF8A00"/>
+          </a:solidFill>
+          <a:ln w="9525" cap="flat" cmpd="sng" algn="ctr">
+            <a:solidFill>
+              <a:srgbClr val="FFC000">
+                <a:shade val="95000"/>
+                <a:satMod val="105000"/>
+              </a:srgbClr>
+            </a:solidFill>
+            <a:prstDash val="solid"/>
+          </a:ln>
+          <a:effectLst/>
+        </p:spPr>
+        <p:txBody>
+          <a:bodyPr lIns="73739" tIns="36870" rIns="73739" bIns="36870" rtlCol="0" anchor="t" anchorCtr="0"/>
+          <a:lstStyle/>
+          <a:p>
+            <a:pPr algn="ctr" defTabSz="982985">
+              <a:defRPr/>
+            </a:pPr>
+            <a:r>
+              <a:rPr lang="en-US" sz="1200" kern="0" dirty="0">
+                <a:solidFill>
+                  <a:srgbClr val="FFFFFF">
+                    <a:alpha val="99000"/>
+                  </a:srgbClr>
+                </a:solidFill>
+                <a:latin typeface="Segoe UI"/>
+                <a:ea typeface="Segoe UI" pitchFamily="34" charset="0"/>
+                <a:cs typeface="Segoe UI" pitchFamily="34" charset="0"/>
+              </a:rPr>
+              <a:t>Data</a:t>
+            </a:r>
+          </a:p>
+        </p:txBody>
+      </p:sp>
+      <p:sp>
+        <p:nvSpPr>
+          <p:cNvPr id="27" name="Rectangle 26"/>
+          <p:cNvSpPr/>
+          <p:nvPr/>
+        </p:nvSpPr>
+        <p:spPr>
+          <a:xfrm>
+            <a:off x="4912231" y="2230043"/>
+            <a:ext cx="1290451" cy="266700"/>
+          </a:xfrm>
+          <a:prstGeom prst="rect">
+            <a:avLst/>
+          </a:prstGeom>
+          <a:solidFill>
+            <a:srgbClr val="FF8A00"/>
+          </a:solidFill>
+          <a:ln w="9525" cap="flat" cmpd="sng" algn="ctr">
+            <a:solidFill>
+              <a:srgbClr val="FFC000">
+                <a:shade val="95000"/>
+                <a:satMod val="105000"/>
+              </a:srgbClr>
+            </a:solidFill>
+            <a:prstDash val="solid"/>
+          </a:ln>
+          <a:effectLst/>
+        </p:spPr>
+        <p:txBody>
+          <a:bodyPr lIns="73739" tIns="36870" rIns="73739" bIns="36870" rtlCol="0" anchor="t" anchorCtr="0"/>
+          <a:lstStyle/>
+          <a:p>
+            <a:pPr algn="ctr" defTabSz="982985">
+              <a:defRPr/>
+            </a:pPr>
+            <a:r>
+              <a:rPr lang="en-US" sz="1200" kern="0" dirty="0">
+                <a:solidFill>
+                  <a:srgbClr val="FFFFFF">
+                    <a:alpha val="99000"/>
+                  </a:srgbClr>
+                </a:solidFill>
+                <a:latin typeface="Segoe UI"/>
+                <a:ea typeface="Segoe UI" pitchFamily="34" charset="0"/>
+                <a:cs typeface="Segoe UI" pitchFamily="34" charset="0"/>
+              </a:rPr>
+              <a:t>Applications</a:t>
+            </a:r>
+          </a:p>
+        </p:txBody>
+      </p:sp>
+      <p:sp>
+        <p:nvSpPr>
+          <p:cNvPr id="28" name="Rectangle 27"/>
+          <p:cNvSpPr/>
+          <p:nvPr/>
+        </p:nvSpPr>
+        <p:spPr>
+          <a:xfrm>
+            <a:off x="4912231" y="2866791"/>
+            <a:ext cx="1290451" cy="266700"/>
+          </a:xfrm>
+          <a:prstGeom prst="rect">
+            <a:avLst/>
+          </a:prstGeom>
+          <a:solidFill>
+            <a:srgbClr val="FF8A00"/>
+          </a:solidFill>
+          <a:ln w="9525" cap="flat" cmpd="sng" algn="ctr">
+            <a:solidFill>
+              <a:srgbClr val="FFC000">
+                <a:shade val="95000"/>
+                <a:satMod val="105000"/>
+              </a:srgbClr>
+            </a:solidFill>
+            <a:prstDash val="solid"/>
+          </a:ln>
+          <a:effectLst/>
+        </p:spPr>
+        <p:txBody>
+          <a:bodyPr lIns="73739" tIns="36870" rIns="73739" bIns="36870" rtlCol="0" anchor="t" anchorCtr="0"/>
+          <a:lstStyle/>
+          <a:p>
+            <a:pPr algn="ctr" defTabSz="982985">
+              <a:defRPr/>
+            </a:pPr>
+            <a:r>
+              <a:rPr lang="en-US" sz="1200" kern="0" dirty="0">
+                <a:solidFill>
+                  <a:srgbClr val="FFFFFF">
+                    <a:alpha val="99000"/>
+                  </a:srgbClr>
+                </a:solidFill>
+                <a:latin typeface="Segoe UI"/>
+                <a:ea typeface="Segoe UI" pitchFamily="34" charset="0"/>
+                <a:cs typeface="Segoe UI" pitchFamily="34" charset="0"/>
+              </a:rPr>
+              <a:t>Runtime</a:t>
+            </a:r>
+          </a:p>
+        </p:txBody>
+      </p:sp>
+      <p:sp>
+        <p:nvSpPr>
+          <p:cNvPr id="29" name="Left Brace 28"/>
+          <p:cNvSpPr/>
+          <p:nvPr/>
+        </p:nvSpPr>
+        <p:spPr>
+          <a:xfrm flipH="1">
+            <a:off x="6209953" y="3793132"/>
+            <a:ext cx="180069" cy="1234800"/>
+          </a:xfrm>
+          <a:prstGeom prst="leftBrace">
+            <a:avLst>
+              <a:gd name="adj1" fmla="val 0"/>
+              <a:gd name="adj2" fmla="val 50000"/>
+            </a:avLst>
+          </a:prstGeom>
+          <a:noFill/>
+          <a:ln w="19050" cap="flat" cmpd="sng" algn="ctr">
+            <a:solidFill>
+              <a:srgbClr val="00AEEF"/>
+            </a:solidFill>
+            <a:prstDash val="solid"/>
+          </a:ln>
+          <a:effectLst/>
+        </p:spPr>
+        <p:txBody>
+          <a:bodyPr lIns="73739" tIns="36870" rIns="73739" bIns="36870" rtlCol="0" anchor="ctr"/>
+          <a:lstStyle/>
+          <a:p>
+            <a:pPr algn="ctr" defTabSz="982985">
+              <a:defRPr/>
+            </a:pPr>
+            <a:endParaRPr lang="en-US" sz="1500" kern="0" dirty="0">
+              <a:solidFill>
+                <a:srgbClr val="FFFFFF"/>
+              </a:solidFill>
+              <a:latin typeface="Segoe UI"/>
+              <a:ea typeface="Segoe UI" pitchFamily="34" charset="0"/>
+              <a:cs typeface="Segoe UI" pitchFamily="34" charset="0"/>
+            </a:endParaRPr>
+          </a:p>
+        </p:txBody>
+      </p:sp>
+      <p:sp>
+        <p:nvSpPr>
+          <p:cNvPr id="30" name="TextBox 56"/>
+          <p:cNvSpPr txBox="1"/>
+          <p:nvPr/>
+        </p:nvSpPr>
+        <p:spPr>
+          <a:xfrm flipH="1">
+            <a:off x="6343648" y="3814507"/>
+            <a:ext cx="318195" cy="1220607"/>
+          </a:xfrm>
+          <a:prstGeom prst="rect">
+            <a:avLst/>
+          </a:prstGeom>
+          <a:noFill/>
+        </p:spPr>
+        <p:txBody>
+          <a:bodyPr vert="eaVert" wrap="none" lIns="73739" tIns="36870" rIns="73739" bIns="36870" rtlCol="0">
+            <a:spAutoFit/>
+          </a:bodyPr>
+          <a:lstStyle>
+            <a:defPPr>
+              <a:defRPr lang="en-US"/>
+            </a:defPPr>
+            <a:lvl1pPr marL="0" algn="l" defTabSz="914400" rtl="0" eaLnBrk="1" latinLnBrk="0" hangingPunct="1">
+              <a:defRPr sz="1800" kern="1200">
+                <a:solidFill>
+                  <a:schemeClr val="tx1"/>
+                </a:solidFill>
+                <a:latin typeface="+mn-lt"/>
+                <a:ea typeface="+mn-ea"/>
+                <a:cs typeface="+mn-cs"/>
+              </a:defRPr>
+            </a:lvl1pPr>
+            <a:lvl2pPr marL="457200" algn="l" defTabSz="914400" rtl="0" eaLnBrk="1" latinLnBrk="0" hangingPunct="1">
+              <a:defRPr sz="1800" kern="1200">
+                <a:solidFill>
+                  <a:schemeClr val="tx1"/>
+                </a:solidFill>
+                <a:latin typeface="+mn-lt"/>
+                <a:ea typeface="+mn-ea"/>
+                <a:cs typeface="+mn-cs"/>
+              </a:defRPr>
+            </a:lvl2pPr>
+            <a:lvl3pPr marL="914400" algn="l" defTabSz="914400" rtl="0" eaLnBrk="1" latinLnBrk="0" hangingPunct="1">
+              <a:defRPr sz="1800" kern="1200">
+                <a:solidFill>
+                  <a:schemeClr val="tx1"/>
+                </a:solidFill>
+                <a:latin typeface="+mn-lt"/>
+                <a:ea typeface="+mn-ea"/>
+                <a:cs typeface="+mn-cs"/>
+              </a:defRPr>
+            </a:lvl3pPr>
+            <a:lvl4pPr marL="1371600" algn="l" defTabSz="914400" rtl="0" eaLnBrk="1" latinLnBrk="0" hangingPunct="1">
+              <a:defRPr sz="1800" kern="1200">
+                <a:solidFill>
+                  <a:schemeClr val="tx1"/>
+                </a:solidFill>
+                <a:latin typeface="+mn-lt"/>
+                <a:ea typeface="+mn-ea"/>
+                <a:cs typeface="+mn-cs"/>
+              </a:defRPr>
+            </a:lvl4pPr>
+            <a:lvl5pPr marL="1828800" algn="l" defTabSz="914400" rtl="0" eaLnBrk="1" latinLnBrk="0" hangingPunct="1">
+              <a:defRPr sz="1800" kern="1200">
+                <a:solidFill>
+                  <a:schemeClr val="tx1"/>
+                </a:solidFill>
+                <a:latin typeface="+mn-lt"/>
+                <a:ea typeface="+mn-ea"/>
+                <a:cs typeface="+mn-cs"/>
+              </a:defRPr>
+            </a:lvl5pPr>
+            <a:lvl6pPr marL="2286000" algn="l" defTabSz="914400" rtl="0" eaLnBrk="1" latinLnBrk="0" hangingPunct="1">
+              <a:defRPr sz="1800" kern="1200">
+                <a:solidFill>
+                  <a:schemeClr val="tx1"/>
+                </a:solidFill>
+                <a:latin typeface="+mn-lt"/>
+                <a:ea typeface="+mn-ea"/>
+                <a:cs typeface="+mn-cs"/>
+              </a:defRPr>
+            </a:lvl6pPr>
+            <a:lvl7pPr marL="2743200" algn="l" defTabSz="914400" rtl="0" eaLnBrk="1" latinLnBrk="0" hangingPunct="1">
+              <a:defRPr sz="1800" kern="1200">
+                <a:solidFill>
+                  <a:schemeClr val="tx1"/>
+                </a:solidFill>
+                <a:latin typeface="+mn-lt"/>
+                <a:ea typeface="+mn-ea"/>
+                <a:cs typeface="+mn-cs"/>
+              </a:defRPr>
+            </a:lvl7pPr>
+            <a:lvl8pPr marL="3200400" algn="l" defTabSz="914400" rtl="0" eaLnBrk="1" latinLnBrk="0" hangingPunct="1">
+              <a:defRPr sz="1800" kern="1200">
+                <a:solidFill>
+                  <a:schemeClr val="tx1"/>
+                </a:solidFill>
+                <a:latin typeface="+mn-lt"/>
+                <a:ea typeface="+mn-ea"/>
+                <a:cs typeface="+mn-cs"/>
+              </a:defRPr>
+            </a:lvl8pPr>
+            <a:lvl9pPr marL="3657600" algn="l" defTabSz="914400" rtl="0" eaLnBrk="1" latinLnBrk="0" hangingPunct="1">
+              <a:defRPr sz="1800" kern="1200">
+                <a:solidFill>
+                  <a:schemeClr val="tx1"/>
+                </a:solidFill>
+                <a:latin typeface="+mn-lt"/>
+                <a:ea typeface="+mn-ea"/>
+                <a:cs typeface="+mn-cs"/>
+              </a:defRPr>
+            </a:lvl9pPr>
+          </a:lstStyle>
+          <a:p>
+            <a:pPr marL="0" lvl="1" algn="ctr" defTabSz="982905" fontAlgn="base">
+              <a:spcAft>
+                <a:spcPct val="0"/>
+              </a:spcAft>
+            </a:pPr>
+            <a:r>
+              <a:rPr lang="en-US" sz="1100" dirty="0">
+                <a:solidFill>
+                  <a:srgbClr val="595959">
+                    <a:alpha val="99000"/>
+                  </a:srgbClr>
+                </a:solidFill>
+                <a:ea typeface="Kozuka Gothic Pro R" pitchFamily="34" charset="-128"/>
+              </a:rPr>
+              <a:t>Managed by vendor</a:t>
+            </a:r>
+          </a:p>
+        </p:txBody>
+      </p:sp>
+      <p:sp>
+        <p:nvSpPr>
+          <p:cNvPr id="31" name="Left Brace 30"/>
+          <p:cNvSpPr/>
+          <p:nvPr/>
+        </p:nvSpPr>
+        <p:spPr>
+          <a:xfrm>
+            <a:off x="4803127" y="2230043"/>
+            <a:ext cx="105040" cy="1540191"/>
+          </a:xfrm>
+          <a:prstGeom prst="leftBrace">
+            <a:avLst>
+              <a:gd name="adj1" fmla="val 0"/>
+              <a:gd name="adj2" fmla="val 50000"/>
+            </a:avLst>
+          </a:prstGeom>
+          <a:noFill/>
+          <a:ln w="19050" cap="flat" cmpd="sng" algn="ctr">
+            <a:solidFill>
+              <a:srgbClr val="00AEEF"/>
+            </a:solidFill>
+            <a:prstDash val="solid"/>
+          </a:ln>
+          <a:effectLst/>
+        </p:spPr>
+        <p:txBody>
+          <a:bodyPr lIns="73739" tIns="36870" rIns="73739" bIns="36870" rtlCol="0" anchor="ctr"/>
+          <a:lstStyle/>
+          <a:p>
+            <a:pPr algn="ctr" defTabSz="982985">
+              <a:defRPr/>
+            </a:pPr>
+            <a:endParaRPr lang="en-US" sz="1500" kern="0" dirty="0">
+              <a:solidFill>
+                <a:srgbClr val="FFFFFF"/>
+              </a:solidFill>
+              <a:latin typeface="Segoe UI"/>
+              <a:ea typeface="Segoe UI" pitchFamily="34" charset="0"/>
+              <a:cs typeface="Segoe UI" pitchFamily="34" charset="0"/>
+            </a:endParaRPr>
+          </a:p>
+        </p:txBody>
+      </p:sp>
+      <p:sp>
+        <p:nvSpPr>
+          <p:cNvPr id="32" name="TextBox 58"/>
+          <p:cNvSpPr txBox="1"/>
+          <p:nvPr/>
+        </p:nvSpPr>
+        <p:spPr>
+          <a:xfrm>
+            <a:off x="4478384" y="2616710"/>
+            <a:ext cx="318195" cy="779781"/>
+          </a:xfrm>
+          <a:prstGeom prst="rect">
+            <a:avLst/>
+          </a:prstGeom>
+          <a:noFill/>
+        </p:spPr>
+        <p:txBody>
+          <a:bodyPr vert="vert270" wrap="none" lIns="73739" tIns="36870" rIns="73739" bIns="36870" rtlCol="0">
+            <a:spAutoFit/>
+          </a:bodyPr>
+          <a:lstStyle>
+            <a:defPPr>
+              <a:defRPr lang="en-US"/>
+            </a:defPPr>
+            <a:lvl1pPr marL="0" algn="l" defTabSz="914400" rtl="0" eaLnBrk="1" latinLnBrk="0" hangingPunct="1">
+              <a:defRPr sz="1800" kern="1200">
+                <a:solidFill>
+                  <a:schemeClr val="tx1"/>
+                </a:solidFill>
+                <a:latin typeface="+mn-lt"/>
+                <a:ea typeface="+mn-ea"/>
+                <a:cs typeface="+mn-cs"/>
+              </a:defRPr>
+            </a:lvl1pPr>
+            <a:lvl2pPr marL="457200" algn="l" defTabSz="914400" rtl="0" eaLnBrk="1" latinLnBrk="0" hangingPunct="1">
+              <a:defRPr sz="1800" kern="1200">
+                <a:solidFill>
+                  <a:schemeClr val="tx1"/>
+                </a:solidFill>
+                <a:latin typeface="+mn-lt"/>
+                <a:ea typeface="+mn-ea"/>
+                <a:cs typeface="+mn-cs"/>
+              </a:defRPr>
+            </a:lvl2pPr>
+            <a:lvl3pPr marL="914400" algn="l" defTabSz="914400" rtl="0" eaLnBrk="1" latinLnBrk="0" hangingPunct="1">
+              <a:defRPr sz="1800" kern="1200">
+                <a:solidFill>
+                  <a:schemeClr val="tx1"/>
+                </a:solidFill>
+                <a:latin typeface="+mn-lt"/>
+                <a:ea typeface="+mn-ea"/>
+                <a:cs typeface="+mn-cs"/>
+              </a:defRPr>
+            </a:lvl3pPr>
+            <a:lvl4pPr marL="1371600" algn="l" defTabSz="914400" rtl="0" eaLnBrk="1" latinLnBrk="0" hangingPunct="1">
+              <a:defRPr sz="1800" kern="1200">
+                <a:solidFill>
+                  <a:schemeClr val="tx1"/>
+                </a:solidFill>
+                <a:latin typeface="+mn-lt"/>
+                <a:ea typeface="+mn-ea"/>
+                <a:cs typeface="+mn-cs"/>
+              </a:defRPr>
+            </a:lvl4pPr>
+            <a:lvl5pPr marL="1828800" algn="l" defTabSz="914400" rtl="0" eaLnBrk="1" latinLnBrk="0" hangingPunct="1">
+              <a:defRPr sz="1800" kern="1200">
+                <a:solidFill>
+                  <a:schemeClr val="tx1"/>
+                </a:solidFill>
+                <a:latin typeface="+mn-lt"/>
+                <a:ea typeface="+mn-ea"/>
+                <a:cs typeface="+mn-cs"/>
+              </a:defRPr>
+            </a:lvl5pPr>
+            <a:lvl6pPr marL="2286000" algn="l" defTabSz="914400" rtl="0" eaLnBrk="1" latinLnBrk="0" hangingPunct="1">
+              <a:defRPr sz="1800" kern="1200">
+                <a:solidFill>
+                  <a:schemeClr val="tx1"/>
+                </a:solidFill>
+                <a:latin typeface="+mn-lt"/>
+                <a:ea typeface="+mn-ea"/>
+                <a:cs typeface="+mn-cs"/>
+              </a:defRPr>
+            </a:lvl6pPr>
+            <a:lvl7pPr marL="2743200" algn="l" defTabSz="914400" rtl="0" eaLnBrk="1" latinLnBrk="0" hangingPunct="1">
+              <a:defRPr sz="1800" kern="1200">
+                <a:solidFill>
+                  <a:schemeClr val="tx1"/>
+                </a:solidFill>
+                <a:latin typeface="+mn-lt"/>
+                <a:ea typeface="+mn-ea"/>
+                <a:cs typeface="+mn-cs"/>
+              </a:defRPr>
+            </a:lvl7pPr>
+            <a:lvl8pPr marL="3200400" algn="l" defTabSz="914400" rtl="0" eaLnBrk="1" latinLnBrk="0" hangingPunct="1">
+              <a:defRPr sz="1800" kern="1200">
+                <a:solidFill>
+                  <a:schemeClr val="tx1"/>
+                </a:solidFill>
+                <a:latin typeface="+mn-lt"/>
+                <a:ea typeface="+mn-ea"/>
+                <a:cs typeface="+mn-cs"/>
+              </a:defRPr>
+            </a:lvl8pPr>
+            <a:lvl9pPr marL="3657600" algn="l" defTabSz="914400" rtl="0" eaLnBrk="1" latinLnBrk="0" hangingPunct="1">
+              <a:defRPr sz="1800" kern="1200">
+                <a:solidFill>
+                  <a:schemeClr val="tx1"/>
+                </a:solidFill>
+                <a:latin typeface="+mn-lt"/>
+                <a:ea typeface="+mn-ea"/>
+                <a:cs typeface="+mn-cs"/>
+              </a:defRPr>
+            </a:lvl9pPr>
+          </a:lstStyle>
+          <a:p>
+            <a:pPr marL="0" lvl="1" algn="ctr" defTabSz="982905" fontAlgn="base">
+              <a:spcAft>
+                <a:spcPct val="0"/>
+              </a:spcAft>
+            </a:pPr>
+            <a:r>
+              <a:rPr lang="en-US" sz="1100" dirty="0">
+                <a:solidFill>
+                  <a:srgbClr val="595959">
+                    <a:alpha val="99000"/>
+                  </a:srgbClr>
+                </a:solidFill>
+                <a:ea typeface="Kozuka Gothic Pro R" pitchFamily="34" charset="-128"/>
+              </a:rPr>
+              <a:t>You manage</a:t>
+            </a:r>
+          </a:p>
+        </p:txBody>
+      </p:sp>
+      <p:grpSp>
+        <p:nvGrpSpPr>
+          <p:cNvPr id="33" name="Group 32"/>
+          <p:cNvGrpSpPr/>
+          <p:nvPr/>
+        </p:nvGrpSpPr>
+        <p:grpSpPr>
+          <a:xfrm>
+            <a:off x="6528035" y="1690425"/>
+            <a:ext cx="2131860" cy="3359095"/>
+            <a:chOff x="5979422" y="1583373"/>
+            <a:chExt cx="2706420" cy="4798706"/>
+          </a:xfrm>
+        </p:grpSpPr>
+        <p:sp>
+          <p:nvSpPr>
+            <p:cNvPr id="34" name="Rectangle 33"/>
+            <p:cNvSpPr/>
+            <p:nvPr/>
+          </p:nvSpPr>
+          <p:spPr>
+            <a:xfrm>
+              <a:off x="6405737" y="1583373"/>
+              <a:ext cx="2000311" cy="640080"/>
+            </a:xfrm>
+            <a:prstGeom prst="rect">
+              <a:avLst/>
+            </a:prstGeom>
+            <a:noFill/>
+            <a:ln w="9525" cap="flat" cmpd="sng" algn="ctr">
+              <a:noFill/>
+              <a:prstDash val="solid"/>
+            </a:ln>
+            <a:effectLst/>
+          </p:spPr>
+          <p:txBody>
+            <a:bodyPr tIns="0" bIns="0" rtlCol="0" anchor="t" anchorCtr="0"/>
+            <a:lstStyle>
+              <a:defPPr>
+                <a:defRPr lang="en-US"/>
+              </a:defPPr>
+              <a:lvl1pPr marL="0" algn="l" defTabSz="914400" rtl="0" eaLnBrk="1" latinLnBrk="0" hangingPunct="1">
+                <a:defRPr sz="1800" kern="1200">
+                  <a:solidFill>
+                    <a:schemeClr val="lt1"/>
+                  </a:solidFill>
+                  <a:latin typeface="+mn-lt"/>
+                  <a:ea typeface="+mn-ea"/>
+                  <a:cs typeface="+mn-cs"/>
+                </a:defRPr>
+              </a:lvl1pPr>
+              <a:lvl2pPr marL="457200" algn="l" defTabSz="914400" rtl="0" eaLnBrk="1" latinLnBrk="0" hangingPunct="1">
+                <a:defRPr sz="1800" kern="1200">
+                  <a:solidFill>
+                    <a:schemeClr val="lt1"/>
+                  </a:solidFill>
+                  <a:latin typeface="+mn-lt"/>
+                  <a:ea typeface="+mn-ea"/>
+                  <a:cs typeface="+mn-cs"/>
+                </a:defRPr>
+              </a:lvl2pPr>
+              <a:lvl3pPr marL="914400" algn="l" defTabSz="914400" rtl="0" eaLnBrk="1" latinLnBrk="0" hangingPunct="1">
+                <a:defRPr sz="1800" kern="1200">
+                  <a:solidFill>
+                    <a:schemeClr val="lt1"/>
+                  </a:solidFill>
+                  <a:latin typeface="+mn-lt"/>
+                  <a:ea typeface="+mn-ea"/>
+                  <a:cs typeface="+mn-cs"/>
+                </a:defRPr>
+              </a:lvl3pPr>
+              <a:lvl4pPr marL="1371600" algn="l" defTabSz="914400" rtl="0" eaLnBrk="1" latinLnBrk="0" hangingPunct="1">
+                <a:defRPr sz="1800" kern="1200">
+                  <a:solidFill>
+                    <a:schemeClr val="lt1"/>
+                  </a:solidFill>
+                  <a:latin typeface="+mn-lt"/>
+                  <a:ea typeface="+mn-ea"/>
+                  <a:cs typeface="+mn-cs"/>
+                </a:defRPr>
+              </a:lvl4pPr>
+              <a:lvl5pPr marL="1828800" algn="l" defTabSz="914400" rtl="0" eaLnBrk="1" latinLnBrk="0" hangingPunct="1">
+                <a:defRPr sz="1800" kern="1200">
+                  <a:solidFill>
+                    <a:schemeClr val="lt1"/>
+                  </a:solidFill>
+                  <a:latin typeface="+mn-lt"/>
+                  <a:ea typeface="+mn-ea"/>
+                  <a:cs typeface="+mn-cs"/>
+                </a:defRPr>
+              </a:lvl5pPr>
+              <a:lvl6pPr marL="2286000" algn="l" defTabSz="914400" rtl="0" eaLnBrk="1" latinLnBrk="0" hangingPunct="1">
+                <a:defRPr sz="1800" kern="1200">
+                  <a:solidFill>
+                    <a:schemeClr val="lt1"/>
+                  </a:solidFill>
+                  <a:latin typeface="+mn-lt"/>
+                  <a:ea typeface="+mn-ea"/>
+                  <a:cs typeface="+mn-cs"/>
+                </a:defRPr>
+              </a:lvl6pPr>
+              <a:lvl7pPr marL="2743200" algn="l" defTabSz="914400" rtl="0" eaLnBrk="1" latinLnBrk="0" hangingPunct="1">
+                <a:defRPr sz="1800" kern="1200">
+                  <a:solidFill>
+                    <a:schemeClr val="lt1"/>
+                  </a:solidFill>
+                  <a:latin typeface="+mn-lt"/>
+                  <a:ea typeface="+mn-ea"/>
+                  <a:cs typeface="+mn-cs"/>
+                </a:defRPr>
+              </a:lvl7pPr>
+              <a:lvl8pPr marL="3200400" algn="l" defTabSz="914400" rtl="0" eaLnBrk="1" latinLnBrk="0" hangingPunct="1">
+                <a:defRPr sz="1800" kern="1200">
+                  <a:solidFill>
+                    <a:schemeClr val="lt1"/>
+                  </a:solidFill>
+                  <a:latin typeface="+mn-lt"/>
+                  <a:ea typeface="+mn-ea"/>
+                  <a:cs typeface="+mn-cs"/>
+                </a:defRPr>
+              </a:lvl8pPr>
+              <a:lvl9pPr marL="3657600" algn="l" defTabSz="914400" rtl="0" eaLnBrk="1" latinLnBrk="0" hangingPunct="1">
+                <a:defRPr sz="1800" kern="1200">
+                  <a:solidFill>
+                    <a:schemeClr val="lt1"/>
+                  </a:solidFill>
+                  <a:latin typeface="+mn-lt"/>
+                  <a:ea typeface="+mn-ea"/>
+                  <a:cs typeface="+mn-cs"/>
+                </a:defRPr>
+              </a:lvl9pPr>
+            </a:lstStyle>
+            <a:p>
+              <a:pPr marL="0" lvl="1" defTabSz="982905" fontAlgn="base">
+                <a:spcAft>
+                  <a:spcPct val="0"/>
+                </a:spcAft>
+                <a:defRPr/>
+              </a:pPr>
+              <a:r>
+                <a:rPr lang="en-US" sz="1300" dirty="0">
+                  <a:solidFill>
+                    <a:srgbClr val="595959">
+                      <a:alpha val="99000"/>
+                    </a:srgbClr>
+                  </a:solidFill>
+                  <a:latin typeface="Segoe UI"/>
+                  <a:ea typeface="Kozuka Gothic Pro R" pitchFamily="34" charset="-128"/>
+                </a:rPr>
+                <a:t>Platform</a:t>
+              </a:r>
+            </a:p>
+            <a:p>
+              <a:pPr defTabSz="982985">
+                <a:defRPr/>
+              </a:pPr>
+              <a:r>
+                <a:rPr lang="en-US" sz="1600" dirty="0">
+                  <a:solidFill>
+                    <a:srgbClr val="595959">
+                      <a:alpha val="99000"/>
+                    </a:srgbClr>
+                  </a:solidFill>
+                  <a:latin typeface="Segoe UI"/>
+                  <a:ea typeface="Kozuka Gothic Pro R" pitchFamily="34" charset="-128"/>
+                </a:rPr>
+                <a:t>(as a Service)</a:t>
+              </a:r>
+            </a:p>
+          </p:txBody>
+        </p:sp>
+        <p:sp>
+          <p:nvSpPr>
+            <p:cNvPr id="35" name="Left Brace 34"/>
+            <p:cNvSpPr/>
+            <p:nvPr/>
+          </p:nvSpPr>
+          <p:spPr>
+            <a:xfrm flipH="1">
+              <a:off x="8131739" y="3259131"/>
+              <a:ext cx="209580" cy="3122948"/>
+            </a:xfrm>
+            <a:prstGeom prst="leftBrace">
+              <a:avLst>
+                <a:gd name="adj1" fmla="val 0"/>
+                <a:gd name="adj2" fmla="val 50000"/>
+              </a:avLst>
+            </a:prstGeom>
+            <a:noFill/>
+            <a:ln w="19050" cap="flat" cmpd="sng" algn="ctr">
+              <a:solidFill>
+                <a:srgbClr val="00AEEF"/>
+              </a:solidFill>
+              <a:prstDash val="solid"/>
+            </a:ln>
+            <a:effectLst/>
+          </p:spPr>
+          <p:txBody>
+            <a:bodyPr rtlCol="0" anchor="ctr"/>
+            <a:lstStyle/>
+            <a:p>
+              <a:pPr algn="ctr" defTabSz="982985">
+                <a:defRPr/>
+              </a:pPr>
+              <a:endParaRPr lang="en-US" sz="1500" kern="0" dirty="0">
+                <a:solidFill>
+                  <a:srgbClr val="FFFFFF"/>
+                </a:solidFill>
+                <a:latin typeface="Segoe UI"/>
+                <a:ea typeface="Segoe UI" pitchFamily="34" charset="0"/>
+                <a:cs typeface="Segoe UI" pitchFamily="34" charset="0"/>
+              </a:endParaRPr>
+            </a:p>
+          </p:txBody>
+        </p:sp>
+        <p:sp>
+          <p:nvSpPr>
+            <p:cNvPr id="36" name="TextBox 54"/>
+            <p:cNvSpPr txBox="1"/>
+            <p:nvPr/>
+          </p:nvSpPr>
+          <p:spPr>
+            <a:xfrm flipH="1">
+              <a:off x="8236507" y="3873021"/>
+              <a:ext cx="449335" cy="1929558"/>
+            </a:xfrm>
+            <a:prstGeom prst="rect">
+              <a:avLst/>
+            </a:prstGeom>
+            <a:noFill/>
+          </p:spPr>
+          <p:txBody>
+            <a:bodyPr vert="eaVert" wrap="none" rtlCol="0">
+              <a:spAutoFit/>
+            </a:bodyPr>
+            <a:lstStyle>
+              <a:defPPr>
+                <a:defRPr lang="en-US"/>
+              </a:defPPr>
+              <a:lvl1pPr marL="0" algn="l" defTabSz="914400" rtl="0" eaLnBrk="1" latinLnBrk="0" hangingPunct="1">
+                <a:defRPr sz="1800" kern="1200">
+                  <a:solidFill>
+                    <a:schemeClr val="tx1"/>
+                  </a:solidFill>
+                  <a:latin typeface="+mn-lt"/>
+                  <a:ea typeface="+mn-ea"/>
+                  <a:cs typeface="+mn-cs"/>
+                </a:defRPr>
+              </a:lvl1pPr>
+              <a:lvl2pPr marL="457200" algn="l" defTabSz="914400" rtl="0" eaLnBrk="1" latinLnBrk="0" hangingPunct="1">
+                <a:defRPr sz="1800" kern="1200">
+                  <a:solidFill>
+                    <a:schemeClr val="tx1"/>
+                  </a:solidFill>
+                  <a:latin typeface="+mn-lt"/>
+                  <a:ea typeface="+mn-ea"/>
+                  <a:cs typeface="+mn-cs"/>
+                </a:defRPr>
+              </a:lvl2pPr>
+              <a:lvl3pPr marL="914400" algn="l" defTabSz="914400" rtl="0" eaLnBrk="1" latinLnBrk="0" hangingPunct="1">
+                <a:defRPr sz="1800" kern="1200">
+                  <a:solidFill>
+                    <a:schemeClr val="tx1"/>
+                  </a:solidFill>
+                  <a:latin typeface="+mn-lt"/>
+                  <a:ea typeface="+mn-ea"/>
+                  <a:cs typeface="+mn-cs"/>
+                </a:defRPr>
+              </a:lvl3pPr>
+              <a:lvl4pPr marL="1371600" algn="l" defTabSz="914400" rtl="0" eaLnBrk="1" latinLnBrk="0" hangingPunct="1">
+                <a:defRPr sz="1800" kern="1200">
+                  <a:solidFill>
+                    <a:schemeClr val="tx1"/>
+                  </a:solidFill>
+                  <a:latin typeface="+mn-lt"/>
+                  <a:ea typeface="+mn-ea"/>
+                  <a:cs typeface="+mn-cs"/>
+                </a:defRPr>
+              </a:lvl4pPr>
+              <a:lvl5pPr marL="1828800" algn="l" defTabSz="914400" rtl="0" eaLnBrk="1" latinLnBrk="0" hangingPunct="1">
+                <a:defRPr sz="1800" kern="1200">
+                  <a:solidFill>
+                    <a:schemeClr val="tx1"/>
+                  </a:solidFill>
+                  <a:latin typeface="+mn-lt"/>
+                  <a:ea typeface="+mn-ea"/>
+                  <a:cs typeface="+mn-cs"/>
+                </a:defRPr>
+              </a:lvl5pPr>
+              <a:lvl6pPr marL="2286000" algn="l" defTabSz="914400" rtl="0" eaLnBrk="1" latinLnBrk="0" hangingPunct="1">
+                <a:defRPr sz="1800" kern="1200">
+                  <a:solidFill>
+                    <a:schemeClr val="tx1"/>
+                  </a:solidFill>
+                  <a:latin typeface="+mn-lt"/>
+                  <a:ea typeface="+mn-ea"/>
+                  <a:cs typeface="+mn-cs"/>
+                </a:defRPr>
+              </a:lvl6pPr>
+              <a:lvl7pPr marL="2743200" algn="l" defTabSz="914400" rtl="0" eaLnBrk="1" latinLnBrk="0" hangingPunct="1">
+                <a:defRPr sz="1800" kern="1200">
+                  <a:solidFill>
+                    <a:schemeClr val="tx1"/>
+                  </a:solidFill>
+                  <a:latin typeface="+mn-lt"/>
+                  <a:ea typeface="+mn-ea"/>
+                  <a:cs typeface="+mn-cs"/>
+                </a:defRPr>
+              </a:lvl7pPr>
+              <a:lvl8pPr marL="3200400" algn="l" defTabSz="914400" rtl="0" eaLnBrk="1" latinLnBrk="0" hangingPunct="1">
+                <a:defRPr sz="1800" kern="1200">
+                  <a:solidFill>
+                    <a:schemeClr val="tx1"/>
+                  </a:solidFill>
+                  <a:latin typeface="+mn-lt"/>
+                  <a:ea typeface="+mn-ea"/>
+                  <a:cs typeface="+mn-cs"/>
+                </a:defRPr>
+              </a:lvl8pPr>
+              <a:lvl9pPr marL="3657600" algn="l" defTabSz="914400" rtl="0" eaLnBrk="1" latinLnBrk="0" hangingPunct="1">
+                <a:defRPr sz="1800" kern="1200">
+                  <a:solidFill>
+                    <a:schemeClr val="tx1"/>
+                  </a:solidFill>
+                  <a:latin typeface="+mn-lt"/>
+                  <a:ea typeface="+mn-ea"/>
+                  <a:cs typeface="+mn-cs"/>
+                </a:defRPr>
+              </a:lvl9pPr>
+            </a:lstStyle>
+            <a:p>
+              <a:pPr marL="0" lvl="1" algn="ctr" defTabSz="982905" fontAlgn="base">
+                <a:spcAft>
+                  <a:spcPct val="0"/>
+                </a:spcAft>
+                <a:defRPr/>
+              </a:pPr>
+              <a:r>
+                <a:rPr lang="en-US" sz="1100" dirty="0">
+                  <a:solidFill>
+                    <a:srgbClr val="595959">
+                      <a:alpha val="99000"/>
+                    </a:srgbClr>
+                  </a:solidFill>
+                  <a:latin typeface="Segoe UI"/>
+                  <a:ea typeface="Kozuka Gothic Pro R" pitchFamily="34" charset="-128"/>
+                </a:rPr>
+                <a:t>Managed by vendor</a:t>
+              </a:r>
+            </a:p>
+          </p:txBody>
+        </p:sp>
+        <p:sp>
+          <p:nvSpPr>
+            <p:cNvPr id="37" name="Left Brace 36"/>
+            <p:cNvSpPr/>
+            <p:nvPr/>
+          </p:nvSpPr>
+          <p:spPr>
+            <a:xfrm>
+              <a:off x="6322411" y="2335206"/>
+              <a:ext cx="152400" cy="847725"/>
+            </a:xfrm>
+            <a:prstGeom prst="leftBrace">
+              <a:avLst>
+                <a:gd name="adj1" fmla="val 0"/>
+                <a:gd name="adj2" fmla="val 50000"/>
+              </a:avLst>
+            </a:prstGeom>
+            <a:noFill/>
+            <a:ln w="19050" cap="flat" cmpd="sng" algn="ctr">
+              <a:solidFill>
+                <a:srgbClr val="00AEEF"/>
+              </a:solidFill>
+              <a:prstDash val="solid"/>
+            </a:ln>
+            <a:effectLst/>
+          </p:spPr>
+          <p:txBody>
+            <a:bodyPr rtlCol="0" anchor="ctr"/>
+            <a:lstStyle/>
+            <a:p>
+              <a:pPr algn="ctr" defTabSz="982985">
+                <a:defRPr/>
+              </a:pPr>
+              <a:endParaRPr lang="en-US" sz="1500" kern="0" dirty="0">
+                <a:solidFill>
+                  <a:srgbClr val="FFFFFF"/>
+                </a:solidFill>
+                <a:latin typeface="Segoe UI"/>
+                <a:ea typeface="Segoe UI" pitchFamily="34" charset="0"/>
+                <a:cs typeface="Segoe UI" pitchFamily="34" charset="0"/>
+              </a:endParaRPr>
+            </a:p>
+          </p:txBody>
+        </p:sp>
+        <p:sp>
+          <p:nvSpPr>
+            <p:cNvPr id="38" name="TextBox 60"/>
+            <p:cNvSpPr txBox="1"/>
+            <p:nvPr/>
+          </p:nvSpPr>
+          <p:spPr>
+            <a:xfrm>
+              <a:off x="5979422" y="2130047"/>
+              <a:ext cx="449335" cy="1251717"/>
+            </a:xfrm>
+            <a:prstGeom prst="rect">
+              <a:avLst/>
+            </a:prstGeom>
+            <a:noFill/>
+          </p:spPr>
+          <p:txBody>
+            <a:bodyPr vert="vert270" wrap="none" rtlCol="0">
+              <a:spAutoFit/>
+            </a:bodyPr>
+            <a:lstStyle>
+              <a:defPPr>
+                <a:defRPr lang="en-US"/>
+              </a:defPPr>
+              <a:lvl1pPr marL="0" algn="l" defTabSz="914400" rtl="0" eaLnBrk="1" latinLnBrk="0" hangingPunct="1">
+                <a:defRPr sz="1800" kern="1200">
+                  <a:solidFill>
+                    <a:schemeClr val="tx1"/>
+                  </a:solidFill>
+                  <a:latin typeface="+mn-lt"/>
+                  <a:ea typeface="+mn-ea"/>
+                  <a:cs typeface="+mn-cs"/>
+                </a:defRPr>
+              </a:lvl1pPr>
+              <a:lvl2pPr marL="457200" algn="l" defTabSz="914400" rtl="0" eaLnBrk="1" latinLnBrk="0" hangingPunct="1">
+                <a:defRPr sz="1800" kern="1200">
+                  <a:solidFill>
+                    <a:schemeClr val="tx1"/>
+                  </a:solidFill>
+                  <a:latin typeface="+mn-lt"/>
+                  <a:ea typeface="+mn-ea"/>
+                  <a:cs typeface="+mn-cs"/>
+                </a:defRPr>
+              </a:lvl2pPr>
+              <a:lvl3pPr marL="914400" algn="l" defTabSz="914400" rtl="0" eaLnBrk="1" latinLnBrk="0" hangingPunct="1">
+                <a:defRPr sz="1800" kern="1200">
+                  <a:solidFill>
+                    <a:schemeClr val="tx1"/>
+                  </a:solidFill>
+                  <a:latin typeface="+mn-lt"/>
+                  <a:ea typeface="+mn-ea"/>
+                  <a:cs typeface="+mn-cs"/>
+                </a:defRPr>
+              </a:lvl3pPr>
+              <a:lvl4pPr marL="1371600" algn="l" defTabSz="914400" rtl="0" eaLnBrk="1" latinLnBrk="0" hangingPunct="1">
+                <a:defRPr sz="1800" kern="1200">
+                  <a:solidFill>
+                    <a:schemeClr val="tx1"/>
+                  </a:solidFill>
+                  <a:latin typeface="+mn-lt"/>
+                  <a:ea typeface="+mn-ea"/>
+                  <a:cs typeface="+mn-cs"/>
+                </a:defRPr>
+              </a:lvl4pPr>
+              <a:lvl5pPr marL="1828800" algn="l" defTabSz="914400" rtl="0" eaLnBrk="1" latinLnBrk="0" hangingPunct="1">
+                <a:defRPr sz="1800" kern="1200">
+                  <a:solidFill>
+                    <a:schemeClr val="tx1"/>
+                  </a:solidFill>
+                  <a:latin typeface="+mn-lt"/>
+                  <a:ea typeface="+mn-ea"/>
+                  <a:cs typeface="+mn-cs"/>
+                </a:defRPr>
+              </a:lvl5pPr>
+              <a:lvl6pPr marL="2286000" algn="l" defTabSz="914400" rtl="0" eaLnBrk="1" latinLnBrk="0" hangingPunct="1">
+                <a:defRPr sz="1800" kern="1200">
+                  <a:solidFill>
+                    <a:schemeClr val="tx1"/>
+                  </a:solidFill>
+                  <a:latin typeface="+mn-lt"/>
+                  <a:ea typeface="+mn-ea"/>
+                  <a:cs typeface="+mn-cs"/>
+                </a:defRPr>
+              </a:lvl6pPr>
+              <a:lvl7pPr marL="2743200" algn="l" defTabSz="914400" rtl="0" eaLnBrk="1" latinLnBrk="0" hangingPunct="1">
+                <a:defRPr sz="1800" kern="1200">
+                  <a:solidFill>
+                    <a:schemeClr val="tx1"/>
+                  </a:solidFill>
+                  <a:latin typeface="+mn-lt"/>
+                  <a:ea typeface="+mn-ea"/>
+                  <a:cs typeface="+mn-cs"/>
+                </a:defRPr>
+              </a:lvl7pPr>
+              <a:lvl8pPr marL="3200400" algn="l" defTabSz="914400" rtl="0" eaLnBrk="1" latinLnBrk="0" hangingPunct="1">
+                <a:defRPr sz="1800" kern="1200">
+                  <a:solidFill>
+                    <a:schemeClr val="tx1"/>
+                  </a:solidFill>
+                  <a:latin typeface="+mn-lt"/>
+                  <a:ea typeface="+mn-ea"/>
+                  <a:cs typeface="+mn-cs"/>
+                </a:defRPr>
+              </a:lvl8pPr>
+              <a:lvl9pPr marL="3657600" algn="l" defTabSz="914400" rtl="0" eaLnBrk="1" latinLnBrk="0" hangingPunct="1">
+                <a:defRPr sz="1800" kern="1200">
+                  <a:solidFill>
+                    <a:schemeClr val="tx1"/>
+                  </a:solidFill>
+                  <a:latin typeface="+mn-lt"/>
+                  <a:ea typeface="+mn-ea"/>
+                  <a:cs typeface="+mn-cs"/>
+                </a:defRPr>
+              </a:lvl9pPr>
+            </a:lstStyle>
+            <a:p>
+              <a:pPr marL="0" lvl="1" algn="ctr" defTabSz="982905" fontAlgn="base">
+                <a:spcAft>
+                  <a:spcPct val="0"/>
+                </a:spcAft>
+                <a:defRPr/>
+              </a:pPr>
+              <a:r>
+                <a:rPr lang="en-US" sz="1100" dirty="0">
+                  <a:solidFill>
+                    <a:srgbClr val="595959">
+                      <a:alpha val="99000"/>
+                    </a:srgbClr>
+                  </a:solidFill>
+                  <a:latin typeface="Segoe UI"/>
+                  <a:ea typeface="Kozuka Gothic Pro R" pitchFamily="34" charset="-128"/>
+                </a:rPr>
+                <a:t>You manage</a:t>
+              </a:r>
+            </a:p>
+          </p:txBody>
+        </p:sp>
+        <p:sp>
+          <p:nvSpPr>
+            <p:cNvPr id="39" name="Rectangle 38"/>
+            <p:cNvSpPr/>
+            <p:nvPr/>
+          </p:nvSpPr>
+          <p:spPr>
+            <a:xfrm>
+              <a:off x="6484238" y="5537990"/>
+              <a:ext cx="1638240" cy="381000"/>
+            </a:xfrm>
+            <a:prstGeom prst="rect">
+              <a:avLst/>
+            </a:prstGeom>
+            <a:solidFill>
+              <a:srgbClr val="8CC600"/>
+            </a:solidFill>
+            <a:ln w="9525" cap="flat" cmpd="sng" algn="ctr">
+              <a:noFill/>
+              <a:prstDash val="solid"/>
+            </a:ln>
+            <a:effectLst/>
+          </p:spPr>
+          <p:txBody>
+            <a:bodyPr lIns="0" rIns="0" rtlCol="0" anchor="t" anchorCtr="0"/>
+            <a:lstStyle/>
+            <a:p>
+              <a:pPr algn="ctr" defTabSz="982985">
+                <a:defRPr/>
+              </a:pPr>
+              <a:r>
+                <a:rPr lang="en-US" sz="1200" kern="0" dirty="0">
+                  <a:solidFill>
+                    <a:srgbClr val="FFFFFF">
+                      <a:alpha val="99000"/>
+                    </a:srgbClr>
+                  </a:solidFill>
+                  <a:latin typeface="Segoe UI"/>
+                  <a:ea typeface="Segoe UI" pitchFamily="34" charset="0"/>
+                  <a:cs typeface="Segoe UI" pitchFamily="34" charset="0"/>
+                </a:rPr>
+                <a:t>Storage</a:t>
+              </a:r>
+            </a:p>
+          </p:txBody>
+        </p:sp>
+        <p:sp>
+          <p:nvSpPr>
+            <p:cNvPr id="40" name="Rectangle 39"/>
+            <p:cNvSpPr/>
+            <p:nvPr/>
+          </p:nvSpPr>
+          <p:spPr>
+            <a:xfrm>
+              <a:off x="6484238" y="5083171"/>
+              <a:ext cx="1638240" cy="381000"/>
+            </a:xfrm>
+            <a:prstGeom prst="rect">
+              <a:avLst/>
+            </a:prstGeom>
+            <a:solidFill>
+              <a:srgbClr val="8CC600"/>
+            </a:solidFill>
+            <a:ln w="9525" cap="flat" cmpd="sng" algn="ctr">
+              <a:noFill/>
+              <a:prstDash val="solid"/>
+            </a:ln>
+            <a:effectLst/>
+          </p:spPr>
+          <p:txBody>
+            <a:bodyPr lIns="0" rIns="0" rtlCol="0" anchor="t" anchorCtr="0"/>
+            <a:lstStyle/>
+            <a:p>
+              <a:pPr algn="ctr" defTabSz="982985">
+                <a:defRPr/>
+              </a:pPr>
+              <a:r>
+                <a:rPr lang="en-US" sz="1200" kern="0" dirty="0">
+                  <a:solidFill>
+                    <a:srgbClr val="FFFFFF">
+                      <a:alpha val="99000"/>
+                    </a:srgbClr>
+                  </a:solidFill>
+                  <a:latin typeface="Segoe UI"/>
+                  <a:ea typeface="Segoe UI" pitchFamily="34" charset="0"/>
+                  <a:cs typeface="Segoe UI" pitchFamily="34" charset="0"/>
+                </a:rPr>
+                <a:t>Servers</a:t>
+              </a:r>
+            </a:p>
+          </p:txBody>
+        </p:sp>
+        <p:sp>
+          <p:nvSpPr>
+            <p:cNvPr id="41" name="Rectangle 40"/>
+            <p:cNvSpPr/>
+            <p:nvPr/>
+          </p:nvSpPr>
+          <p:spPr>
+            <a:xfrm>
+              <a:off x="6484238" y="5992807"/>
+              <a:ext cx="1638240" cy="381000"/>
+            </a:xfrm>
+            <a:prstGeom prst="rect">
+              <a:avLst/>
+            </a:prstGeom>
+            <a:solidFill>
+              <a:srgbClr val="8CC600"/>
+            </a:solidFill>
+            <a:ln w="9525" cap="flat" cmpd="sng" algn="ctr">
+              <a:noFill/>
+              <a:prstDash val="solid"/>
+            </a:ln>
+            <a:effectLst/>
+          </p:spPr>
+          <p:txBody>
+            <a:bodyPr lIns="0" rIns="0" rtlCol="0" anchor="t" anchorCtr="0"/>
+            <a:lstStyle/>
+            <a:p>
+              <a:pPr algn="ctr" defTabSz="982985">
+                <a:defRPr/>
+              </a:pPr>
+              <a:r>
+                <a:rPr lang="en-US" sz="1200" kern="0" dirty="0">
+                  <a:solidFill>
+                    <a:srgbClr val="FFFFFF">
+                      <a:alpha val="99000"/>
+                    </a:srgbClr>
+                  </a:solidFill>
+                  <a:latin typeface="Segoe UI"/>
+                  <a:ea typeface="Segoe UI" pitchFamily="34" charset="0"/>
+                  <a:cs typeface="Segoe UI" pitchFamily="34" charset="0"/>
+                </a:rPr>
+                <a:t>Networking</a:t>
+              </a:r>
+            </a:p>
+          </p:txBody>
+        </p:sp>
+        <p:sp>
+          <p:nvSpPr>
+            <p:cNvPr id="42" name="Rectangle 41"/>
+            <p:cNvSpPr/>
+            <p:nvPr/>
+          </p:nvSpPr>
+          <p:spPr>
+            <a:xfrm>
+              <a:off x="6484238" y="4173533"/>
+              <a:ext cx="1638240" cy="381000"/>
+            </a:xfrm>
+            <a:prstGeom prst="rect">
+              <a:avLst/>
+            </a:prstGeom>
+            <a:solidFill>
+              <a:srgbClr val="8CC600"/>
+            </a:solidFill>
+            <a:ln w="9525" cap="flat" cmpd="sng" algn="ctr">
+              <a:noFill/>
+              <a:prstDash val="solid"/>
+            </a:ln>
+            <a:effectLst/>
+          </p:spPr>
+          <p:txBody>
+            <a:bodyPr lIns="0" rIns="0" rtlCol="0" anchor="t" anchorCtr="0"/>
+            <a:lstStyle/>
+            <a:p>
+              <a:pPr algn="ctr" defTabSz="982985">
+                <a:defRPr/>
+              </a:pPr>
+              <a:r>
+                <a:rPr lang="en-US" sz="1200" kern="0" dirty="0">
+                  <a:solidFill>
+                    <a:srgbClr val="FFFFFF">
+                      <a:alpha val="99000"/>
+                    </a:srgbClr>
+                  </a:solidFill>
+                  <a:latin typeface="Segoe UI"/>
+                  <a:ea typeface="Segoe UI" pitchFamily="34" charset="0"/>
+                  <a:cs typeface="Segoe UI" pitchFamily="34" charset="0"/>
+                </a:rPr>
+                <a:t>O/S</a:t>
+              </a:r>
+            </a:p>
+          </p:txBody>
+        </p:sp>
+        <p:sp>
+          <p:nvSpPr>
+            <p:cNvPr id="43" name="Rectangle 42"/>
+            <p:cNvSpPr/>
+            <p:nvPr/>
+          </p:nvSpPr>
+          <p:spPr>
+            <a:xfrm>
+              <a:off x="6484238" y="3718714"/>
+              <a:ext cx="1638240" cy="381000"/>
+            </a:xfrm>
+            <a:prstGeom prst="rect">
+              <a:avLst/>
+            </a:prstGeom>
+            <a:solidFill>
+              <a:srgbClr val="8CC600"/>
+            </a:solidFill>
+            <a:ln w="9525" cap="flat" cmpd="sng" algn="ctr">
+              <a:noFill/>
+              <a:prstDash val="solid"/>
+            </a:ln>
+            <a:effectLst/>
+          </p:spPr>
+          <p:txBody>
+            <a:bodyPr lIns="0" rIns="0" rtlCol="0" anchor="t" anchorCtr="0"/>
+            <a:lstStyle/>
+            <a:p>
+              <a:pPr algn="ctr" defTabSz="982985">
+                <a:defRPr/>
+              </a:pPr>
+              <a:r>
+                <a:rPr lang="en-US" sz="1200" kern="0" dirty="0">
+                  <a:solidFill>
+                    <a:srgbClr val="FFFFFF">
+                      <a:alpha val="99000"/>
+                    </a:srgbClr>
+                  </a:solidFill>
+                  <a:latin typeface="Segoe UI"/>
+                  <a:ea typeface="Segoe UI" pitchFamily="34" charset="0"/>
+                  <a:cs typeface="Segoe UI" pitchFamily="34" charset="0"/>
+                </a:rPr>
+                <a:t>Middleware</a:t>
+              </a:r>
+            </a:p>
+          </p:txBody>
+        </p:sp>
+        <p:sp>
+          <p:nvSpPr>
+            <p:cNvPr id="44" name="Rectangle 43"/>
+            <p:cNvSpPr/>
+            <p:nvPr/>
+          </p:nvSpPr>
+          <p:spPr>
+            <a:xfrm>
+              <a:off x="6484238" y="4628352"/>
+              <a:ext cx="1638240" cy="381000"/>
+            </a:xfrm>
+            <a:prstGeom prst="rect">
+              <a:avLst/>
+            </a:prstGeom>
+            <a:solidFill>
+              <a:srgbClr val="8CC600"/>
+            </a:solidFill>
+            <a:ln w="9525" cap="flat" cmpd="sng" algn="ctr">
+              <a:noFill/>
+              <a:prstDash val="solid"/>
+            </a:ln>
+            <a:effectLst/>
+          </p:spPr>
+          <p:txBody>
+            <a:bodyPr lIns="0" rIns="0" rtlCol="0" anchor="t" anchorCtr="0"/>
+            <a:lstStyle/>
+            <a:p>
+              <a:pPr algn="ctr" defTabSz="982985">
+                <a:defRPr/>
+              </a:pPr>
+              <a:r>
+                <a:rPr lang="en-US" sz="1200" kern="0" dirty="0">
+                  <a:solidFill>
+                    <a:srgbClr val="FFFFFF">
+                      <a:alpha val="99000"/>
+                    </a:srgbClr>
+                  </a:solidFill>
+                  <a:latin typeface="Segoe UI"/>
+                  <a:ea typeface="Segoe UI" pitchFamily="34" charset="0"/>
+                  <a:cs typeface="Segoe UI" pitchFamily="34" charset="0"/>
+                </a:rPr>
+                <a:t>Virtualization</a:t>
+              </a:r>
+            </a:p>
+          </p:txBody>
+        </p:sp>
+        <p:sp>
+          <p:nvSpPr>
+            <p:cNvPr id="45" name="Rectangle 44"/>
+            <p:cNvSpPr/>
+            <p:nvPr/>
+          </p:nvSpPr>
+          <p:spPr>
+            <a:xfrm>
+              <a:off x="6484238" y="2354257"/>
+              <a:ext cx="1638240" cy="381000"/>
+            </a:xfrm>
+            <a:prstGeom prst="rect">
+              <a:avLst/>
+            </a:prstGeom>
+            <a:solidFill>
+              <a:srgbClr val="FF8A00"/>
+            </a:solidFill>
+            <a:ln w="9525" cap="flat" cmpd="sng" algn="ctr">
+              <a:solidFill>
+                <a:srgbClr val="FFC000">
+                  <a:shade val="95000"/>
+                  <a:satMod val="105000"/>
+                </a:srgbClr>
+              </a:solidFill>
+              <a:prstDash val="solid"/>
+            </a:ln>
+            <a:effectLst/>
+          </p:spPr>
+          <p:txBody>
+            <a:bodyPr rtlCol="0" anchor="t" anchorCtr="0"/>
+            <a:lstStyle/>
+            <a:p>
+              <a:pPr algn="ctr" defTabSz="982985">
+                <a:defRPr/>
+              </a:pPr>
+              <a:r>
+                <a:rPr lang="en-US" sz="1200" kern="0" dirty="0">
+                  <a:solidFill>
+                    <a:srgbClr val="FFFFFF">
+                      <a:alpha val="99000"/>
+                    </a:srgbClr>
+                  </a:solidFill>
+                  <a:latin typeface="Segoe UI"/>
+                  <a:ea typeface="Segoe UI" pitchFamily="34" charset="0"/>
+                  <a:cs typeface="Segoe UI" pitchFamily="34" charset="0"/>
+                </a:rPr>
+                <a:t>Applications</a:t>
+              </a:r>
+            </a:p>
+          </p:txBody>
+        </p:sp>
+        <p:sp>
+          <p:nvSpPr>
+            <p:cNvPr id="46" name="Rectangle 45"/>
+            <p:cNvSpPr/>
+            <p:nvPr/>
+          </p:nvSpPr>
+          <p:spPr>
+            <a:xfrm>
+              <a:off x="6484238" y="3263895"/>
+              <a:ext cx="1638240" cy="381000"/>
+            </a:xfrm>
+            <a:prstGeom prst="rect">
+              <a:avLst/>
+            </a:prstGeom>
+            <a:solidFill>
+              <a:srgbClr val="8CC600"/>
+            </a:solidFill>
+            <a:ln w="9525" cap="flat" cmpd="sng" algn="ctr">
+              <a:noFill/>
+              <a:prstDash val="solid"/>
+            </a:ln>
+            <a:effectLst/>
+          </p:spPr>
+          <p:txBody>
+            <a:bodyPr lIns="0" rIns="0" rtlCol="0" anchor="t" anchorCtr="0"/>
+            <a:lstStyle/>
+            <a:p>
+              <a:pPr algn="ctr" defTabSz="982985">
+                <a:defRPr/>
+              </a:pPr>
+              <a:r>
+                <a:rPr lang="en-US" sz="1200" kern="0" dirty="0">
+                  <a:solidFill>
+                    <a:srgbClr val="FFFFFF">
+                      <a:alpha val="99000"/>
+                    </a:srgbClr>
+                  </a:solidFill>
+                  <a:latin typeface="Segoe UI"/>
+                  <a:ea typeface="Segoe UI" pitchFamily="34" charset="0"/>
+                  <a:cs typeface="Segoe UI" pitchFamily="34" charset="0"/>
+                </a:rPr>
+                <a:t>Runtime</a:t>
+              </a:r>
+            </a:p>
+          </p:txBody>
+        </p:sp>
+        <p:sp>
+          <p:nvSpPr>
+            <p:cNvPr id="47" name="Rectangle 46"/>
+            <p:cNvSpPr/>
+            <p:nvPr/>
+          </p:nvSpPr>
+          <p:spPr>
+            <a:xfrm>
+              <a:off x="6484238" y="2809076"/>
+              <a:ext cx="1638240" cy="381000"/>
+            </a:xfrm>
+            <a:prstGeom prst="rect">
+              <a:avLst/>
+            </a:prstGeom>
+            <a:solidFill>
+              <a:srgbClr val="FF8A00"/>
+            </a:solidFill>
+            <a:ln w="9525" cap="flat" cmpd="sng" algn="ctr">
+              <a:solidFill>
+                <a:srgbClr val="FFC000">
+                  <a:shade val="95000"/>
+                  <a:satMod val="105000"/>
+                </a:srgbClr>
+              </a:solidFill>
+              <a:prstDash val="solid"/>
+            </a:ln>
+            <a:effectLst/>
+          </p:spPr>
+          <p:txBody>
+            <a:bodyPr rtlCol="0" anchor="t" anchorCtr="0"/>
+            <a:lstStyle/>
+            <a:p>
+              <a:pPr algn="ctr" defTabSz="982985">
+                <a:defRPr/>
+              </a:pPr>
+              <a:r>
+                <a:rPr lang="en-US" sz="1200" kern="0" dirty="0">
+                  <a:solidFill>
+                    <a:srgbClr val="FFFFFF">
+                      <a:alpha val="99000"/>
+                    </a:srgbClr>
+                  </a:solidFill>
+                  <a:latin typeface="Segoe UI"/>
+                  <a:ea typeface="Segoe UI" pitchFamily="34" charset="0"/>
+                  <a:cs typeface="Segoe UI" pitchFamily="34" charset="0"/>
+                </a:rPr>
+                <a:t>Data</a:t>
+              </a:r>
+            </a:p>
+          </p:txBody>
+        </p:sp>
+      </p:grpSp>
+      <p:grpSp>
+        <p:nvGrpSpPr>
+          <p:cNvPr id="48" name="Group 47"/>
+          <p:cNvGrpSpPr/>
+          <p:nvPr/>
+        </p:nvGrpSpPr>
+        <p:grpSpPr>
+          <a:xfrm>
+            <a:off x="8892259" y="1690426"/>
+            <a:ext cx="1829915" cy="3359092"/>
+            <a:chOff x="8980831" y="1583373"/>
+            <a:chExt cx="2323096" cy="4798703"/>
+          </a:xfrm>
+        </p:grpSpPr>
+        <p:sp>
+          <p:nvSpPr>
+            <p:cNvPr id="49" name="Rectangle 48"/>
+            <p:cNvSpPr/>
+            <p:nvPr/>
+          </p:nvSpPr>
+          <p:spPr>
+            <a:xfrm>
+              <a:off x="8980831" y="1583373"/>
+              <a:ext cx="2028257" cy="640080"/>
+            </a:xfrm>
+            <a:prstGeom prst="rect">
+              <a:avLst/>
+            </a:prstGeom>
+            <a:noFill/>
+            <a:ln w="9525" cap="flat" cmpd="sng" algn="ctr">
+              <a:noFill/>
+              <a:prstDash val="solid"/>
+            </a:ln>
+            <a:effectLst/>
+          </p:spPr>
+          <p:txBody>
+            <a:bodyPr tIns="0" bIns="0" rtlCol="0" anchor="t" anchorCtr="0"/>
+            <a:lstStyle>
+              <a:defPPr>
+                <a:defRPr lang="en-US"/>
+              </a:defPPr>
+              <a:lvl1pPr marL="0" algn="l" defTabSz="914400" rtl="0" eaLnBrk="1" latinLnBrk="0" hangingPunct="1">
+                <a:defRPr sz="1800" kern="1200">
+                  <a:solidFill>
+                    <a:schemeClr val="lt1"/>
+                  </a:solidFill>
+                  <a:latin typeface="+mn-lt"/>
+                  <a:ea typeface="+mn-ea"/>
+                  <a:cs typeface="+mn-cs"/>
+                </a:defRPr>
+              </a:lvl1pPr>
+              <a:lvl2pPr marL="457200" algn="l" defTabSz="914400" rtl="0" eaLnBrk="1" latinLnBrk="0" hangingPunct="1">
+                <a:defRPr sz="1800" kern="1200">
+                  <a:solidFill>
+                    <a:schemeClr val="lt1"/>
+                  </a:solidFill>
+                  <a:latin typeface="+mn-lt"/>
+                  <a:ea typeface="+mn-ea"/>
+                  <a:cs typeface="+mn-cs"/>
+                </a:defRPr>
+              </a:lvl2pPr>
+              <a:lvl3pPr marL="914400" algn="l" defTabSz="914400" rtl="0" eaLnBrk="1" latinLnBrk="0" hangingPunct="1">
+                <a:defRPr sz="1800" kern="1200">
+                  <a:solidFill>
+                    <a:schemeClr val="lt1"/>
+                  </a:solidFill>
+                  <a:latin typeface="+mn-lt"/>
+                  <a:ea typeface="+mn-ea"/>
+                  <a:cs typeface="+mn-cs"/>
+                </a:defRPr>
+              </a:lvl3pPr>
+              <a:lvl4pPr marL="1371600" algn="l" defTabSz="914400" rtl="0" eaLnBrk="1" latinLnBrk="0" hangingPunct="1">
+                <a:defRPr sz="1800" kern="1200">
+                  <a:solidFill>
+                    <a:schemeClr val="lt1"/>
+                  </a:solidFill>
+                  <a:latin typeface="+mn-lt"/>
+                  <a:ea typeface="+mn-ea"/>
+                  <a:cs typeface="+mn-cs"/>
+                </a:defRPr>
+              </a:lvl4pPr>
+              <a:lvl5pPr marL="1828800" algn="l" defTabSz="914400" rtl="0" eaLnBrk="1" latinLnBrk="0" hangingPunct="1">
+                <a:defRPr sz="1800" kern="1200">
+                  <a:solidFill>
+                    <a:schemeClr val="lt1"/>
+                  </a:solidFill>
+                  <a:latin typeface="+mn-lt"/>
+                  <a:ea typeface="+mn-ea"/>
+                  <a:cs typeface="+mn-cs"/>
+                </a:defRPr>
+              </a:lvl5pPr>
+              <a:lvl6pPr marL="2286000" algn="l" defTabSz="914400" rtl="0" eaLnBrk="1" latinLnBrk="0" hangingPunct="1">
+                <a:defRPr sz="1800" kern="1200">
+                  <a:solidFill>
+                    <a:schemeClr val="lt1"/>
+                  </a:solidFill>
+                  <a:latin typeface="+mn-lt"/>
+                  <a:ea typeface="+mn-ea"/>
+                  <a:cs typeface="+mn-cs"/>
+                </a:defRPr>
+              </a:lvl6pPr>
+              <a:lvl7pPr marL="2743200" algn="l" defTabSz="914400" rtl="0" eaLnBrk="1" latinLnBrk="0" hangingPunct="1">
+                <a:defRPr sz="1800" kern="1200">
+                  <a:solidFill>
+                    <a:schemeClr val="lt1"/>
+                  </a:solidFill>
+                  <a:latin typeface="+mn-lt"/>
+                  <a:ea typeface="+mn-ea"/>
+                  <a:cs typeface="+mn-cs"/>
+                </a:defRPr>
+              </a:lvl7pPr>
+              <a:lvl8pPr marL="3200400" algn="l" defTabSz="914400" rtl="0" eaLnBrk="1" latinLnBrk="0" hangingPunct="1">
+                <a:defRPr sz="1800" kern="1200">
+                  <a:solidFill>
+                    <a:schemeClr val="lt1"/>
+                  </a:solidFill>
+                  <a:latin typeface="+mn-lt"/>
+                  <a:ea typeface="+mn-ea"/>
+                  <a:cs typeface="+mn-cs"/>
+                </a:defRPr>
+              </a:lvl8pPr>
+              <a:lvl9pPr marL="3657600" algn="l" defTabSz="914400" rtl="0" eaLnBrk="1" latinLnBrk="0" hangingPunct="1">
+                <a:defRPr sz="1800" kern="1200">
+                  <a:solidFill>
+                    <a:schemeClr val="lt1"/>
+                  </a:solidFill>
+                  <a:latin typeface="+mn-lt"/>
+                  <a:ea typeface="+mn-ea"/>
+                  <a:cs typeface="+mn-cs"/>
+                </a:defRPr>
+              </a:lvl9pPr>
+            </a:lstStyle>
+            <a:p>
+              <a:pPr marL="0" lvl="1" defTabSz="982905" fontAlgn="base">
+                <a:spcAft>
+                  <a:spcPct val="0"/>
+                </a:spcAft>
+                <a:defRPr/>
+              </a:pPr>
+              <a:r>
+                <a:rPr lang="en-US" sz="1300" dirty="0">
+                  <a:solidFill>
+                    <a:srgbClr val="595959">
+                      <a:alpha val="99000"/>
+                    </a:srgbClr>
+                  </a:solidFill>
+                  <a:latin typeface="Segoe UI"/>
+                  <a:ea typeface="Kozuka Gothic Pro R" pitchFamily="34" charset="-128"/>
+                </a:rPr>
+                <a:t>Software</a:t>
+              </a:r>
+            </a:p>
+            <a:p>
+              <a:pPr defTabSz="982985">
+                <a:defRPr/>
+              </a:pPr>
+              <a:r>
+                <a:rPr lang="en-US" sz="1600" dirty="0">
+                  <a:solidFill>
+                    <a:srgbClr val="595959">
+                      <a:alpha val="99000"/>
+                    </a:srgbClr>
+                  </a:solidFill>
+                  <a:latin typeface="Segoe UI"/>
+                  <a:ea typeface="Kozuka Gothic Pro R" pitchFamily="34" charset="-128"/>
+                </a:rPr>
+                <a:t>(as a Service)</a:t>
+              </a:r>
+            </a:p>
+          </p:txBody>
+        </p:sp>
+        <p:sp>
+          <p:nvSpPr>
+            <p:cNvPr id="50" name="Left Brace 49"/>
+            <p:cNvSpPr/>
+            <p:nvPr/>
+          </p:nvSpPr>
+          <p:spPr>
+            <a:xfrm flipH="1">
+              <a:off x="10688405" y="2335204"/>
+              <a:ext cx="200055" cy="4046872"/>
+            </a:xfrm>
+            <a:prstGeom prst="leftBrace">
+              <a:avLst>
+                <a:gd name="adj1" fmla="val 0"/>
+                <a:gd name="adj2" fmla="val 50000"/>
+              </a:avLst>
+            </a:prstGeom>
+            <a:noFill/>
+            <a:ln w="19050" cap="flat" cmpd="sng" algn="ctr">
+              <a:solidFill>
+                <a:srgbClr val="00AEEF"/>
+              </a:solidFill>
+              <a:prstDash val="solid"/>
+            </a:ln>
+            <a:effectLst/>
+          </p:spPr>
+          <p:txBody>
+            <a:bodyPr rtlCol="0" anchor="ctr"/>
+            <a:lstStyle/>
+            <a:p>
+              <a:pPr algn="ctr" defTabSz="982985">
+                <a:defRPr/>
+              </a:pPr>
+              <a:endParaRPr lang="en-US" sz="1500" kern="0" dirty="0">
+                <a:solidFill>
+                  <a:srgbClr val="FFFFFF"/>
+                </a:solidFill>
+                <a:latin typeface="Segoe UI"/>
+                <a:ea typeface="Segoe UI" pitchFamily="34" charset="0"/>
+                <a:cs typeface="Segoe UI" pitchFamily="34" charset="0"/>
+              </a:endParaRPr>
+            </a:p>
+          </p:txBody>
+        </p:sp>
+        <p:sp>
+          <p:nvSpPr>
+            <p:cNvPr id="51" name="TextBox 64"/>
+            <p:cNvSpPr txBox="1"/>
+            <p:nvPr/>
+          </p:nvSpPr>
+          <p:spPr>
+            <a:xfrm flipH="1">
+              <a:off x="10854593" y="3401116"/>
+              <a:ext cx="449334" cy="1929559"/>
+            </a:xfrm>
+            <a:prstGeom prst="rect">
+              <a:avLst/>
+            </a:prstGeom>
+            <a:noFill/>
+          </p:spPr>
+          <p:txBody>
+            <a:bodyPr vert="eaVert" wrap="none" rtlCol="0">
+              <a:spAutoFit/>
+            </a:bodyPr>
+            <a:lstStyle>
+              <a:defPPr>
+                <a:defRPr lang="en-US"/>
+              </a:defPPr>
+              <a:lvl1pPr marL="0" algn="l" defTabSz="914400" rtl="0" eaLnBrk="1" latinLnBrk="0" hangingPunct="1">
+                <a:defRPr sz="1800" kern="1200">
+                  <a:solidFill>
+                    <a:schemeClr val="tx1"/>
+                  </a:solidFill>
+                  <a:latin typeface="+mn-lt"/>
+                  <a:ea typeface="+mn-ea"/>
+                  <a:cs typeface="+mn-cs"/>
+                </a:defRPr>
+              </a:lvl1pPr>
+              <a:lvl2pPr marL="457200" algn="l" defTabSz="914400" rtl="0" eaLnBrk="1" latinLnBrk="0" hangingPunct="1">
+                <a:defRPr sz="1800" kern="1200">
+                  <a:solidFill>
+                    <a:schemeClr val="tx1"/>
+                  </a:solidFill>
+                  <a:latin typeface="+mn-lt"/>
+                  <a:ea typeface="+mn-ea"/>
+                  <a:cs typeface="+mn-cs"/>
+                </a:defRPr>
+              </a:lvl2pPr>
+              <a:lvl3pPr marL="914400" algn="l" defTabSz="914400" rtl="0" eaLnBrk="1" latinLnBrk="0" hangingPunct="1">
+                <a:defRPr sz="1800" kern="1200">
+                  <a:solidFill>
+                    <a:schemeClr val="tx1"/>
+                  </a:solidFill>
+                  <a:latin typeface="+mn-lt"/>
+                  <a:ea typeface="+mn-ea"/>
+                  <a:cs typeface="+mn-cs"/>
+                </a:defRPr>
+              </a:lvl3pPr>
+              <a:lvl4pPr marL="1371600" algn="l" defTabSz="914400" rtl="0" eaLnBrk="1" latinLnBrk="0" hangingPunct="1">
+                <a:defRPr sz="1800" kern="1200">
+                  <a:solidFill>
+                    <a:schemeClr val="tx1"/>
+                  </a:solidFill>
+                  <a:latin typeface="+mn-lt"/>
+                  <a:ea typeface="+mn-ea"/>
+                  <a:cs typeface="+mn-cs"/>
+                </a:defRPr>
+              </a:lvl4pPr>
+              <a:lvl5pPr marL="1828800" algn="l" defTabSz="914400" rtl="0" eaLnBrk="1" latinLnBrk="0" hangingPunct="1">
+                <a:defRPr sz="1800" kern="1200">
+                  <a:solidFill>
+                    <a:schemeClr val="tx1"/>
+                  </a:solidFill>
+                  <a:latin typeface="+mn-lt"/>
+                  <a:ea typeface="+mn-ea"/>
+                  <a:cs typeface="+mn-cs"/>
+                </a:defRPr>
+              </a:lvl5pPr>
+              <a:lvl6pPr marL="2286000" algn="l" defTabSz="914400" rtl="0" eaLnBrk="1" latinLnBrk="0" hangingPunct="1">
+                <a:defRPr sz="1800" kern="1200">
+                  <a:solidFill>
+                    <a:schemeClr val="tx1"/>
+                  </a:solidFill>
+                  <a:latin typeface="+mn-lt"/>
+                  <a:ea typeface="+mn-ea"/>
+                  <a:cs typeface="+mn-cs"/>
+                </a:defRPr>
+              </a:lvl6pPr>
+              <a:lvl7pPr marL="2743200" algn="l" defTabSz="914400" rtl="0" eaLnBrk="1" latinLnBrk="0" hangingPunct="1">
+                <a:defRPr sz="1800" kern="1200">
+                  <a:solidFill>
+                    <a:schemeClr val="tx1"/>
+                  </a:solidFill>
+                  <a:latin typeface="+mn-lt"/>
+                  <a:ea typeface="+mn-ea"/>
+                  <a:cs typeface="+mn-cs"/>
+                </a:defRPr>
+              </a:lvl7pPr>
+              <a:lvl8pPr marL="3200400" algn="l" defTabSz="914400" rtl="0" eaLnBrk="1" latinLnBrk="0" hangingPunct="1">
+                <a:defRPr sz="1800" kern="1200">
+                  <a:solidFill>
+                    <a:schemeClr val="tx1"/>
+                  </a:solidFill>
+                  <a:latin typeface="+mn-lt"/>
+                  <a:ea typeface="+mn-ea"/>
+                  <a:cs typeface="+mn-cs"/>
+                </a:defRPr>
+              </a:lvl8pPr>
+              <a:lvl9pPr marL="3657600" algn="l" defTabSz="914400" rtl="0" eaLnBrk="1" latinLnBrk="0" hangingPunct="1">
+                <a:defRPr sz="1800" kern="1200">
+                  <a:solidFill>
+                    <a:schemeClr val="tx1"/>
+                  </a:solidFill>
+                  <a:latin typeface="+mn-lt"/>
+                  <a:ea typeface="+mn-ea"/>
+                  <a:cs typeface="+mn-cs"/>
+                </a:defRPr>
+              </a:lvl9pPr>
+            </a:lstStyle>
+            <a:p>
+              <a:pPr marL="0" lvl="1" algn="ctr" defTabSz="982905" fontAlgn="base">
+                <a:spcAft>
+                  <a:spcPct val="0"/>
+                </a:spcAft>
+                <a:defRPr/>
+              </a:pPr>
+              <a:r>
+                <a:rPr lang="en-US" sz="1100" dirty="0">
+                  <a:solidFill>
+                    <a:srgbClr val="595959">
+                      <a:alpha val="99000"/>
+                    </a:srgbClr>
+                  </a:solidFill>
+                  <a:latin typeface="Segoe UI"/>
+                  <a:ea typeface="Kozuka Gothic Pro R" pitchFamily="34" charset="-128"/>
+                </a:rPr>
+                <a:t>Managed by vendor</a:t>
+              </a:r>
+            </a:p>
+          </p:txBody>
+        </p:sp>
+        <p:sp>
+          <p:nvSpPr>
+            <p:cNvPr id="52" name="Rectangle 51"/>
+            <p:cNvSpPr/>
+            <p:nvPr/>
+          </p:nvSpPr>
+          <p:spPr>
+            <a:xfrm>
+              <a:off x="9040806" y="5537987"/>
+              <a:ext cx="1638240" cy="381000"/>
+            </a:xfrm>
+            <a:prstGeom prst="rect">
+              <a:avLst/>
+            </a:prstGeom>
+            <a:solidFill>
+              <a:srgbClr val="8CC600"/>
+            </a:solidFill>
+            <a:ln w="9525" cap="flat" cmpd="sng" algn="ctr">
+              <a:noFill/>
+              <a:prstDash val="solid"/>
+            </a:ln>
+            <a:effectLst/>
+          </p:spPr>
+          <p:txBody>
+            <a:bodyPr lIns="0" rIns="0" rtlCol="0" anchor="t" anchorCtr="0"/>
+            <a:lstStyle/>
+            <a:p>
+              <a:pPr algn="ctr" defTabSz="982985">
+                <a:defRPr/>
+              </a:pPr>
+              <a:r>
+                <a:rPr lang="en-US" sz="1200" kern="0" dirty="0">
+                  <a:solidFill>
+                    <a:srgbClr val="FFFFFF">
+                      <a:alpha val="99000"/>
+                    </a:srgbClr>
+                  </a:solidFill>
+                  <a:latin typeface="Segoe UI"/>
+                  <a:ea typeface="Segoe UI" pitchFamily="34" charset="0"/>
+                  <a:cs typeface="Segoe UI" pitchFamily="34" charset="0"/>
+                </a:rPr>
+                <a:t>Storage</a:t>
+              </a:r>
+            </a:p>
+          </p:txBody>
+        </p:sp>
+        <p:sp>
+          <p:nvSpPr>
+            <p:cNvPr id="53" name="Rectangle 52"/>
+            <p:cNvSpPr/>
+            <p:nvPr/>
+          </p:nvSpPr>
+          <p:spPr>
+            <a:xfrm>
+              <a:off x="9040806" y="5083168"/>
+              <a:ext cx="1638240" cy="381000"/>
+            </a:xfrm>
+            <a:prstGeom prst="rect">
+              <a:avLst/>
+            </a:prstGeom>
+            <a:solidFill>
+              <a:srgbClr val="8CC600"/>
+            </a:solidFill>
+            <a:ln w="9525" cap="flat" cmpd="sng" algn="ctr">
+              <a:noFill/>
+              <a:prstDash val="solid"/>
+            </a:ln>
+            <a:effectLst/>
+          </p:spPr>
+          <p:txBody>
+            <a:bodyPr lIns="0" rIns="0" rtlCol="0" anchor="t" anchorCtr="0"/>
+            <a:lstStyle/>
+            <a:p>
+              <a:pPr algn="ctr" defTabSz="982985">
+                <a:defRPr/>
+              </a:pPr>
+              <a:r>
+                <a:rPr lang="en-US" sz="1200" kern="0" dirty="0">
+                  <a:solidFill>
+                    <a:srgbClr val="FFFFFF">
+                      <a:alpha val="99000"/>
+                    </a:srgbClr>
+                  </a:solidFill>
+                  <a:latin typeface="Segoe UI"/>
+                  <a:ea typeface="Segoe UI" pitchFamily="34" charset="0"/>
+                  <a:cs typeface="Segoe UI" pitchFamily="34" charset="0"/>
+                </a:rPr>
+                <a:t>Servers</a:t>
+              </a:r>
+            </a:p>
+          </p:txBody>
+        </p:sp>
+        <p:sp>
+          <p:nvSpPr>
+            <p:cNvPr id="54" name="Rectangle 53"/>
+            <p:cNvSpPr/>
+            <p:nvPr/>
+          </p:nvSpPr>
+          <p:spPr>
+            <a:xfrm>
+              <a:off x="9040806" y="5992804"/>
+              <a:ext cx="1638240" cy="381000"/>
+            </a:xfrm>
+            <a:prstGeom prst="rect">
+              <a:avLst/>
+            </a:prstGeom>
+            <a:solidFill>
+              <a:srgbClr val="8CC600"/>
+            </a:solidFill>
+            <a:ln w="9525" cap="flat" cmpd="sng" algn="ctr">
+              <a:noFill/>
+              <a:prstDash val="solid"/>
+            </a:ln>
+            <a:effectLst/>
+          </p:spPr>
+          <p:txBody>
+            <a:bodyPr lIns="0" rIns="0" rtlCol="0" anchor="t" anchorCtr="0"/>
+            <a:lstStyle/>
+            <a:p>
+              <a:pPr algn="ctr" defTabSz="982985">
+                <a:defRPr/>
+              </a:pPr>
+              <a:r>
+                <a:rPr lang="en-US" sz="1200" kern="0" dirty="0">
+                  <a:solidFill>
+                    <a:srgbClr val="FFFFFF">
+                      <a:alpha val="99000"/>
+                    </a:srgbClr>
+                  </a:solidFill>
+                  <a:latin typeface="Segoe UI"/>
+                  <a:ea typeface="Segoe UI" pitchFamily="34" charset="0"/>
+                  <a:cs typeface="Segoe UI" pitchFamily="34" charset="0"/>
+                </a:rPr>
+                <a:t>Networking</a:t>
+              </a:r>
+            </a:p>
+          </p:txBody>
+        </p:sp>
+        <p:sp>
+          <p:nvSpPr>
+            <p:cNvPr id="55" name="Rectangle 54"/>
+            <p:cNvSpPr/>
+            <p:nvPr/>
+          </p:nvSpPr>
+          <p:spPr>
+            <a:xfrm>
+              <a:off x="9040806" y="4173530"/>
+              <a:ext cx="1638240" cy="381000"/>
+            </a:xfrm>
+            <a:prstGeom prst="rect">
+              <a:avLst/>
+            </a:prstGeom>
+            <a:solidFill>
+              <a:srgbClr val="8CC600"/>
+            </a:solidFill>
+            <a:ln w="9525" cap="flat" cmpd="sng" algn="ctr">
+              <a:noFill/>
+              <a:prstDash val="solid"/>
+            </a:ln>
+            <a:effectLst/>
+          </p:spPr>
+          <p:txBody>
+            <a:bodyPr lIns="0" rIns="0" rtlCol="0" anchor="t" anchorCtr="0"/>
+            <a:lstStyle/>
+            <a:p>
+              <a:pPr algn="ctr" defTabSz="982985">
+                <a:defRPr/>
+              </a:pPr>
+              <a:r>
+                <a:rPr lang="en-US" sz="1200" kern="0" dirty="0">
+                  <a:solidFill>
+                    <a:srgbClr val="FFFFFF">
+                      <a:alpha val="99000"/>
+                    </a:srgbClr>
+                  </a:solidFill>
+                  <a:latin typeface="Segoe UI"/>
+                  <a:ea typeface="Segoe UI" pitchFamily="34" charset="0"/>
+                  <a:cs typeface="Segoe UI" pitchFamily="34" charset="0"/>
+                </a:rPr>
+                <a:t>O/S</a:t>
+              </a:r>
+            </a:p>
+          </p:txBody>
+        </p:sp>
+        <p:sp>
+          <p:nvSpPr>
+            <p:cNvPr id="56" name="Rectangle 55"/>
+            <p:cNvSpPr/>
+            <p:nvPr/>
+          </p:nvSpPr>
+          <p:spPr>
+            <a:xfrm>
+              <a:off x="9040806" y="3718711"/>
+              <a:ext cx="1638240" cy="381000"/>
+            </a:xfrm>
+            <a:prstGeom prst="rect">
+              <a:avLst/>
+            </a:prstGeom>
+            <a:solidFill>
+              <a:srgbClr val="8CC600"/>
+            </a:solidFill>
+            <a:ln w="9525" cap="flat" cmpd="sng" algn="ctr">
+              <a:noFill/>
+              <a:prstDash val="solid"/>
+            </a:ln>
+            <a:effectLst/>
+          </p:spPr>
+          <p:txBody>
+            <a:bodyPr lIns="0" rIns="0" rtlCol="0" anchor="t" anchorCtr="0"/>
+            <a:lstStyle/>
+            <a:p>
+              <a:pPr algn="ctr" defTabSz="982985">
+                <a:defRPr/>
+              </a:pPr>
+              <a:r>
+                <a:rPr lang="en-US" sz="1200" kern="0" dirty="0">
+                  <a:solidFill>
+                    <a:srgbClr val="FFFFFF">
+                      <a:alpha val="99000"/>
+                    </a:srgbClr>
+                  </a:solidFill>
+                  <a:latin typeface="Segoe UI"/>
+                  <a:ea typeface="Segoe UI" pitchFamily="34" charset="0"/>
+                  <a:cs typeface="Segoe UI" pitchFamily="34" charset="0"/>
+                </a:rPr>
+                <a:t>Middleware</a:t>
+              </a:r>
+            </a:p>
+          </p:txBody>
+        </p:sp>
+        <p:sp>
+          <p:nvSpPr>
+            <p:cNvPr id="57" name="Rectangle 56"/>
+            <p:cNvSpPr/>
+            <p:nvPr/>
+          </p:nvSpPr>
+          <p:spPr>
+            <a:xfrm>
+              <a:off x="9040806" y="4628349"/>
+              <a:ext cx="1638240" cy="381000"/>
+            </a:xfrm>
+            <a:prstGeom prst="rect">
+              <a:avLst/>
+            </a:prstGeom>
+            <a:solidFill>
+              <a:srgbClr val="8CC600"/>
+            </a:solidFill>
+            <a:ln w="9525" cap="flat" cmpd="sng" algn="ctr">
+              <a:noFill/>
+              <a:prstDash val="solid"/>
+            </a:ln>
+            <a:effectLst/>
+          </p:spPr>
+          <p:txBody>
+            <a:bodyPr lIns="0" rIns="0" rtlCol="0" anchor="t" anchorCtr="0"/>
+            <a:lstStyle/>
+            <a:p>
+              <a:pPr algn="ctr" defTabSz="982985">
+                <a:defRPr/>
+              </a:pPr>
+              <a:r>
+                <a:rPr lang="en-US" sz="1200" kern="0" dirty="0">
+                  <a:solidFill>
+                    <a:srgbClr val="FFFFFF">
+                      <a:alpha val="99000"/>
+                    </a:srgbClr>
+                  </a:solidFill>
+                  <a:latin typeface="Segoe UI"/>
+                  <a:ea typeface="Segoe UI" pitchFamily="34" charset="0"/>
+                  <a:cs typeface="Segoe UI" pitchFamily="34" charset="0"/>
+                </a:rPr>
+                <a:t>Virtualization</a:t>
+              </a:r>
+            </a:p>
+          </p:txBody>
+        </p:sp>
+        <p:sp>
+          <p:nvSpPr>
+            <p:cNvPr id="58" name="Rectangle 57"/>
+            <p:cNvSpPr/>
+            <p:nvPr/>
+          </p:nvSpPr>
+          <p:spPr>
+            <a:xfrm>
+              <a:off x="9040806" y="2354254"/>
+              <a:ext cx="1638240" cy="381000"/>
+            </a:xfrm>
+            <a:prstGeom prst="rect">
+              <a:avLst/>
+            </a:prstGeom>
+            <a:solidFill>
+              <a:srgbClr val="8CC600"/>
+            </a:solidFill>
+            <a:ln w="9525" cap="flat" cmpd="sng" algn="ctr">
+              <a:noFill/>
+              <a:prstDash val="solid"/>
+            </a:ln>
+            <a:effectLst/>
+          </p:spPr>
+          <p:txBody>
+            <a:bodyPr lIns="0" rIns="0" rtlCol="0" anchor="t" anchorCtr="0"/>
+            <a:lstStyle/>
+            <a:p>
+              <a:pPr algn="ctr" defTabSz="982985">
+                <a:defRPr/>
+              </a:pPr>
+              <a:r>
+                <a:rPr lang="en-US" sz="1200" kern="0" dirty="0">
+                  <a:solidFill>
+                    <a:srgbClr val="FFFFFF">
+                      <a:alpha val="99000"/>
+                    </a:srgbClr>
+                  </a:solidFill>
+                  <a:latin typeface="Segoe UI"/>
+                  <a:ea typeface="Segoe UI" pitchFamily="34" charset="0"/>
+                  <a:cs typeface="Segoe UI" pitchFamily="34" charset="0"/>
+                </a:rPr>
+                <a:t>Applications</a:t>
+              </a:r>
+            </a:p>
+          </p:txBody>
+        </p:sp>
+        <p:sp>
+          <p:nvSpPr>
+            <p:cNvPr id="59" name="Rectangle 58"/>
+            <p:cNvSpPr/>
+            <p:nvPr/>
+          </p:nvSpPr>
+          <p:spPr>
+            <a:xfrm>
+              <a:off x="9040806" y="3263892"/>
+              <a:ext cx="1638240" cy="381000"/>
+            </a:xfrm>
+            <a:prstGeom prst="rect">
+              <a:avLst/>
+            </a:prstGeom>
+            <a:solidFill>
+              <a:srgbClr val="8CC600"/>
+            </a:solidFill>
+            <a:ln w="9525" cap="flat" cmpd="sng" algn="ctr">
+              <a:noFill/>
+              <a:prstDash val="solid"/>
+            </a:ln>
+            <a:effectLst/>
+          </p:spPr>
+          <p:txBody>
+            <a:bodyPr lIns="0" rIns="0" rtlCol="0" anchor="t" anchorCtr="0"/>
+            <a:lstStyle/>
+            <a:p>
+              <a:pPr algn="ctr" defTabSz="982985">
+                <a:defRPr/>
+              </a:pPr>
+              <a:r>
+                <a:rPr lang="en-US" sz="1200" kern="0" dirty="0">
+                  <a:solidFill>
+                    <a:srgbClr val="FFFFFF">
+                      <a:alpha val="99000"/>
+                    </a:srgbClr>
+                  </a:solidFill>
+                  <a:latin typeface="Segoe UI"/>
+                  <a:ea typeface="Segoe UI" pitchFamily="34" charset="0"/>
+                  <a:cs typeface="Segoe UI" pitchFamily="34" charset="0"/>
+                </a:rPr>
+                <a:t>Runtime</a:t>
+              </a:r>
+            </a:p>
+          </p:txBody>
+        </p:sp>
+        <p:sp>
+          <p:nvSpPr>
+            <p:cNvPr id="60" name="Rectangle 59"/>
+            <p:cNvSpPr/>
+            <p:nvPr/>
+          </p:nvSpPr>
+          <p:spPr>
+            <a:xfrm>
+              <a:off x="9040806" y="2809073"/>
+              <a:ext cx="1638240" cy="381000"/>
+            </a:xfrm>
+            <a:prstGeom prst="rect">
+              <a:avLst/>
+            </a:prstGeom>
+            <a:solidFill>
+              <a:srgbClr val="8CC600"/>
+            </a:solidFill>
+            <a:ln w="9525" cap="flat" cmpd="sng" algn="ctr">
+              <a:noFill/>
+              <a:prstDash val="solid"/>
+            </a:ln>
+            <a:effectLst/>
+          </p:spPr>
+          <p:txBody>
+            <a:bodyPr lIns="0" rIns="0" rtlCol="0" anchor="t" anchorCtr="0"/>
+            <a:lstStyle/>
+            <a:p>
+              <a:pPr algn="ctr" defTabSz="982985">
+                <a:defRPr/>
+              </a:pPr>
+              <a:r>
+                <a:rPr lang="en-US" sz="1200" kern="0" dirty="0">
+                  <a:solidFill>
+                    <a:srgbClr val="FFFFFF">
+                      <a:alpha val="99000"/>
+                    </a:srgbClr>
+                  </a:solidFill>
+                  <a:latin typeface="Segoe UI"/>
+                  <a:ea typeface="Segoe UI" pitchFamily="34" charset="0"/>
+                  <a:cs typeface="Segoe UI" pitchFamily="34" charset="0"/>
+                </a:rPr>
+                <a:t>Data</a:t>
+              </a:r>
+            </a:p>
+          </p:txBody>
+        </p:sp>
+      </p:grpSp>
+      <p:pic>
+        <p:nvPicPr>
+          <p:cNvPr id="61" name="Picture 11" descr="Cloud 512x512.png"/>
+          <p:cNvPicPr>
+            <a:picLocks noChangeAspect="1"/>
+          </p:cNvPicPr>
+          <p:nvPr/>
+        </p:nvPicPr>
+        <p:blipFill>
+          <a:blip r:embed="rId2" cstate="print">
+            <a:duotone>
+              <a:prstClr val="black"/>
+              <a:srgbClr val="292929">
+                <a:tint val="45000"/>
+                <a:satMod val="400000"/>
+              </a:srgbClr>
+            </a:duotone>
+            <a:extLst>
+              <a:ext uri="{28A0092B-C50C-407E-A947-70E740481C1C}">
+                <a14:useLocalDpi xmlns:a14="http://schemas.microsoft.com/office/drawing/2010/main" val="0"/>
+              </a:ext>
+            </a:extLst>
+          </a:blip>
+          <a:srcRect/>
+          <a:stretch>
+            <a:fillRect/>
+          </a:stretch>
+        </p:blipFill>
+        <p:spPr bwMode="auto">
+          <a:xfrm>
+            <a:off x="4026355" y="4512174"/>
+            <a:ext cx="798815" cy="709873"/>
+          </a:xfrm>
+          <a:prstGeom prst="rect">
+            <a:avLst/>
+          </a:prstGeom>
+          <a:noFill/>
+          <a:ln>
+            <a:noFill/>
+          </a:ln>
+          <a:effectLst/>
+          <a:extLst>
+            <a:ext uri="{909E8E84-426E-40DD-AFC4-6F175D3DCCD1}">
+              <a14:hiddenFill xmlns:a14="http://schemas.microsoft.com/office/drawing/2010/main">
+                <a:solidFill>
+                  <a:srgbClr val="FFFFFF"/>
+                </a:solidFill>
+              </a14:hiddenFill>
+            </a:ext>
+            <a:ext uri="{91240B29-F687-4F45-9708-019B960494DF}">
+              <a14:hiddenLine xmlns:a14="http://schemas.microsoft.com/office/drawing/2010/main" w="12700" cap="flat" cmpd="sng">
+                <a:solidFill>
+                  <a:srgbClr val="000000"/>
+                </a:solidFill>
+                <a:prstDash val="solid"/>
+                <a:miter lim="0"/>
+                <a:headEnd type="none" w="med" len="med"/>
+                <a:tailEnd type="none" w="med" len="med"/>
+              </a14:hiddenLine>
+            </a:ext>
+            <a:ext uri="{AF507438-7753-43E0-B8FC-AC1667EBCBE1}">
+              <a14:hiddenEffects xmlns:a14="http://schemas.microsoft.com/office/drawing/2010/main">
+                <a:effectLst>
+                  <a:outerShdw dist="35921" dir="2700000" algn="ctr" rotWithShape="0">
+                    <a:srgbClr val="808080"/>
+                  </a:outerShdw>
+                </a:effectLst>
+              </a14:hiddenEffects>
+            </a:ext>
+          </a:extLst>
+        </p:spPr>
+      </p:pic>
+      <p:pic>
+        <p:nvPicPr>
+          <p:cNvPr id="62" name="Picture 12" descr="Gift 512x512.png"/>
+          <p:cNvPicPr>
+            <a:picLocks noChangeAspect="1"/>
+          </p:cNvPicPr>
+          <p:nvPr/>
+        </p:nvPicPr>
+        <p:blipFill>
+          <a:blip r:embed="rId3" cstate="print">
+            <a:duotone>
+              <a:prstClr val="black"/>
+              <a:srgbClr val="292929">
+                <a:tint val="45000"/>
+                <a:satMod val="400000"/>
+              </a:srgbClr>
+            </a:duotone>
+            <a:extLst>
+              <a:ext uri="{28A0092B-C50C-407E-A947-70E740481C1C}">
+                <a14:useLocalDpi xmlns:a14="http://schemas.microsoft.com/office/drawing/2010/main" val="0"/>
+              </a:ext>
+            </a:extLst>
+          </a:blip>
+          <a:srcRect/>
+          <a:stretch>
+            <a:fillRect/>
+          </a:stretch>
+        </p:blipFill>
+        <p:spPr bwMode="auto">
+          <a:xfrm>
+            <a:off x="1730963" y="4518994"/>
+            <a:ext cx="635105" cy="564391"/>
+          </a:xfrm>
+          <a:prstGeom prst="rect">
+            <a:avLst/>
+          </a:prstGeom>
+          <a:noFill/>
+          <a:ln>
+            <a:noFill/>
+          </a:ln>
+          <a:effectLst/>
+          <a:extLst>
+            <a:ext uri="{909E8E84-426E-40DD-AFC4-6F175D3DCCD1}">
+              <a14:hiddenFill xmlns:a14="http://schemas.microsoft.com/office/drawing/2010/main">
+                <a:solidFill>
+                  <a:srgbClr val="FFFFFF"/>
+                </a:solidFill>
+              </a14:hiddenFill>
+            </a:ext>
+            <a:ext uri="{91240B29-F687-4F45-9708-019B960494DF}">
+              <a14:hiddenLine xmlns:a14="http://schemas.microsoft.com/office/drawing/2010/main" w="12700" cap="flat" cmpd="sng">
+                <a:solidFill>
+                  <a:srgbClr val="000000"/>
+                </a:solidFill>
+                <a:prstDash val="solid"/>
+                <a:miter lim="0"/>
+                <a:headEnd type="none" w="med" len="med"/>
+                <a:tailEnd type="none" w="med" len="med"/>
+              </a14:hiddenLine>
+            </a:ext>
+            <a:ext uri="{AF507438-7753-43E0-B8FC-AC1667EBCBE1}">
+              <a14:hiddenEffects xmlns:a14="http://schemas.microsoft.com/office/drawing/2010/main">
+                <a:effectLst>
+                  <a:outerShdw dist="35921" dir="2700000" algn="ctr" rotWithShape="0">
+                    <a:srgbClr val="808080"/>
+                  </a:outerShdw>
+                </a:effectLst>
+              </a14:hiddenEffects>
+            </a:ext>
+          </a:extLst>
+        </p:spPr>
+      </p:pic>
+      <p:sp>
+        <p:nvSpPr>
+          <p:cNvPr id="63" name="Rectangle 62"/>
+          <p:cNvSpPr/>
+          <p:nvPr/>
+        </p:nvSpPr>
+        <p:spPr bwMode="auto">
+          <a:xfrm flipH="1">
+            <a:off x="1635979" y="1538660"/>
+            <a:ext cx="2328060" cy="3597905"/>
+          </a:xfrm>
+          <a:prstGeom prst="rect">
+            <a:avLst/>
+          </a:prstGeom>
+          <a:noFill/>
+          <a:ln w="9525" cap="flat" cmpd="sng" algn="ctr">
+            <a:solidFill>
+              <a:srgbClr val="FFFFFF">
+                <a:lumMod val="85000"/>
+              </a:srgbClr>
+            </a:solidFill>
+            <a:prstDash val="solid"/>
+            <a:headEnd type="none" w="med" len="med"/>
+            <a:tailEnd type="none" w="med" len="med"/>
+          </a:ln>
+          <a:effectLst/>
+        </p:spPr>
+        <p:txBody>
+          <a:bodyPr vert="horz" wrap="square" lIns="73710" tIns="36856" rIns="73710" bIns="36856" numCol="1" spcCol="0" rtlCol="0" anchor="ctr" anchorCtr="0" compatLnSpc="1">
+            <a:prstTxWarp prst="textNoShape">
+              <a:avLst/>
+            </a:prstTxWarp>
+          </a:bodyPr>
+          <a:lstStyle/>
+          <a:p>
+            <a:pPr algn="ctr" defTabSz="736904" fontAlgn="base">
+              <a:spcBef>
+                <a:spcPct val="0"/>
+              </a:spcBef>
+              <a:spcAft>
+                <a:spcPct val="0"/>
+              </a:spcAft>
+              <a:defRPr/>
+            </a:pPr>
+            <a:endParaRPr lang="en-US" sz="1700" kern="0" dirty="0">
+              <a:gradFill>
+                <a:gsLst>
+                  <a:gs pos="0">
+                    <a:srgbClr val="FFFFFF"/>
+                  </a:gs>
+                  <a:gs pos="100000">
+                    <a:srgbClr val="FFFFFF"/>
+                  </a:gs>
+                </a:gsLst>
+                <a:lin ang="5400000" scaled="0"/>
+              </a:gradFill>
+              <a:latin typeface="Segoe UI"/>
+            </a:endParaRPr>
+          </a:p>
+        </p:txBody>
+      </p:sp>
+      <p:sp>
+        <p:nvSpPr>
+          <p:cNvPr id="2" name="TextBox 1"/>
+          <p:cNvSpPr txBox="1"/>
+          <p:nvPr/>
+        </p:nvSpPr>
+        <p:spPr>
+          <a:xfrm>
+            <a:off x="9089427" y="5250440"/>
+            <a:ext cx="990600" cy="627864"/>
+          </a:xfrm>
+          <a:prstGeom prst="rect">
+            <a:avLst/>
+          </a:prstGeom>
+          <a:noFill/>
+        </p:spPr>
+        <p:txBody>
+          <a:bodyPr wrap="square" lIns="182880" tIns="146304" rIns="182880" bIns="146304" rtlCol="0">
+            <a:spAutoFit/>
+          </a:bodyPr>
+          <a:lstStyle/>
+          <a:p>
+            <a:pPr>
+              <a:lnSpc>
+                <a:spcPct val="90000"/>
+              </a:lnSpc>
+              <a:spcAft>
+                <a:spcPts val="600"/>
+              </a:spcAft>
+            </a:pPr>
+            <a:r>
+              <a:rPr lang="en-US" sz="2400" dirty="0">
+                <a:gradFill>
+                  <a:gsLst>
+                    <a:gs pos="2917">
+                      <a:schemeClr val="tx1"/>
+                    </a:gs>
+                    <a:gs pos="30000">
+                      <a:schemeClr val="tx1"/>
+                    </a:gs>
+                  </a:gsLst>
+                  <a:lin ang="5400000" scaled="0"/>
+                </a:gradFill>
+              </a:rPr>
+              <a:t>Taxi</a:t>
+            </a:r>
+          </a:p>
+        </p:txBody>
+      </p:sp>
+      <p:sp>
+        <p:nvSpPr>
+          <p:cNvPr id="64" name="TextBox 63"/>
+          <p:cNvSpPr txBox="1"/>
+          <p:nvPr/>
+        </p:nvSpPr>
+        <p:spPr>
+          <a:xfrm>
+            <a:off x="7018756" y="5294363"/>
+            <a:ext cx="1265832" cy="960263"/>
+          </a:xfrm>
+          <a:prstGeom prst="rect">
+            <a:avLst/>
+          </a:prstGeom>
+          <a:noFill/>
+        </p:spPr>
+        <p:txBody>
+          <a:bodyPr wrap="square" lIns="182880" tIns="146304" rIns="182880" bIns="146304" rtlCol="0">
+            <a:spAutoFit/>
+          </a:bodyPr>
+          <a:lstStyle/>
+          <a:p>
+            <a:pPr algn="ctr">
+              <a:lnSpc>
+                <a:spcPct val="90000"/>
+              </a:lnSpc>
+              <a:spcAft>
+                <a:spcPts val="600"/>
+              </a:spcAft>
+            </a:pPr>
+            <a:r>
+              <a:rPr lang="en-US" sz="2400" dirty="0">
+                <a:gradFill>
+                  <a:gsLst>
+                    <a:gs pos="2917">
+                      <a:schemeClr val="tx1"/>
+                    </a:gs>
+                    <a:gs pos="30000">
+                      <a:schemeClr val="tx1"/>
+                    </a:gs>
+                  </a:gsLst>
+                  <a:lin ang="5400000" scaled="0"/>
+                </a:gradFill>
+              </a:rPr>
+              <a:t>Rental Car</a:t>
+            </a:r>
+          </a:p>
+        </p:txBody>
+      </p:sp>
+      <p:sp>
+        <p:nvSpPr>
+          <p:cNvPr id="65" name="TextBox 64"/>
+          <p:cNvSpPr txBox="1"/>
+          <p:nvPr/>
+        </p:nvSpPr>
+        <p:spPr>
+          <a:xfrm>
+            <a:off x="5062156" y="5294362"/>
+            <a:ext cx="990600" cy="960263"/>
+          </a:xfrm>
+          <a:prstGeom prst="rect">
+            <a:avLst/>
+          </a:prstGeom>
+          <a:noFill/>
+        </p:spPr>
+        <p:txBody>
+          <a:bodyPr wrap="square" lIns="182880" tIns="146304" rIns="182880" bIns="146304" rtlCol="0">
+            <a:spAutoFit/>
+          </a:bodyPr>
+          <a:lstStyle/>
+          <a:p>
+            <a:pPr algn="ctr">
+              <a:lnSpc>
+                <a:spcPct val="90000"/>
+              </a:lnSpc>
+              <a:spcAft>
+                <a:spcPts val="600"/>
+              </a:spcAft>
+            </a:pPr>
+            <a:r>
+              <a:rPr lang="en-US" sz="2400" dirty="0">
+                <a:gradFill>
+                  <a:gsLst>
+                    <a:gs pos="2917">
+                      <a:schemeClr val="tx1"/>
+                    </a:gs>
+                    <a:gs pos="30000">
+                      <a:schemeClr val="tx1"/>
+                    </a:gs>
+                  </a:gsLst>
+                  <a:lin ang="5400000" scaled="0"/>
+                </a:gradFill>
+              </a:rPr>
+              <a:t>Your Car</a:t>
             </a:r>
           </a:p>
         </p:txBody>
@@ -16410,7 +22086,7 @@
     </p:spTree>
     <p:extLst>
       <p:ext uri="{BB962C8B-B14F-4D97-AF65-F5344CB8AC3E}">
-        <p14:creationId xmlns:p14="http://schemas.microsoft.com/office/powerpoint/2010/main" val="2385084200"/>
+        <p14:creationId xmlns:p14="http://schemas.microsoft.com/office/powerpoint/2010/main" val="1038235739"/>
       </p:ext>
     </p:extLst>
   </p:cSld>
@@ -16426,6 +22102,61 @@
 <file path=ppt/slides/slide7.xml><?xml version="1.0" encoding="utf-8"?>
 <p:sld xmlns:a="http://schemas.openxmlformats.org/drawingml/2006/main" xmlns:r="http://schemas.openxmlformats.org/officeDocument/2006/relationships" xmlns:p="http://schemas.openxmlformats.org/presentationml/2006/main">
   <p:cSld>
+    <p:bg>
+      <p:bgPr>
+        <a:blipFill dpi="0" rotWithShape="1">
+          <a:blip r:embed="rId2">
+            <a:lum/>
+          </a:blip>
+          <a:srcRect/>
+          <a:stretch>
+            <a:fillRect/>
+          </a:stretch>
+        </a:blipFill>
+        <a:effectLst/>
+      </p:bgPr>
+    </p:bg>
+    <p:spTree>
+      <p:nvGrpSpPr>
+        <p:cNvPr id="1" name=""/>
+        <p:cNvGrpSpPr/>
+        <p:nvPr/>
+      </p:nvGrpSpPr>
+      <p:grpSpPr>
+        <a:xfrm>
+          <a:off x="0" y="0"/>
+          <a:ext cx="0" cy="0"/>
+          <a:chOff x="0" y="0"/>
+          <a:chExt cx="0" cy="0"/>
+        </a:xfrm>
+      </p:grpSpPr>
+    </p:spTree>
+    <p:extLst>
+      <p:ext uri="{BB962C8B-B14F-4D97-AF65-F5344CB8AC3E}">
+        <p14:creationId xmlns:p14="http://schemas.microsoft.com/office/powerpoint/2010/main" val="3098531518"/>
+      </p:ext>
+    </p:extLst>
+  </p:cSld>
+  <p:clrMapOvr>
+    <a:masterClrMapping/>
+  </p:clrMapOvr>
+  <p:transition>
+    <p:fade/>
+  </p:transition>
+</p:sld>
+</file>
+
+<file path=ppt/slides/slide8.xml><?xml version="1.0" encoding="utf-8"?>
+<p:sld xmlns:a="http://schemas.openxmlformats.org/drawingml/2006/main" xmlns:r="http://schemas.openxmlformats.org/officeDocument/2006/relationships" xmlns:p="http://schemas.openxmlformats.org/presentationml/2006/main">
+  <p:cSld>
+    <p:bg>
+      <p:bgPr>
+        <a:solidFill>
+          <a:schemeClr val="accent1"/>
+        </a:solidFill>
+        <a:effectLst/>
+      </p:bgPr>
+    </p:bg>
     <p:spTree>
       <p:nvGrpSpPr>
         <p:cNvPr id="1" name=""/>
@@ -16442,37 +22173,7 @@
       </p:grpSpPr>
       <p:sp>
         <p:nvSpPr>
-          <p:cNvPr id="2" name="Text Placeholder 1"/>
-          <p:cNvSpPr>
-            <a:spLocks noGrp="1"/>
-          </p:cNvSpPr>
-          <p:nvPr>
-            <p:ph type="body" sz="quarter" idx="10"/>
-          </p:nvPr>
-        </p:nvSpPr>
-        <p:spPr>
-          <a:xfrm>
-            <a:off x="274638" y="1200150"/>
-            <a:ext cx="11887200" cy="1969770"/>
-          </a:xfrm>
-        </p:spPr>
-        <p:txBody>
-          <a:bodyPr/>
-          <a:lstStyle/>
-          <a:p>
-            <a:r>
-              <a:rPr lang="en-US" dirty="0"/>
-              <a:t>Azure Functions supports an event based on a timer using CRON job syntax. </a:t>
-            </a:r>
-          </a:p>
-          <a:p>
-            <a:endParaRPr lang="en-US" dirty="0"/>
-          </a:p>
-        </p:txBody>
-      </p:sp>
-      <p:sp>
-        <p:nvSpPr>
-          <p:cNvPr id="3" name="Title 2"/>
+          <p:cNvPr id="4" name="Title 3"/>
           <p:cNvSpPr>
             <a:spLocks noGrp="1"/>
           </p:cNvSpPr>
@@ -16487,14 +22188,21 @@
           <a:p>
             <a:r>
               <a:rPr lang="en-US" dirty="0"/>
-              <a:t>Timer-based processing</a:t>
+              <a:t>What is a </a:t>
+            </a:r>
+            <a:br>
+              <a:rPr lang="en-US" dirty="0"/>
+            </a:br>
+            <a:r>
+              <a:rPr lang="en-US" dirty="0"/>
+              <a:t>Function?</a:t>
             </a:r>
           </a:p>
         </p:txBody>
       </p:sp>
       <p:pic>
         <p:nvPicPr>
-          <p:cNvPr id="5" name="Picture 4"/>
+          <p:cNvPr id="6" name="Picture 5"/>
           <p:cNvPicPr>
             <a:picLocks noChangeAspect="1"/>
           </p:cNvPicPr>
@@ -16508,24 +22216,147 @@
         </p:blipFill>
         <p:spPr>
           <a:xfrm>
-            <a:off x="1189037" y="3497262"/>
-            <a:ext cx="10042814" cy="2554241"/>
+            <a:off x="5532438" y="296862"/>
+            <a:ext cx="6629400" cy="6569133"/>
           </a:xfrm>
           <a:prstGeom prst="rect">
             <a:avLst/>
           </a:prstGeom>
-          <a:solidFill>
-            <a:schemeClr val="tx1"/>
-          </a:solidFill>
-          <a:effectLst>
-            <a:softEdge rad="0"/>
-          </a:effectLst>
         </p:spPr>
       </p:pic>
+      <p:sp>
+        <p:nvSpPr>
+          <p:cNvPr id="7" name="TextBox 6"/>
+          <p:cNvSpPr txBox="1"/>
+          <p:nvPr/>
+        </p:nvSpPr>
+        <p:spPr>
+          <a:xfrm>
+            <a:off x="268859" y="6257626"/>
+            <a:ext cx="10485119" cy="489365"/>
+          </a:xfrm>
+          <a:prstGeom prst="rect">
+            <a:avLst/>
+          </a:prstGeom>
+          <a:noFill/>
+        </p:spPr>
+        <p:txBody>
+          <a:bodyPr wrap="square" lIns="182880" tIns="146304" rIns="182880" bIns="146304" rtlCol="0">
+            <a:spAutoFit/>
+          </a:bodyPr>
+          <a:lstStyle/>
+          <a:p>
+            <a:pPr>
+              <a:lnSpc>
+                <a:spcPct val="90000"/>
+              </a:lnSpc>
+              <a:spcAft>
+                <a:spcPts val="600"/>
+              </a:spcAft>
+            </a:pPr>
+            <a:r>
+              <a:rPr lang="en-US" sz="1400" dirty="0">
+                <a:gradFill>
+                  <a:gsLst>
+                    <a:gs pos="2917">
+                      <a:schemeClr val="tx1"/>
+                    </a:gs>
+                    <a:gs pos="30000">
+                      <a:schemeClr val="tx1"/>
+                    </a:gs>
+                  </a:gsLst>
+                  <a:lin ang="5400000" scaled="0"/>
+                </a:gradFill>
+              </a:rPr>
+              <a:t>Image Source: https://en.wikipedia.org/wiki/Function_(mathematics)</a:t>
+            </a:r>
+          </a:p>
+        </p:txBody>
+      </p:sp>
+      <p:pic>
+        <p:nvPicPr>
+          <p:cNvPr id="8" name="Picture 7"/>
+          <p:cNvPicPr>
+            <a:picLocks noChangeAspect="1"/>
+          </p:cNvPicPr>
+          <p:nvPr/>
+        </p:nvPicPr>
+        <p:blipFill>
+          <a:blip r:embed="rId3" cstate="print">
+            <a:extLst>
+              <a:ext uri="{28A0092B-C50C-407E-A947-70E740481C1C}">
+                <a14:useLocalDpi xmlns:a14="http://schemas.microsoft.com/office/drawing/2010/main" val="0"/>
+              </a:ext>
+            </a:extLst>
+          </a:blip>
+          <a:stretch>
+            <a:fillRect/>
+          </a:stretch>
+        </p:blipFill>
+        <p:spPr>
+          <a:xfrm>
+            <a:off x="9022256" y="525462"/>
+            <a:ext cx="1026254" cy="1026254"/>
+          </a:xfrm>
+          <a:prstGeom prst="rect">
+            <a:avLst/>
+          </a:prstGeom>
+        </p:spPr>
+      </p:pic>
+      <p:sp>
+        <p:nvSpPr>
+          <p:cNvPr id="9" name="TextBox 8"/>
+          <p:cNvSpPr txBox="1"/>
+          <p:nvPr/>
+        </p:nvSpPr>
+        <p:spPr>
+          <a:xfrm>
+            <a:off x="9781276" y="490870"/>
+            <a:ext cx="2099229" cy="849463"/>
+          </a:xfrm>
+          <a:prstGeom prst="rect">
+            <a:avLst/>
+          </a:prstGeom>
+          <a:noFill/>
+        </p:spPr>
+        <p:txBody>
+          <a:bodyPr wrap="none" lIns="182880" tIns="146304" rIns="182880" bIns="146304" rtlCol="0">
+            <a:spAutoFit/>
+          </a:bodyPr>
+          <a:lstStyle/>
+          <a:p>
+            <a:pPr>
+              <a:lnSpc>
+                <a:spcPct val="90000"/>
+              </a:lnSpc>
+              <a:spcAft>
+                <a:spcPts val="600"/>
+              </a:spcAft>
+            </a:pPr>
+            <a:r>
+              <a:rPr lang="en-US" sz="4000" b="1" dirty="0">
+                <a:solidFill>
+                  <a:schemeClr val="bg1">
+                    <a:lumMod val="50000"/>
+                  </a:schemeClr>
+                </a:solidFill>
+              </a:rPr>
+              <a:t>Trigger</a:t>
+            </a:r>
+            <a:endParaRPr lang="en-US" sz="2400" b="1" dirty="0">
+              <a:solidFill>
+                <a:schemeClr val="bg1">
+                  <a:lumMod val="50000"/>
+                </a:schemeClr>
+              </a:solidFill>
+            </a:endParaRPr>
+          </a:p>
+        </p:txBody>
+      </p:sp>
     </p:spTree>
     <p:extLst>
       <p:ext uri="{BB962C8B-B14F-4D97-AF65-F5344CB8AC3E}">
-        <p14:creationId xmlns:p14="http://schemas.microsoft.com/office/powerpoint/2010/main" val="860417897"/>
+        <p14:creationId xmlns:p14="http://schemas.microsoft.com/office/powerpoint/2010/main" val="2037227594"/>
       </p:ext>
     </p:extLst>
   </p:cSld>
@@ -16535,115 +22366,187 @@
   <p:transition>
     <p:fade/>
   </p:transition>
-</p:sld>
-</file>
-
-<file path=ppt/slides/slide8.xml><?xml version="1.0" encoding="utf-8"?>
-<p:sld xmlns:a="http://schemas.openxmlformats.org/drawingml/2006/main" xmlns:r="http://schemas.openxmlformats.org/officeDocument/2006/relationships" xmlns:p="http://schemas.openxmlformats.org/presentationml/2006/main">
-  <p:cSld>
-    <p:spTree>
-      <p:nvGrpSpPr>
-        <p:cNvPr id="1" name=""/>
-        <p:cNvGrpSpPr/>
-        <p:nvPr/>
-      </p:nvGrpSpPr>
-      <p:grpSpPr>
-        <a:xfrm>
-          <a:off x="0" y="0"/>
-          <a:ext cx="0" cy="0"/>
-          <a:chOff x="0" y="0"/>
-          <a:chExt cx="0" cy="0"/>
-        </a:xfrm>
-      </p:grpSpPr>
-      <p:sp>
-        <p:nvSpPr>
-          <p:cNvPr id="2" name="Text Placeholder 1"/>
-          <p:cNvSpPr>
-            <a:spLocks noGrp="1"/>
-          </p:cNvSpPr>
-          <p:nvPr>
-            <p:ph type="body" sz="quarter" idx="10"/>
-          </p:nvPr>
-        </p:nvSpPr>
-        <p:spPr>
-          <a:xfrm>
-            <a:off x="274638" y="1212850"/>
-            <a:ext cx="11887200" cy="1292662"/>
-          </a:xfrm>
-        </p:spPr>
-        <p:txBody>
-          <a:bodyPr/>
-          <a:lstStyle/>
-          <a:p>
-            <a:r>
-              <a:rPr lang="en-US" dirty="0"/>
-              <a:t>Azure Functions supports triggering an event based on an activity in an Azure service. </a:t>
-            </a:r>
-          </a:p>
-        </p:txBody>
-      </p:sp>
-      <p:sp>
-        <p:nvSpPr>
-          <p:cNvPr id="3" name="Title 2"/>
-          <p:cNvSpPr>
-            <a:spLocks noGrp="1"/>
-          </p:cNvSpPr>
-          <p:nvPr>
-            <p:ph type="title"/>
-          </p:nvPr>
-        </p:nvSpPr>
-        <p:spPr/>
-        <p:txBody>
-          <a:bodyPr/>
-          <a:lstStyle/>
-          <a:p>
-            <a:r>
-              <a:rPr lang="en-US" dirty="0"/>
-              <a:t>Azure service event processing</a:t>
-            </a:r>
-          </a:p>
-        </p:txBody>
-      </p:sp>
-      <p:pic>
-        <p:nvPicPr>
-          <p:cNvPr id="5" name="Picture 4"/>
-          <p:cNvPicPr>
-            <a:picLocks noChangeAspect="1"/>
-          </p:cNvPicPr>
-          <p:nvPr/>
-        </p:nvPicPr>
-        <p:blipFill>
-          <a:blip r:embed="rId2"/>
-          <a:stretch>
-            <a:fillRect/>
-          </a:stretch>
-        </p:blipFill>
-        <p:spPr>
-          <a:xfrm>
-            <a:off x="1564868" y="2887662"/>
-            <a:ext cx="9306739" cy="3492178"/>
-          </a:xfrm>
-          <a:prstGeom prst="rect">
-            <a:avLst/>
-          </a:prstGeom>
-          <a:solidFill>
-            <a:schemeClr val="tx1"/>
-          </a:solidFill>
-        </p:spPr>
-      </p:pic>
-    </p:spTree>
-    <p:extLst>
-      <p:ext uri="{BB962C8B-B14F-4D97-AF65-F5344CB8AC3E}">
-        <p14:creationId xmlns:p14="http://schemas.microsoft.com/office/powerpoint/2010/main" val="1625760430"/>
-      </p:ext>
-    </p:extLst>
-  </p:cSld>
-  <p:clrMapOvr>
-    <a:masterClrMapping/>
-  </p:clrMapOvr>
-  <p:transition>
-    <p:fade/>
-  </p:transition>
+  <p:timing>
+    <p:tnLst>
+      <p:par>
+        <p:cTn id="1" dur="indefinite" restart="never" nodeType="tmRoot">
+          <p:childTnLst>
+            <p:seq concurrent="1" nextAc="seek">
+              <p:cTn id="2" dur="indefinite" nodeType="mainSeq">
+                <p:childTnLst>
+                  <p:par>
+                    <p:cTn id="3" fill="hold">
+                      <p:stCondLst>
+                        <p:cond delay="indefinite"/>
+                        <p:cond evt="onBegin" delay="0">
+                          <p:tn val="2"/>
+                        </p:cond>
+                      </p:stCondLst>
+                      <p:childTnLst>
+                        <p:par>
+                          <p:cTn id="4" fill="hold">
+                            <p:stCondLst>
+                              <p:cond delay="0"/>
+                            </p:stCondLst>
+                            <p:childTnLst>
+                              <p:par>
+                                <p:cTn id="5" presetID="2" presetClass="entr" presetSubtype="2" fill="hold" nodeType="withEffect">
+                                  <p:stCondLst>
+                                    <p:cond delay="0"/>
+                                  </p:stCondLst>
+                                  <p:childTnLst>
+                                    <p:set>
+                                      <p:cBhvr>
+                                        <p:cTn id="6" dur="1" fill="hold">
+                                          <p:stCondLst>
+                                            <p:cond delay="0"/>
+                                          </p:stCondLst>
+                                        </p:cTn>
+                                        <p:tgtEl>
+                                          <p:spTgt spid="8"/>
+                                        </p:tgtEl>
+                                        <p:attrNameLst>
+                                          <p:attrName>style.visibility</p:attrName>
+                                        </p:attrNameLst>
+                                      </p:cBhvr>
+                                      <p:to>
+                                        <p:strVal val="visible"/>
+                                      </p:to>
+                                    </p:set>
+                                    <p:anim calcmode="lin" valueType="num">
+                                      <p:cBhvr additive="base">
+                                        <p:cTn id="7" dur="500" fill="hold"/>
+                                        <p:tgtEl>
+                                          <p:spTgt spid="8"/>
+                                        </p:tgtEl>
+                                        <p:attrNameLst>
+                                          <p:attrName>ppt_x</p:attrName>
+                                        </p:attrNameLst>
+                                      </p:cBhvr>
+                                      <p:tavLst>
+                                        <p:tav tm="0">
+                                          <p:val>
+                                            <p:strVal val="1+#ppt_w/2"/>
+                                          </p:val>
+                                        </p:tav>
+                                        <p:tav tm="100000">
+                                          <p:val>
+                                            <p:strVal val="#ppt_x"/>
+                                          </p:val>
+                                        </p:tav>
+                                      </p:tavLst>
+                                    </p:anim>
+                                    <p:anim calcmode="lin" valueType="num">
+                                      <p:cBhvr additive="base">
+                                        <p:cTn id="8" dur="500" fill="hold"/>
+                                        <p:tgtEl>
+                                          <p:spTgt spid="8"/>
+                                        </p:tgtEl>
+                                        <p:attrNameLst>
+                                          <p:attrName>ppt_y</p:attrName>
+                                        </p:attrNameLst>
+                                      </p:cBhvr>
+                                      <p:tavLst>
+                                        <p:tav tm="0">
+                                          <p:val>
+                                            <p:strVal val="#ppt_y"/>
+                                          </p:val>
+                                        </p:tav>
+                                        <p:tav tm="100000">
+                                          <p:val>
+                                            <p:strVal val="#ppt_y"/>
+                                          </p:val>
+                                        </p:tav>
+                                      </p:tavLst>
+                                    </p:anim>
+                                  </p:childTnLst>
+                                </p:cTn>
+                              </p:par>
+                              <p:par>
+                                <p:cTn id="9" presetID="42" presetClass="path" presetSubtype="0" accel="50000" decel="50000" fill="hold" nodeType="withEffect">
+                                  <p:stCondLst>
+                                    <p:cond delay="0"/>
+                                  </p:stCondLst>
+                                  <p:childTnLst>
+                                    <p:animMotion origin="layout" path="M 1.66667E-6 4.44444E-6 L -0.16003 -0.00093 " pathEditMode="relative" rAng="0" ptsTypes="AA">
+                                      <p:cBhvr>
+                                        <p:cTn id="10" dur="2000" fill="hold"/>
+                                        <p:tgtEl>
+                                          <p:spTgt spid="8"/>
+                                        </p:tgtEl>
+                                        <p:attrNameLst>
+                                          <p:attrName>ppt_x</p:attrName>
+                                          <p:attrName>ppt_y</p:attrName>
+                                        </p:attrNameLst>
+                                      </p:cBhvr>
+                                      <p:rCtr x="-8008" y="-46"/>
+                                    </p:animMotion>
+                                  </p:childTnLst>
+                                </p:cTn>
+                              </p:par>
+                              <p:par>
+                                <p:cTn id="11" presetID="10" presetClass="exit" presetSubtype="0" fill="hold" nodeType="withEffect">
+                                  <p:stCondLst>
+                                    <p:cond delay="0"/>
+                                  </p:stCondLst>
+                                  <p:childTnLst>
+                                    <p:animEffect transition="out" filter="fade">
+                                      <p:cBhvr>
+                                        <p:cTn id="12" dur="500"/>
+                                        <p:tgtEl>
+                                          <p:spTgt spid="8"/>
+                                        </p:tgtEl>
+                                      </p:cBhvr>
+                                    </p:animEffect>
+                                    <p:set>
+                                      <p:cBhvr>
+                                        <p:cTn id="13" dur="1" fill="hold">
+                                          <p:stCondLst>
+                                            <p:cond delay="499"/>
+                                          </p:stCondLst>
+                                        </p:cTn>
+                                        <p:tgtEl>
+                                          <p:spTgt spid="8"/>
+                                        </p:tgtEl>
+                                        <p:attrNameLst>
+                                          <p:attrName>style.visibility</p:attrName>
+                                        </p:attrNameLst>
+                                      </p:cBhvr>
+                                      <p:to>
+                                        <p:strVal val="hidden"/>
+                                      </p:to>
+                                    </p:set>
+                                  </p:childTnLst>
+                                </p:cTn>
+                              </p:par>
+                            </p:childTnLst>
+                          </p:cTn>
+                        </p:par>
+                      </p:childTnLst>
+                    </p:cTn>
+                  </p:par>
+                </p:childTnLst>
+              </p:cTn>
+              <p:prevCondLst>
+                <p:cond evt="onPrev" delay="0">
+                  <p:tgtEl>
+                    <p:sldTgt/>
+                  </p:tgtEl>
+                </p:cond>
+              </p:prevCondLst>
+              <p:nextCondLst>
+                <p:cond evt="onNext" delay="0">
+                  <p:tgtEl>
+                    <p:sldTgt/>
+                  </p:tgtEl>
+                </p:cond>
+              </p:nextCondLst>
+            </p:seq>
+          </p:childTnLst>
+        </p:cTn>
+      </p:par>
+    </p:tnLst>
+  </p:timing>
 </p:sld>
 </file>
 
@@ -16666,34 +22569,7 @@
       </p:grpSpPr>
       <p:sp>
         <p:nvSpPr>
-          <p:cNvPr id="2" name="Text Placeholder 1"/>
-          <p:cNvSpPr>
-            <a:spLocks noGrp="1"/>
-          </p:cNvSpPr>
-          <p:nvPr>
-            <p:ph type="body" sz="quarter" idx="10"/>
-          </p:nvPr>
-        </p:nvSpPr>
-        <p:spPr>
-          <a:xfrm>
-            <a:off x="274638" y="1212850"/>
-            <a:ext cx="11887200" cy="1292662"/>
-          </a:xfrm>
-        </p:spPr>
-        <p:txBody>
-          <a:bodyPr/>
-          <a:lstStyle/>
-          <a:p>
-            <a:r>
-              <a:rPr lang="en-US" dirty="0"/>
-              <a:t>Azure Functions supports triggers based on activity in a SaaS service. </a:t>
-            </a:r>
-          </a:p>
-        </p:txBody>
-      </p:sp>
-      <p:sp>
-        <p:nvSpPr>
-          <p:cNvPr id="3" name="Title 2"/>
+          <p:cNvPr id="4" name="Title 3"/>
           <p:cNvSpPr>
             <a:spLocks noGrp="1"/>
           </p:cNvSpPr>
@@ -16708,42 +22584,15 @@
           <a:p>
             <a:r>
               <a:rPr lang="en-US" dirty="0"/>
-              <a:t>SaaS event processing </a:t>
+              <a:t>Common Scenarios</a:t>
             </a:r>
           </a:p>
         </p:txBody>
       </p:sp>
-      <p:pic>
-        <p:nvPicPr>
-          <p:cNvPr id="5" name="Picture 4"/>
-          <p:cNvPicPr>
-            <a:picLocks noChangeAspect="1"/>
-          </p:cNvPicPr>
-          <p:nvPr/>
-        </p:nvPicPr>
-        <p:blipFill>
-          <a:blip r:embed="rId2"/>
-          <a:stretch>
-            <a:fillRect/>
-          </a:stretch>
-        </p:blipFill>
-        <p:spPr>
-          <a:xfrm>
-            <a:off x="1479382" y="2735262"/>
-            <a:ext cx="9477711" cy="3569528"/>
-          </a:xfrm>
-          <a:prstGeom prst="rect">
-            <a:avLst/>
-          </a:prstGeom>
-          <a:solidFill>
-            <a:schemeClr val="tx1"/>
-          </a:solidFill>
-        </p:spPr>
-      </p:pic>
     </p:spTree>
     <p:extLst>
       <p:ext uri="{BB962C8B-B14F-4D97-AF65-F5344CB8AC3E}">
-        <p14:creationId xmlns:p14="http://schemas.microsoft.com/office/powerpoint/2010/main" val="972877335"/>
+        <p14:creationId xmlns:p14="http://schemas.microsoft.com/office/powerpoint/2010/main" val="2385084200"/>
       </p:ext>
     </p:extLst>
   </p:cSld>
@@ -17617,15 +23466,6 @@
 </file>
 
 <file path=customXml/item1.xml><?xml version="1.0" encoding="utf-8"?>
-<?mso-contentType ?>
-<FormTemplates xmlns="http://schemas.microsoft.com/sharepoint/v3/contenttype/forms">
-  <Display>DocumentLibraryForm</Display>
-  <Edit>DocumentLibraryForm</Edit>
-  <New>DocumentLibraryForm</New>
-</FormTemplates>
-</file>
-
-<file path=customXml/item2.xml><?xml version="1.0" encoding="utf-8"?>
 <ct:contentTypeSchema xmlns:ct="http://schemas.microsoft.com/office/2006/metadata/contentType" xmlns:ma="http://schemas.microsoft.com/office/2006/metadata/properties/metaAttributes" ct:_="" ma:_="" ma:contentTypeName="PresentationsDoc" ma:contentTypeID="0x01010046EBBE4F454C2C47A5E89CD935B1FC7800E83BCD34BAE21044A0567CF64FDFDE54" ma:contentTypeVersion="8" ma:contentTypeDescription="Create a new document." ma:contentTypeScope="" ma:versionID="943be92678b93f1250d47552b750dfa9">
   <xsd:schema xmlns:xsd="http://www.w3.org/2001/XMLSchema" xmlns:xs="http://www.w3.org/2001/XMLSchema" xmlns:p="http://schemas.microsoft.com/office/2006/metadata/properties" xmlns:ns1="http://schemas.microsoft.com/sharepoint/v3" xmlns:ns2="12a172fe-0250-434a-85cf-03b10810c5e5" xmlns:ns3="230e9df3-be65-4c73-a93b-d1236ebd677e" targetNamespace="http://schemas.microsoft.com/office/2006/metadata/properties" ma:root="true" ma:fieldsID="64ca87391a03306b6b97ef1cc1392d96" ns1:_="" ns2:_="" ns3:_="">
     <xsd:import namespace="http://schemas.microsoft.com/sharepoint/v3"/>
@@ -17981,6 +23821,15 @@
 </ct:contentTypeSchema>
 </file>
 
+<file path=customXml/item2.xml><?xml version="1.0" encoding="utf-8"?>
+<?mso-contentType ?>
+<FormTemplates xmlns="http://schemas.microsoft.com/sharepoint/v3/contenttype/forms">
+  <Display>DocumentLibraryForm</Display>
+  <Edit>DocumentLibraryForm</Edit>
+  <New>DocumentLibraryForm</New>
+</FormTemplates>
+</file>
+
 <file path=customXml/item3.xml><?xml version="1.0" encoding="utf-8"?>
 <p:properties xmlns:p="http://schemas.microsoft.com/office/2006/metadata/properties" xmlns:xsi="http://www.w3.org/2001/XMLSchema-instance" xmlns:pc="http://schemas.microsoft.com/office/infopath/2007/PartnerControls">
   <documentManagement>
@@ -18069,14 +23918,6 @@
 </file>
 
 <file path=customXml/itemProps1.xml><?xml version="1.0" encoding="utf-8"?>
-<ds:datastoreItem xmlns:ds="http://schemas.openxmlformats.org/officeDocument/2006/customXml" ds:itemID="{758FDAC0-319D-4A54-8D8E-1D42CB1F8004}">
-  <ds:schemaRefs>
-    <ds:schemaRef ds:uri="http://schemas.microsoft.com/sharepoint/v3/contenttype/forms"/>
-  </ds:schemaRefs>
-</ds:datastoreItem>
-</file>
-
-<file path=customXml/itemProps2.xml><?xml version="1.0" encoding="utf-8"?>
 <ds:datastoreItem xmlns:ds="http://schemas.openxmlformats.org/officeDocument/2006/customXml" ds:itemID="{5EC5AA3F-E919-43C0-B577-19D8FA24B9C2}">
   <ds:schemaRefs>
     <ds:schemaRef ds:uri="http://schemas.microsoft.com/office/2006/metadata/contentType"/>
@@ -18092,6 +23933,14 @@
     <ds:schemaRef ds:uri="http://purl.org/dc/elements/1.1/"/>
     <ds:schemaRef ds:uri="http://purl.org/dc/terms/"/>
     <ds:schemaRef ds:uri="http://schemas.microsoft.com/internal/obd"/>
+  </ds:schemaRefs>
+</ds:datastoreItem>
+</file>
+
+<file path=customXml/itemProps2.xml><?xml version="1.0" encoding="utf-8"?>
+<ds:datastoreItem xmlns:ds="http://schemas.openxmlformats.org/officeDocument/2006/customXml" ds:itemID="{758FDAC0-319D-4A54-8D8E-1D42CB1F8004}">
+  <ds:schemaRefs>
+    <ds:schemaRef ds:uri="http://schemas.microsoft.com/sharepoint/v3/contenttype/forms"/>
   </ds:schemaRefs>
 </ds:datastoreItem>
 </file>
